--- a/Presentation - Hotel Booking Analysis - EDA Capstone Project.pptx
+++ b/Presentation - Hotel Booking Analysis - EDA Capstone Project.pptx
@@ -5,46 +5,49 @@
     <p:sldMasterId id="2147483659" r:id="rId1"/>
   </p:sldMasterIdLst>
   <p:notesMasterIdLst>
-    <p:notesMasterId r:id="rId29"/>
+    <p:notesMasterId r:id="rId32"/>
   </p:notesMasterIdLst>
   <p:sldIdLst>
     <p:sldId id="256" r:id="rId2"/>
     <p:sldId id="300" r:id="rId3"/>
     <p:sldId id="273" r:id="rId4"/>
-    <p:sldId id="275" r:id="rId5"/>
-    <p:sldId id="277" r:id="rId6"/>
-    <p:sldId id="301" r:id="rId7"/>
-    <p:sldId id="295" r:id="rId8"/>
-    <p:sldId id="278" r:id="rId9"/>
-    <p:sldId id="302" r:id="rId10"/>
-    <p:sldId id="283" r:id="rId11"/>
-    <p:sldId id="279" r:id="rId12"/>
-    <p:sldId id="303" r:id="rId13"/>
-    <p:sldId id="304" r:id="rId14"/>
-    <p:sldId id="282" r:id="rId15"/>
-    <p:sldId id="297" r:id="rId16"/>
-    <p:sldId id="298" r:id="rId17"/>
-    <p:sldId id="305" r:id="rId18"/>
-    <p:sldId id="306" r:id="rId19"/>
-    <p:sldId id="290" r:id="rId20"/>
-    <p:sldId id="288" r:id="rId21"/>
-    <p:sldId id="286" r:id="rId22"/>
-    <p:sldId id="307" r:id="rId23"/>
-    <p:sldId id="308" r:id="rId24"/>
-    <p:sldId id="309" r:id="rId25"/>
-    <p:sldId id="310" r:id="rId26"/>
-    <p:sldId id="311" r:id="rId27"/>
-    <p:sldId id="270" r:id="rId28"/>
+    <p:sldId id="313" r:id="rId5"/>
+    <p:sldId id="314" r:id="rId6"/>
+    <p:sldId id="275" r:id="rId7"/>
+    <p:sldId id="277" r:id="rId8"/>
+    <p:sldId id="301" r:id="rId9"/>
+    <p:sldId id="295" r:id="rId10"/>
+    <p:sldId id="278" r:id="rId11"/>
+    <p:sldId id="302" r:id="rId12"/>
+    <p:sldId id="283" r:id="rId13"/>
+    <p:sldId id="279" r:id="rId14"/>
+    <p:sldId id="303" r:id="rId15"/>
+    <p:sldId id="304" r:id="rId16"/>
+    <p:sldId id="312" r:id="rId17"/>
+    <p:sldId id="282" r:id="rId18"/>
+    <p:sldId id="297" r:id="rId19"/>
+    <p:sldId id="298" r:id="rId20"/>
+    <p:sldId id="305" r:id="rId21"/>
+    <p:sldId id="306" r:id="rId22"/>
+    <p:sldId id="290" r:id="rId23"/>
+    <p:sldId id="288" r:id="rId24"/>
+    <p:sldId id="286" r:id="rId25"/>
+    <p:sldId id="307" r:id="rId26"/>
+    <p:sldId id="308" r:id="rId27"/>
+    <p:sldId id="309" r:id="rId28"/>
+    <p:sldId id="310" r:id="rId29"/>
+    <p:sldId id="311" r:id="rId30"/>
+    <p:sldId id="270" r:id="rId31"/>
   </p:sldIdLst>
   <p:sldSz cx="9144000" cy="5143500" type="screen16x9"/>
   <p:notesSz cx="6858000" cy="9144000"/>
   <p:embeddedFontLst>
     <p:embeddedFont>
       <p:font typeface="Montserrat" panose="020B0604020202020204" charset="0"/>
-      <p:regular r:id="rId30"/>
-      <p:bold r:id="rId31"/>
-      <p:italic r:id="rId32"/>
-      <p:boldItalic r:id="rId33"/>
+      <p:regular r:id="rId33"/>
+      <p:bold r:id="rId34"/>
+      <p:italic r:id="rId35"/>
+      <p:boldItalic r:id="rId36"/>
     </p:embeddedFont>
   </p:embeddedFontLst>
   <p:defaultTextStyle>
@@ -1120,7 +1123,7 @@
     </p:spTree>
     <p:extLst>
       <p:ext uri="{BB962C8B-B14F-4D97-AF65-F5344CB8AC3E}">
-        <p14:creationId xmlns:p14="http://schemas.microsoft.com/office/powerpoint/2010/main" val="4026266762"/>
+        <p14:creationId xmlns:p14="http://schemas.microsoft.com/office/powerpoint/2010/main" val="1150969904"/>
       </p:ext>
     </p:extLst>
   </p:cSld>
@@ -1247,7 +1250,7 @@
     </p:spTree>
     <p:extLst>
       <p:ext uri="{BB962C8B-B14F-4D97-AF65-F5344CB8AC3E}">
-        <p14:creationId xmlns:p14="http://schemas.microsoft.com/office/powerpoint/2010/main" val="2636421971"/>
+        <p14:creationId xmlns:p14="http://schemas.microsoft.com/office/powerpoint/2010/main" val="3006141948"/>
       </p:ext>
     </p:extLst>
   </p:cSld>
@@ -1374,7 +1377,7 @@
     </p:spTree>
     <p:extLst>
       <p:ext uri="{BB962C8B-B14F-4D97-AF65-F5344CB8AC3E}">
-        <p14:creationId xmlns:p14="http://schemas.microsoft.com/office/powerpoint/2010/main" val="668770436"/>
+        <p14:creationId xmlns:p14="http://schemas.microsoft.com/office/powerpoint/2010/main" val="4026266762"/>
       </p:ext>
     </p:extLst>
   </p:cSld>
@@ -1501,7 +1504,7 @@
     </p:spTree>
     <p:extLst>
       <p:ext uri="{BB962C8B-B14F-4D97-AF65-F5344CB8AC3E}">
-        <p14:creationId xmlns:p14="http://schemas.microsoft.com/office/powerpoint/2010/main" val="1672786346"/>
+        <p14:creationId xmlns:p14="http://schemas.microsoft.com/office/powerpoint/2010/main" val="2636421971"/>
       </p:ext>
     </p:extLst>
   </p:cSld>
@@ -1628,7 +1631,7 @@
     </p:spTree>
     <p:extLst>
       <p:ext uri="{BB962C8B-B14F-4D97-AF65-F5344CB8AC3E}">
-        <p14:creationId xmlns:p14="http://schemas.microsoft.com/office/powerpoint/2010/main" val="708515292"/>
+        <p14:creationId xmlns:p14="http://schemas.microsoft.com/office/powerpoint/2010/main" val="668770436"/>
       </p:ext>
     </p:extLst>
   </p:cSld>
@@ -1755,7 +1758,7 @@
     </p:spTree>
     <p:extLst>
       <p:ext uri="{BB962C8B-B14F-4D97-AF65-F5344CB8AC3E}">
-        <p14:creationId xmlns:p14="http://schemas.microsoft.com/office/powerpoint/2010/main" val="2890966228"/>
+        <p14:creationId xmlns:p14="http://schemas.microsoft.com/office/powerpoint/2010/main" val="1672786346"/>
       </p:ext>
     </p:extLst>
   </p:cSld>
@@ -1882,7 +1885,7 @@
     </p:spTree>
     <p:extLst>
       <p:ext uri="{BB962C8B-B14F-4D97-AF65-F5344CB8AC3E}">
-        <p14:creationId xmlns:p14="http://schemas.microsoft.com/office/powerpoint/2010/main" val="1842443333"/>
+        <p14:creationId xmlns:p14="http://schemas.microsoft.com/office/powerpoint/2010/main" val="568657050"/>
       </p:ext>
     </p:extLst>
   </p:cSld>
@@ -2009,7 +2012,7 @@
     </p:spTree>
     <p:extLst>
       <p:ext uri="{BB962C8B-B14F-4D97-AF65-F5344CB8AC3E}">
-        <p14:creationId xmlns:p14="http://schemas.microsoft.com/office/powerpoint/2010/main" val="3050801249"/>
+        <p14:creationId xmlns:p14="http://schemas.microsoft.com/office/powerpoint/2010/main" val="708515292"/>
       </p:ext>
     </p:extLst>
   </p:cSld>
@@ -2136,7 +2139,7 @@
     </p:spTree>
     <p:extLst>
       <p:ext uri="{BB962C8B-B14F-4D97-AF65-F5344CB8AC3E}">
-        <p14:creationId xmlns:p14="http://schemas.microsoft.com/office/powerpoint/2010/main" val="2665831897"/>
+        <p14:creationId xmlns:p14="http://schemas.microsoft.com/office/powerpoint/2010/main" val="2890966228"/>
       </p:ext>
     </p:extLst>
   </p:cSld>
@@ -2263,7 +2266,7 @@
     </p:spTree>
     <p:extLst>
       <p:ext uri="{BB962C8B-B14F-4D97-AF65-F5344CB8AC3E}">
-        <p14:creationId xmlns:p14="http://schemas.microsoft.com/office/powerpoint/2010/main" val="3179629860"/>
+        <p14:creationId xmlns:p14="http://schemas.microsoft.com/office/powerpoint/2010/main" val="1842443333"/>
       </p:ext>
     </p:extLst>
   </p:cSld>
@@ -2517,7 +2520,7 @@
     </p:spTree>
     <p:extLst>
       <p:ext uri="{BB962C8B-B14F-4D97-AF65-F5344CB8AC3E}">
-        <p14:creationId xmlns:p14="http://schemas.microsoft.com/office/powerpoint/2010/main" val="3436702185"/>
+        <p14:creationId xmlns:p14="http://schemas.microsoft.com/office/powerpoint/2010/main" val="3050801249"/>
       </p:ext>
     </p:extLst>
   </p:cSld>
@@ -2644,7 +2647,7 @@
     </p:spTree>
     <p:extLst>
       <p:ext uri="{BB962C8B-B14F-4D97-AF65-F5344CB8AC3E}">
-        <p14:creationId xmlns:p14="http://schemas.microsoft.com/office/powerpoint/2010/main" val="357959345"/>
+        <p14:creationId xmlns:p14="http://schemas.microsoft.com/office/powerpoint/2010/main" val="2665831897"/>
       </p:ext>
     </p:extLst>
   </p:cSld>
@@ -2771,7 +2774,7 @@
     </p:spTree>
     <p:extLst>
       <p:ext uri="{BB962C8B-B14F-4D97-AF65-F5344CB8AC3E}">
-        <p14:creationId xmlns:p14="http://schemas.microsoft.com/office/powerpoint/2010/main" val="1827036306"/>
+        <p14:creationId xmlns:p14="http://schemas.microsoft.com/office/powerpoint/2010/main" val="3179629860"/>
       </p:ext>
     </p:extLst>
   </p:cSld>
@@ -2898,7 +2901,7 @@
     </p:spTree>
     <p:extLst>
       <p:ext uri="{BB962C8B-B14F-4D97-AF65-F5344CB8AC3E}">
-        <p14:creationId xmlns:p14="http://schemas.microsoft.com/office/powerpoint/2010/main" val="3826598371"/>
+        <p14:creationId xmlns:p14="http://schemas.microsoft.com/office/powerpoint/2010/main" val="3436702185"/>
       </p:ext>
     </p:extLst>
   </p:cSld>
@@ -3025,7 +3028,7 @@
     </p:spTree>
     <p:extLst>
       <p:ext uri="{BB962C8B-B14F-4D97-AF65-F5344CB8AC3E}">
-        <p14:creationId xmlns:p14="http://schemas.microsoft.com/office/powerpoint/2010/main" val="3047197723"/>
+        <p14:creationId xmlns:p14="http://schemas.microsoft.com/office/powerpoint/2010/main" val="357959345"/>
       </p:ext>
     </p:extLst>
   </p:cSld>
@@ -3152,7 +3155,7 @@
     </p:spTree>
     <p:extLst>
       <p:ext uri="{BB962C8B-B14F-4D97-AF65-F5344CB8AC3E}">
-        <p14:creationId xmlns:p14="http://schemas.microsoft.com/office/powerpoint/2010/main" val="3032623181"/>
+        <p14:creationId xmlns:p14="http://schemas.microsoft.com/office/powerpoint/2010/main" val="1827036306"/>
       </p:ext>
     </p:extLst>
   </p:cSld>
@@ -3279,7 +3282,7 @@
     </p:spTree>
     <p:extLst>
       <p:ext uri="{BB962C8B-B14F-4D97-AF65-F5344CB8AC3E}">
-        <p14:creationId xmlns:p14="http://schemas.microsoft.com/office/powerpoint/2010/main" val="1967569817"/>
+        <p14:creationId xmlns:p14="http://schemas.microsoft.com/office/powerpoint/2010/main" val="3826598371"/>
       </p:ext>
     </p:extLst>
   </p:cSld>
@@ -3406,7 +3409,261 @@
     </p:spTree>
     <p:extLst>
       <p:ext uri="{BB962C8B-B14F-4D97-AF65-F5344CB8AC3E}">
-        <p14:creationId xmlns:p14="http://schemas.microsoft.com/office/powerpoint/2010/main" val="2835021157"/>
+        <p14:creationId xmlns:p14="http://schemas.microsoft.com/office/powerpoint/2010/main" val="3047197723"/>
+      </p:ext>
+    </p:extLst>
+  </p:cSld>
+  <p:clrMapOvr>
+    <a:masterClrMapping/>
+  </p:clrMapOvr>
+</p:notes>
+</file>
+
+<file path=ppt/notesSlides/notesSlide28.xml><?xml version="1.0" encoding="utf-8"?>
+<p:notes xmlns:a="http://schemas.openxmlformats.org/drawingml/2006/main" xmlns:r="http://schemas.openxmlformats.org/officeDocument/2006/relationships" xmlns:p="http://schemas.openxmlformats.org/presentationml/2006/main" showMasterSp="0" showMasterPhAnim="0">
+  <p:cSld>
+    <p:spTree>
+      <p:nvGrpSpPr>
+        <p:cNvPr id="1" name="Shape 56"/>
+        <p:cNvGrpSpPr/>
+        <p:nvPr/>
+      </p:nvGrpSpPr>
+      <p:grpSpPr>
+        <a:xfrm>
+          <a:off x="0" y="0"/>
+          <a:ext cx="0" cy="0"/>
+          <a:chOff x="0" y="0"/>
+          <a:chExt cx="0" cy="0"/>
+        </a:xfrm>
+      </p:grpSpPr>
+      <p:sp>
+        <p:nvSpPr>
+          <p:cNvPr id="57" name="Google Shape;57;gbd08f57e3d_0_0:notes"/>
+          <p:cNvSpPr>
+            <a:spLocks noGrp="1" noRot="1" noChangeAspect="1"/>
+          </p:cNvSpPr>
+          <p:nvPr>
+            <p:ph type="sldImg" idx="2"/>
+          </p:nvPr>
+        </p:nvSpPr>
+        <p:spPr>
+          <a:xfrm>
+            <a:off x="381000" y="685800"/>
+            <a:ext cx="6096000" cy="3429000"/>
+          </a:xfrm>
+          <a:custGeom>
+            <a:avLst/>
+            <a:gdLst/>
+            <a:ahLst/>
+            <a:cxnLst/>
+            <a:rect l="l" t="t" r="r" b="b"/>
+            <a:pathLst>
+              <a:path w="120000" h="120000" extrusionOk="0">
+                <a:moveTo>
+                  <a:pt x="0" y="0"/>
+                </a:moveTo>
+                <a:lnTo>
+                  <a:pt x="120000" y="0"/>
+                </a:lnTo>
+                <a:lnTo>
+                  <a:pt x="120000" y="120000"/>
+                </a:lnTo>
+                <a:lnTo>
+                  <a:pt x="0" y="120000"/>
+                </a:lnTo>
+                <a:close/>
+              </a:path>
+            </a:pathLst>
+          </a:custGeom>
+          <a:noFill/>
+          <a:ln w="9525" cap="flat" cmpd="sng">
+            <a:solidFill>
+              <a:srgbClr val="000000"/>
+            </a:solidFill>
+            <a:prstDash val="solid"/>
+            <a:round/>
+            <a:headEnd type="none" w="sm" len="sm"/>
+            <a:tailEnd type="none" w="sm" len="sm"/>
+          </a:ln>
+        </p:spPr>
+      </p:sp>
+      <p:sp>
+        <p:nvSpPr>
+          <p:cNvPr id="58" name="Google Shape;58;gbd08f57e3d_0_0:notes"/>
+          <p:cNvSpPr txBox="1">
+            <a:spLocks noGrp="1"/>
+          </p:cNvSpPr>
+          <p:nvPr>
+            <p:ph type="body" idx="1"/>
+          </p:nvPr>
+        </p:nvSpPr>
+        <p:spPr>
+          <a:xfrm>
+            <a:off x="685800" y="4343400"/>
+            <a:ext cx="5486400" cy="4114800"/>
+          </a:xfrm>
+          <a:prstGeom prst="rect">
+            <a:avLst/>
+          </a:prstGeom>
+          <a:noFill/>
+          <a:ln>
+            <a:noFill/>
+          </a:ln>
+        </p:spPr>
+        <p:txBody>
+          <a:bodyPr spcFirstLastPara="1" wrap="square" lIns="91425" tIns="91425" rIns="91425" bIns="91425" anchor="t" anchorCtr="0">
+            <a:noAutofit/>
+          </a:bodyPr>
+          <a:lstStyle/>
+          <a:p>
+            <a:pPr marL="0" lvl="0" indent="0" algn="l" rtl="0">
+              <a:lnSpc>
+                <a:spcPct val="100000"/>
+              </a:lnSpc>
+              <a:spcBef>
+                <a:spcPts val="0"/>
+              </a:spcBef>
+              <a:spcAft>
+                <a:spcPts val="0"/>
+              </a:spcAft>
+              <a:buSzPts val="1100"/>
+              <a:buNone/>
+            </a:pPr>
+            <a:endParaRPr/>
+          </a:p>
+        </p:txBody>
+      </p:sp>
+    </p:spTree>
+    <p:extLst>
+      <p:ext uri="{BB962C8B-B14F-4D97-AF65-F5344CB8AC3E}">
+        <p14:creationId xmlns:p14="http://schemas.microsoft.com/office/powerpoint/2010/main" val="3032623181"/>
+      </p:ext>
+    </p:extLst>
+  </p:cSld>
+  <p:clrMapOvr>
+    <a:masterClrMapping/>
+  </p:clrMapOvr>
+</p:notes>
+</file>
+
+<file path=ppt/notesSlides/notesSlide29.xml><?xml version="1.0" encoding="utf-8"?>
+<p:notes xmlns:a="http://schemas.openxmlformats.org/drawingml/2006/main" xmlns:r="http://schemas.openxmlformats.org/officeDocument/2006/relationships" xmlns:p="http://schemas.openxmlformats.org/presentationml/2006/main" showMasterSp="0" showMasterPhAnim="0">
+  <p:cSld>
+    <p:spTree>
+      <p:nvGrpSpPr>
+        <p:cNvPr id="1" name="Shape 56"/>
+        <p:cNvGrpSpPr/>
+        <p:nvPr/>
+      </p:nvGrpSpPr>
+      <p:grpSpPr>
+        <a:xfrm>
+          <a:off x="0" y="0"/>
+          <a:ext cx="0" cy="0"/>
+          <a:chOff x="0" y="0"/>
+          <a:chExt cx="0" cy="0"/>
+        </a:xfrm>
+      </p:grpSpPr>
+      <p:sp>
+        <p:nvSpPr>
+          <p:cNvPr id="57" name="Google Shape;57;gbd08f57e3d_0_0:notes"/>
+          <p:cNvSpPr>
+            <a:spLocks noGrp="1" noRot="1" noChangeAspect="1"/>
+          </p:cNvSpPr>
+          <p:nvPr>
+            <p:ph type="sldImg" idx="2"/>
+          </p:nvPr>
+        </p:nvSpPr>
+        <p:spPr>
+          <a:xfrm>
+            <a:off x="381000" y="685800"/>
+            <a:ext cx="6096000" cy="3429000"/>
+          </a:xfrm>
+          <a:custGeom>
+            <a:avLst/>
+            <a:gdLst/>
+            <a:ahLst/>
+            <a:cxnLst/>
+            <a:rect l="l" t="t" r="r" b="b"/>
+            <a:pathLst>
+              <a:path w="120000" h="120000" extrusionOk="0">
+                <a:moveTo>
+                  <a:pt x="0" y="0"/>
+                </a:moveTo>
+                <a:lnTo>
+                  <a:pt x="120000" y="0"/>
+                </a:lnTo>
+                <a:lnTo>
+                  <a:pt x="120000" y="120000"/>
+                </a:lnTo>
+                <a:lnTo>
+                  <a:pt x="0" y="120000"/>
+                </a:lnTo>
+                <a:close/>
+              </a:path>
+            </a:pathLst>
+          </a:custGeom>
+          <a:noFill/>
+          <a:ln w="9525" cap="flat" cmpd="sng">
+            <a:solidFill>
+              <a:srgbClr val="000000"/>
+            </a:solidFill>
+            <a:prstDash val="solid"/>
+            <a:round/>
+            <a:headEnd type="none" w="sm" len="sm"/>
+            <a:tailEnd type="none" w="sm" len="sm"/>
+          </a:ln>
+        </p:spPr>
+      </p:sp>
+      <p:sp>
+        <p:nvSpPr>
+          <p:cNvPr id="58" name="Google Shape;58;gbd08f57e3d_0_0:notes"/>
+          <p:cNvSpPr txBox="1">
+            <a:spLocks noGrp="1"/>
+          </p:cNvSpPr>
+          <p:nvPr>
+            <p:ph type="body" idx="1"/>
+          </p:nvPr>
+        </p:nvSpPr>
+        <p:spPr>
+          <a:xfrm>
+            <a:off x="685800" y="4343400"/>
+            <a:ext cx="5486400" cy="4114800"/>
+          </a:xfrm>
+          <a:prstGeom prst="rect">
+            <a:avLst/>
+          </a:prstGeom>
+          <a:noFill/>
+          <a:ln>
+            <a:noFill/>
+          </a:ln>
+        </p:spPr>
+        <p:txBody>
+          <a:bodyPr spcFirstLastPara="1" wrap="square" lIns="91425" tIns="91425" rIns="91425" bIns="91425" anchor="t" anchorCtr="0">
+            <a:noAutofit/>
+          </a:bodyPr>
+          <a:lstStyle/>
+          <a:p>
+            <a:pPr marL="0" lvl="0" indent="0" algn="l" rtl="0">
+              <a:lnSpc>
+                <a:spcPct val="100000"/>
+              </a:lnSpc>
+              <a:spcBef>
+                <a:spcPts val="0"/>
+              </a:spcBef>
+              <a:spcAft>
+                <a:spcPts val="0"/>
+              </a:spcAft>
+              <a:buSzPts val="1100"/>
+              <a:buNone/>
+            </a:pPr>
+            <a:endParaRPr/>
+          </a:p>
+        </p:txBody>
+      </p:sp>
+    </p:spTree>
+    <p:extLst>
+      <p:ext uri="{BB962C8B-B14F-4D97-AF65-F5344CB8AC3E}">
+        <p14:creationId xmlns:p14="http://schemas.microsoft.com/office/powerpoint/2010/main" val="1967569817"/>
       </p:ext>
     </p:extLst>
   </p:cSld>
@@ -3543,6 +3800,133 @@
 </p:notes>
 </file>
 
+<file path=ppt/notesSlides/notesSlide30.xml><?xml version="1.0" encoding="utf-8"?>
+<p:notes xmlns:a="http://schemas.openxmlformats.org/drawingml/2006/main" xmlns:r="http://schemas.openxmlformats.org/officeDocument/2006/relationships" xmlns:p="http://schemas.openxmlformats.org/presentationml/2006/main" showMasterSp="0" showMasterPhAnim="0">
+  <p:cSld>
+    <p:spTree>
+      <p:nvGrpSpPr>
+        <p:cNvPr id="1" name="Shape 56"/>
+        <p:cNvGrpSpPr/>
+        <p:nvPr/>
+      </p:nvGrpSpPr>
+      <p:grpSpPr>
+        <a:xfrm>
+          <a:off x="0" y="0"/>
+          <a:ext cx="0" cy="0"/>
+          <a:chOff x="0" y="0"/>
+          <a:chExt cx="0" cy="0"/>
+        </a:xfrm>
+      </p:grpSpPr>
+      <p:sp>
+        <p:nvSpPr>
+          <p:cNvPr id="57" name="Google Shape;57;gbd08f57e3d_0_0:notes"/>
+          <p:cNvSpPr>
+            <a:spLocks noGrp="1" noRot="1" noChangeAspect="1"/>
+          </p:cNvSpPr>
+          <p:nvPr>
+            <p:ph type="sldImg" idx="2"/>
+          </p:nvPr>
+        </p:nvSpPr>
+        <p:spPr>
+          <a:xfrm>
+            <a:off x="381000" y="685800"/>
+            <a:ext cx="6096000" cy="3429000"/>
+          </a:xfrm>
+          <a:custGeom>
+            <a:avLst/>
+            <a:gdLst/>
+            <a:ahLst/>
+            <a:cxnLst/>
+            <a:rect l="l" t="t" r="r" b="b"/>
+            <a:pathLst>
+              <a:path w="120000" h="120000" extrusionOk="0">
+                <a:moveTo>
+                  <a:pt x="0" y="0"/>
+                </a:moveTo>
+                <a:lnTo>
+                  <a:pt x="120000" y="0"/>
+                </a:lnTo>
+                <a:lnTo>
+                  <a:pt x="120000" y="120000"/>
+                </a:lnTo>
+                <a:lnTo>
+                  <a:pt x="0" y="120000"/>
+                </a:lnTo>
+                <a:close/>
+              </a:path>
+            </a:pathLst>
+          </a:custGeom>
+          <a:noFill/>
+          <a:ln w="9525" cap="flat" cmpd="sng">
+            <a:solidFill>
+              <a:srgbClr val="000000"/>
+            </a:solidFill>
+            <a:prstDash val="solid"/>
+            <a:round/>
+            <a:headEnd type="none" w="sm" len="sm"/>
+            <a:tailEnd type="none" w="sm" len="sm"/>
+          </a:ln>
+        </p:spPr>
+      </p:sp>
+      <p:sp>
+        <p:nvSpPr>
+          <p:cNvPr id="58" name="Google Shape;58;gbd08f57e3d_0_0:notes"/>
+          <p:cNvSpPr txBox="1">
+            <a:spLocks noGrp="1"/>
+          </p:cNvSpPr>
+          <p:nvPr>
+            <p:ph type="body" idx="1"/>
+          </p:nvPr>
+        </p:nvSpPr>
+        <p:spPr>
+          <a:xfrm>
+            <a:off x="685800" y="4343400"/>
+            <a:ext cx="5486400" cy="4114800"/>
+          </a:xfrm>
+          <a:prstGeom prst="rect">
+            <a:avLst/>
+          </a:prstGeom>
+          <a:noFill/>
+          <a:ln>
+            <a:noFill/>
+          </a:ln>
+        </p:spPr>
+        <p:txBody>
+          <a:bodyPr spcFirstLastPara="1" wrap="square" lIns="91425" tIns="91425" rIns="91425" bIns="91425" anchor="t" anchorCtr="0">
+            <a:noAutofit/>
+          </a:bodyPr>
+          <a:lstStyle/>
+          <a:p>
+            <a:pPr marL="0" lvl="0" indent="0" algn="l" rtl="0">
+              <a:lnSpc>
+                <a:spcPct val="100000"/>
+              </a:lnSpc>
+              <a:spcBef>
+                <a:spcPts val="0"/>
+              </a:spcBef>
+              <a:spcAft>
+                <a:spcPts val="0"/>
+              </a:spcAft>
+              <a:buSzPts val="1100"/>
+              <a:buNone/>
+            </a:pPr>
+            <a:endParaRPr/>
+          </a:p>
+        </p:txBody>
+      </p:sp>
+    </p:spTree>
+    <p:extLst>
+      <p:ext uri="{BB962C8B-B14F-4D97-AF65-F5344CB8AC3E}">
+        <p14:creationId xmlns:p14="http://schemas.microsoft.com/office/powerpoint/2010/main" val="2835021157"/>
+      </p:ext>
+    </p:extLst>
+  </p:cSld>
+  <p:clrMapOvr>
+    <a:masterClrMapping/>
+  </p:clrMapOvr>
+</p:notes>
+</file>
+
 <file path=ppt/notesSlides/notesSlide4.xml><?xml version="1.0" encoding="utf-8"?>
 <p:notes xmlns:a="http://schemas.openxmlformats.org/drawingml/2006/main" xmlns:r="http://schemas.openxmlformats.org/officeDocument/2006/relationships" xmlns:p="http://schemas.openxmlformats.org/presentationml/2006/main" showMasterSp="0" showMasterPhAnim="0">
   <p:cSld>
@@ -3660,7 +4044,7 @@
     </p:spTree>
     <p:extLst>
       <p:ext uri="{BB962C8B-B14F-4D97-AF65-F5344CB8AC3E}">
-        <p14:creationId xmlns:p14="http://schemas.microsoft.com/office/powerpoint/2010/main" val="1417610249"/>
+        <p14:creationId xmlns:p14="http://schemas.microsoft.com/office/powerpoint/2010/main" val="830297038"/>
       </p:ext>
     </p:extLst>
   </p:cSld>
@@ -3787,7 +4171,7 @@
     </p:spTree>
     <p:extLst>
       <p:ext uri="{BB962C8B-B14F-4D97-AF65-F5344CB8AC3E}">
-        <p14:creationId xmlns:p14="http://schemas.microsoft.com/office/powerpoint/2010/main" val="1006966448"/>
+        <p14:creationId xmlns:p14="http://schemas.microsoft.com/office/powerpoint/2010/main" val="1974826246"/>
       </p:ext>
     </p:extLst>
   </p:cSld>
@@ -3914,7 +4298,7 @@
     </p:spTree>
     <p:extLst>
       <p:ext uri="{BB962C8B-B14F-4D97-AF65-F5344CB8AC3E}">
-        <p14:creationId xmlns:p14="http://schemas.microsoft.com/office/powerpoint/2010/main" val="3275174670"/>
+        <p14:creationId xmlns:p14="http://schemas.microsoft.com/office/powerpoint/2010/main" val="1417610249"/>
       </p:ext>
     </p:extLst>
   </p:cSld>
@@ -4041,7 +4425,7 @@
     </p:spTree>
     <p:extLst>
       <p:ext uri="{BB962C8B-B14F-4D97-AF65-F5344CB8AC3E}">
-        <p14:creationId xmlns:p14="http://schemas.microsoft.com/office/powerpoint/2010/main" val="2772890035"/>
+        <p14:creationId xmlns:p14="http://schemas.microsoft.com/office/powerpoint/2010/main" val="1006966448"/>
       </p:ext>
     </p:extLst>
   </p:cSld>
@@ -4168,7 +4552,7 @@
     </p:spTree>
     <p:extLst>
       <p:ext uri="{BB962C8B-B14F-4D97-AF65-F5344CB8AC3E}">
-        <p14:creationId xmlns:p14="http://schemas.microsoft.com/office/powerpoint/2010/main" val="1150969904"/>
+        <p14:creationId xmlns:p14="http://schemas.microsoft.com/office/powerpoint/2010/main" val="3275174670"/>
       </p:ext>
     </p:extLst>
   </p:cSld>
@@ -4295,7 +4679,7 @@
     </p:spTree>
     <p:extLst>
       <p:ext uri="{BB962C8B-B14F-4D97-AF65-F5344CB8AC3E}">
-        <p14:creationId xmlns:p14="http://schemas.microsoft.com/office/powerpoint/2010/main" val="3006141948"/>
+        <p14:creationId xmlns:p14="http://schemas.microsoft.com/office/powerpoint/2010/main" val="2772890035"/>
       </p:ext>
     </p:extLst>
   </p:cSld>
@@ -12491,7 +12875,7 @@
                 <a:cs typeface="Montserrat"/>
                 <a:sym typeface="Montserrat"/>
               </a:rPr>
-              <a:t>Daily Rates by Months</a:t>
+              <a:t>Monthly Bookings</a:t>
             </a:r>
             <a:endParaRPr sz="2800" b="1" dirty="0">
               <a:solidFill>
@@ -12513,8 +12897,8 @@
         </p:nvSpPr>
         <p:spPr>
           <a:xfrm>
-            <a:off x="504276" y="1412755"/>
-            <a:ext cx="2788957" cy="3001334"/>
+            <a:off x="437367" y="2220308"/>
+            <a:ext cx="2919959" cy="1524007"/>
           </a:xfrm>
           <a:prstGeom prst="rect">
             <a:avLst/>
@@ -12538,7 +12922,7 @@
                   <a:schemeClr val="bg1"/>
                 </a:solidFill>
               </a:rPr>
-              <a:t>adr is higher in summer months and lower in winter months, and </a:t>
+              <a:t>For both hotel types, </a:t>
             </a:r>
             <a:r>
               <a:rPr lang="en-US" sz="1600" dirty="0" smtClean="0">
@@ -12546,7 +12930,7 @@
                   <a:schemeClr val="bg1"/>
                 </a:solidFill>
               </a:rPr>
-              <a:t>we </a:t>
+              <a:t>winter months </a:t>
             </a:r>
             <a:r>
               <a:rPr lang="en-US" sz="1600" dirty="0">
@@ -12554,7 +12938,7 @@
                   <a:schemeClr val="bg1"/>
                 </a:solidFill>
               </a:rPr>
-              <a:t>saw the similar pattern in total bookings over </a:t>
+              <a:t>have less bookings compared to mid-year (or summer) </a:t>
             </a:r>
             <a:r>
               <a:rPr lang="en-US" sz="1600" dirty="0" smtClean="0">
@@ -12562,15 +12946,7 @@
                   <a:schemeClr val="bg1"/>
                 </a:solidFill>
               </a:rPr>
-              <a:t>months. Simple </a:t>
-            </a:r>
-            <a:r>
-              <a:rPr lang="en-US" sz="1600" dirty="0">
-                <a:solidFill>
-                  <a:schemeClr val="bg1"/>
-                </a:solidFill>
-              </a:rPr>
-              <a:t>market principle i.e., more demand more price and less demand less price.</a:t>
+              <a:t>months.</a:t>
             </a:r>
             <a:endParaRPr lang="en-IN" sz="1600" dirty="0">
               <a:solidFill>
@@ -12582,7 +12958,7 @@
       </p:sp>
       <p:pic>
         <p:nvPicPr>
-          <p:cNvPr id="3" name="Picture 2"/>
+          <p:cNvPr id="2" name="Picture 1"/>
           <p:cNvPicPr>
             <a:picLocks noChangeAspect="1"/>
           </p:cNvPicPr>
@@ -12596,8 +12972,8 @@
         </p:blipFill>
         <p:spPr>
           <a:xfrm>
-            <a:off x="4077690" y="1178698"/>
-            <a:ext cx="4750561" cy="3469449"/>
+            <a:off x="3854727" y="1367331"/>
+            <a:ext cx="4973524" cy="3229962"/>
           </a:xfrm>
           <a:prstGeom prst="rect">
             <a:avLst/>
@@ -12607,7 +12983,7 @@
     </p:spTree>
     <p:extLst>
       <p:ext uri="{BB962C8B-B14F-4D97-AF65-F5344CB8AC3E}">
-        <p14:creationId xmlns:p14="http://schemas.microsoft.com/office/powerpoint/2010/main" val="2361584009"/>
+        <p14:creationId xmlns:p14="http://schemas.microsoft.com/office/powerpoint/2010/main" val="3628492927"/>
       </p:ext>
     </p:extLst>
   </p:cSld>
@@ -12751,7 +13127,7 @@
                 <a:cs typeface="Montserrat"/>
                 <a:sym typeface="Montserrat"/>
               </a:rPr>
-              <a:t>Bookings by Country</a:t>
+              <a:t>Monthly Cancellations</a:t>
             </a:r>
             <a:endParaRPr sz="2800" b="1" dirty="0">
               <a:solidFill>
@@ -12767,14 +13143,14 @@
       </p:sp>
       <p:sp>
         <p:nvSpPr>
-          <p:cNvPr id="7" name="TextBox 6"/>
+          <p:cNvPr id="8" name="TextBox 7"/>
           <p:cNvSpPr txBox="1"/>
           <p:nvPr/>
         </p:nvSpPr>
         <p:spPr>
           <a:xfrm>
-            <a:off x="468351" y="1178696"/>
-            <a:ext cx="8359900" cy="830997"/>
+            <a:off x="437367" y="1843312"/>
+            <a:ext cx="2919959" cy="2262671"/>
           </a:xfrm>
           <a:prstGeom prst="rect">
             <a:avLst/>
@@ -12793,12 +13169,20 @@
               </a:lnSpc>
             </a:pPr>
             <a:r>
+              <a:rPr lang="en-US" sz="1600" dirty="0">
+                <a:solidFill>
+                  <a:schemeClr val="bg1"/>
+                </a:solidFill>
+              </a:rPr>
+              <a:t>Graphs for </a:t>
+            </a:r>
+            <a:r>
               <a:rPr lang="en-US" sz="1600" dirty="0" smtClean="0">
                 <a:solidFill>
                   <a:schemeClr val="bg1"/>
                 </a:solidFill>
               </a:rPr>
-              <a:t>Portugal has </a:t>
+              <a:t>total bookings </a:t>
             </a:r>
             <a:r>
               <a:rPr lang="en-US" sz="1600" dirty="0">
@@ -12806,7 +13190,7 @@
                   <a:schemeClr val="bg1"/>
                 </a:solidFill>
               </a:rPr>
-              <a:t>significantly higher number of bookings compared </a:t>
+              <a:t>and </a:t>
             </a:r>
             <a:r>
               <a:rPr lang="en-US" sz="1600" dirty="0" smtClean="0">
@@ -12814,7 +13198,7 @@
                   <a:schemeClr val="bg1"/>
                 </a:solidFill>
               </a:rPr>
-              <a:t>to </a:t>
+              <a:t>total cancellations </a:t>
             </a:r>
             <a:r>
               <a:rPr lang="en-US" sz="1600" dirty="0">
@@ -12822,23 +13206,7 @@
                   <a:schemeClr val="bg1"/>
                 </a:solidFill>
               </a:rPr>
-              <a:t>other countries. Next major countries are GBR, FRA, ESP etc. Most of the top countries are </a:t>
-            </a:r>
-            <a:r>
-              <a:rPr lang="en-US" sz="1600" dirty="0" smtClean="0">
-                <a:solidFill>
-                  <a:schemeClr val="bg1"/>
-                </a:solidFill>
-              </a:rPr>
-              <a:t>European countries</a:t>
-            </a:r>
-            <a:r>
-              <a:rPr lang="en-US" sz="1600" dirty="0">
-                <a:solidFill>
-                  <a:schemeClr val="bg1"/>
-                </a:solidFill>
-              </a:rPr>
-              <a:t>.</a:t>
+              <a:t>for both hotel types are similar which means with more number of bookings, more are the cancellations.</a:t>
             </a:r>
             <a:endParaRPr lang="en-IN" sz="1600" dirty="0">
               <a:solidFill>
@@ -12850,7 +13218,7 @@
       </p:sp>
       <p:pic>
         <p:nvPicPr>
-          <p:cNvPr id="2" name="Picture 1"/>
+          <p:cNvPr id="3" name="Picture 2"/>
           <p:cNvPicPr>
             <a:picLocks noChangeAspect="1"/>
           </p:cNvPicPr>
@@ -12864,8 +13232,8 @@
         </p:blipFill>
         <p:spPr>
           <a:xfrm>
-            <a:off x="817098" y="2055624"/>
-            <a:ext cx="7778262" cy="2610513"/>
+            <a:off x="3828585" y="1335840"/>
+            <a:ext cx="4999666" cy="3277617"/>
           </a:xfrm>
           <a:prstGeom prst="rect">
             <a:avLst/>
@@ -12875,7 +13243,7 @@
     </p:spTree>
     <p:extLst>
       <p:ext uri="{BB962C8B-B14F-4D97-AF65-F5344CB8AC3E}">
-        <p14:creationId xmlns:p14="http://schemas.microsoft.com/office/powerpoint/2010/main" val="837472716"/>
+        <p14:creationId xmlns:p14="http://schemas.microsoft.com/office/powerpoint/2010/main" val="2873266655"/>
       </p:ext>
     </p:extLst>
   </p:cSld>
@@ -13019,31 +13387,7 @@
                 <a:cs typeface="Montserrat"/>
                 <a:sym typeface="Montserrat"/>
               </a:rPr>
-              <a:t>Bookings </a:t>
-            </a:r>
-            <a:r>
-              <a:rPr lang="en-IN" sz="2400" b="1" dirty="0" smtClean="0">
-                <a:solidFill>
-                  <a:schemeClr val="tx1"/>
-                </a:solidFill>
-                <a:latin typeface="Montserrat"/>
-                <a:ea typeface="Montserrat"/>
-                <a:cs typeface="Montserrat"/>
-                <a:sym typeface="Montserrat"/>
-              </a:rPr>
-              <a:t>by </a:t>
-            </a:r>
-            <a:r>
-              <a:rPr lang="en-IN" sz="2400" b="1" dirty="0" smtClean="0">
-                <a:solidFill>
-                  <a:schemeClr val="tx1"/>
-                </a:solidFill>
-                <a:latin typeface="Montserrat"/>
-                <a:ea typeface="Montserrat"/>
-                <a:cs typeface="Montserrat"/>
-                <a:sym typeface="Montserrat"/>
-              </a:rPr>
-              <a:t>Market Segments</a:t>
+              <a:t>Daily Rates by Months</a:t>
             </a:r>
             <a:endParaRPr sz="2800" b="1" dirty="0">
               <a:solidFill>
@@ -13065,8 +13409,8 @@
         </p:nvSpPr>
         <p:spPr>
           <a:xfrm>
-            <a:off x="489408" y="2000053"/>
-            <a:ext cx="2788957" cy="1893339"/>
+            <a:off x="504276" y="1412755"/>
+            <a:ext cx="2788957" cy="3001334"/>
           </a:xfrm>
           <a:prstGeom prst="rect">
             <a:avLst/>
@@ -13090,7 +13434,39 @@
                   <a:schemeClr val="bg1"/>
                 </a:solidFill>
               </a:rPr>
-              <a:t>Indirect bookings through travel agents (specially Online) are higher compared to other bookings like direct, corporate, group etc.</a:t>
+              <a:t>adr is higher in summer months and lower in winter months, and </a:t>
+            </a:r>
+            <a:r>
+              <a:rPr lang="en-US" sz="1600" dirty="0" smtClean="0">
+                <a:solidFill>
+                  <a:schemeClr val="bg1"/>
+                </a:solidFill>
+              </a:rPr>
+              <a:t>we </a:t>
+            </a:r>
+            <a:r>
+              <a:rPr lang="en-US" sz="1600" dirty="0">
+                <a:solidFill>
+                  <a:schemeClr val="bg1"/>
+                </a:solidFill>
+              </a:rPr>
+              <a:t>saw the similar pattern in total bookings over </a:t>
+            </a:r>
+            <a:r>
+              <a:rPr lang="en-US" sz="1600" dirty="0" smtClean="0">
+                <a:solidFill>
+                  <a:schemeClr val="bg1"/>
+                </a:solidFill>
+              </a:rPr>
+              <a:t>months. Simple </a:t>
+            </a:r>
+            <a:r>
+              <a:rPr lang="en-US" sz="1600" dirty="0">
+                <a:solidFill>
+                  <a:schemeClr val="bg1"/>
+                </a:solidFill>
+              </a:rPr>
+              <a:t>market principle i.e., more demand more price and less demand less price.</a:t>
             </a:r>
             <a:endParaRPr lang="en-IN" sz="1600" dirty="0">
               <a:solidFill>
@@ -13102,7 +13478,7 @@
       </p:sp>
       <p:pic>
         <p:nvPicPr>
-          <p:cNvPr id="2" name="Picture 1"/>
+          <p:cNvPr id="3" name="Picture 2"/>
           <p:cNvPicPr>
             <a:picLocks noChangeAspect="1"/>
           </p:cNvPicPr>
@@ -13116,8 +13492,8 @@
         </p:blipFill>
         <p:spPr>
           <a:xfrm>
-            <a:off x="3798849" y="1141529"/>
-            <a:ext cx="5029402" cy="3628612"/>
+            <a:off x="4077690" y="1178698"/>
+            <a:ext cx="4750561" cy="3469449"/>
           </a:xfrm>
           <a:prstGeom prst="rect">
             <a:avLst/>
@@ -13127,7 +13503,7 @@
     </p:spTree>
     <p:extLst>
       <p:ext uri="{BB962C8B-B14F-4D97-AF65-F5344CB8AC3E}">
-        <p14:creationId xmlns:p14="http://schemas.microsoft.com/office/powerpoint/2010/main" val="3615448407"/>
+        <p14:creationId xmlns:p14="http://schemas.microsoft.com/office/powerpoint/2010/main" val="2361584009"/>
       </p:ext>
     </p:extLst>
   </p:cSld>
@@ -13271,31 +13647,7 @@
                 <a:cs typeface="Montserrat"/>
                 <a:sym typeface="Montserrat"/>
               </a:rPr>
-              <a:t>Cancellations </a:t>
-            </a:r>
-            <a:r>
-              <a:rPr lang="en-IN" sz="2400" b="1" dirty="0" smtClean="0">
-                <a:solidFill>
-                  <a:schemeClr val="tx1"/>
-                </a:solidFill>
-                <a:latin typeface="Montserrat"/>
-                <a:ea typeface="Montserrat"/>
-                <a:cs typeface="Montserrat"/>
-                <a:sym typeface="Montserrat"/>
-              </a:rPr>
-              <a:t>by </a:t>
-            </a:r>
-            <a:r>
-              <a:rPr lang="en-IN" sz="2400" b="1" dirty="0" smtClean="0">
-                <a:solidFill>
-                  <a:schemeClr val="tx1"/>
-                </a:solidFill>
-                <a:latin typeface="Montserrat"/>
-                <a:ea typeface="Montserrat"/>
-                <a:cs typeface="Montserrat"/>
-                <a:sym typeface="Montserrat"/>
-              </a:rPr>
-              <a:t>Market Segments</a:t>
+              <a:t>Bookings by Country</a:t>
             </a:r>
             <a:endParaRPr sz="2800" b="1" dirty="0">
               <a:solidFill>
@@ -13311,14 +13663,14 @@
       </p:sp>
       <p:sp>
         <p:nvSpPr>
-          <p:cNvPr id="8" name="TextBox 7"/>
+          <p:cNvPr id="7" name="TextBox 6"/>
           <p:cNvSpPr txBox="1"/>
           <p:nvPr/>
         </p:nvSpPr>
         <p:spPr>
           <a:xfrm>
-            <a:off x="481973" y="1278941"/>
-            <a:ext cx="2788957" cy="3370666"/>
+            <a:off x="468351" y="1178696"/>
+            <a:ext cx="8359900" cy="830997"/>
           </a:xfrm>
           <a:prstGeom prst="rect">
             <a:avLst/>
@@ -13337,12 +13689,52 @@
               </a:lnSpc>
             </a:pPr>
             <a:r>
+              <a:rPr lang="en-US" sz="1600" dirty="0" smtClean="0">
+                <a:solidFill>
+                  <a:schemeClr val="bg1"/>
+                </a:solidFill>
+              </a:rPr>
+              <a:t>Portugal has </a:t>
+            </a:r>
+            <a:r>
               <a:rPr lang="en-US" sz="1600" dirty="0">
                 <a:solidFill>
                   <a:schemeClr val="bg1"/>
                 </a:solidFill>
               </a:rPr>
-              <a:t>We see that Online TA has highest proportion of cancellations (around 35%) but at the same time number of non cancelled bookings are also the highest for Online TA. Cancellation proportions for other segments are less.</a:t>
+              <a:t>significantly higher number of bookings compared </a:t>
+            </a:r>
+            <a:r>
+              <a:rPr lang="en-US" sz="1600" dirty="0" smtClean="0">
+                <a:solidFill>
+                  <a:schemeClr val="bg1"/>
+                </a:solidFill>
+              </a:rPr>
+              <a:t>to </a:t>
+            </a:r>
+            <a:r>
+              <a:rPr lang="en-US" sz="1600" dirty="0">
+                <a:solidFill>
+                  <a:schemeClr val="bg1"/>
+                </a:solidFill>
+              </a:rPr>
+              <a:t>other countries. Next major countries are GBR, FRA, ESP etc. Most of the top countries are </a:t>
+            </a:r>
+            <a:r>
+              <a:rPr lang="en-US" sz="1600" dirty="0" smtClean="0">
+                <a:solidFill>
+                  <a:schemeClr val="bg1"/>
+                </a:solidFill>
+              </a:rPr>
+              <a:t>European countries</a:t>
+            </a:r>
+            <a:r>
+              <a:rPr lang="en-US" sz="1600" dirty="0">
+                <a:solidFill>
+                  <a:schemeClr val="bg1"/>
+                </a:solidFill>
+              </a:rPr>
+              <a:t>.</a:t>
             </a:r>
             <a:endParaRPr lang="en-IN" sz="1600" dirty="0">
               <a:solidFill>
@@ -13354,7 +13746,7 @@
       </p:sp>
       <p:pic>
         <p:nvPicPr>
-          <p:cNvPr id="3" name="Picture 2"/>
+          <p:cNvPr id="2" name="Picture 1"/>
           <p:cNvPicPr>
             <a:picLocks noChangeAspect="1"/>
           </p:cNvPicPr>
@@ -13368,8 +13760,8 @@
         </p:blipFill>
         <p:spPr>
           <a:xfrm>
-            <a:off x="3813717" y="1119226"/>
-            <a:ext cx="5014534" cy="3711173"/>
+            <a:off x="698874" y="2055624"/>
+            <a:ext cx="7896486" cy="2650191"/>
           </a:xfrm>
           <a:prstGeom prst="rect">
             <a:avLst/>
@@ -13379,7 +13771,7 @@
     </p:spTree>
     <p:extLst>
       <p:ext uri="{BB962C8B-B14F-4D97-AF65-F5344CB8AC3E}">
-        <p14:creationId xmlns:p14="http://schemas.microsoft.com/office/powerpoint/2010/main" val="4253481122"/>
+        <p14:creationId xmlns:p14="http://schemas.microsoft.com/office/powerpoint/2010/main" val="837472716"/>
       </p:ext>
     </p:extLst>
   </p:cSld>
@@ -13523,19 +13915,7 @@
                 <a:cs typeface="Montserrat"/>
                 <a:sym typeface="Montserrat"/>
               </a:rPr>
-              <a:t>Daily </a:t>
-            </a:r>
-            <a:r>
-              <a:rPr lang="en-IN" sz="2400" b="1" dirty="0" smtClean="0">
-                <a:solidFill>
-                  <a:schemeClr val="tx1"/>
-                </a:solidFill>
-                <a:latin typeface="Montserrat"/>
-                <a:ea typeface="Montserrat"/>
-                <a:cs typeface="Montserrat"/>
-                <a:sym typeface="Montserrat"/>
-              </a:rPr>
-              <a:t>Rate Distribution</a:t>
+              <a:t>Bookings by Market Segments</a:t>
             </a:r>
             <a:endParaRPr sz="2800" b="1" dirty="0">
               <a:solidFill>
@@ -13545,6 +13925,49 @@
               <a:ea typeface="Montserrat"/>
               <a:cs typeface="Montserrat"/>
               <a:sym typeface="Montserrat"/>
+            </a:endParaRPr>
+          </a:p>
+        </p:txBody>
+      </p:sp>
+      <p:sp>
+        <p:nvSpPr>
+          <p:cNvPr id="8" name="TextBox 7"/>
+          <p:cNvSpPr txBox="1"/>
+          <p:nvPr/>
+        </p:nvSpPr>
+        <p:spPr>
+          <a:xfrm>
+            <a:off x="489408" y="2000053"/>
+            <a:ext cx="2788957" cy="1893339"/>
+          </a:xfrm>
+          <a:prstGeom prst="rect">
+            <a:avLst/>
+          </a:prstGeom>
+          <a:noFill/>
+        </p:spPr>
+        <p:txBody>
+          <a:bodyPr wrap="square" rtlCol="0">
+            <a:spAutoFit/>
+          </a:bodyPr>
+          <a:lstStyle/>
+          <a:p>
+            <a:pPr>
+              <a:lnSpc>
+                <a:spcPct val="150000"/>
+              </a:lnSpc>
+            </a:pPr>
+            <a:r>
+              <a:rPr lang="en-US" sz="1600" dirty="0">
+                <a:solidFill>
+                  <a:schemeClr val="bg1"/>
+                </a:solidFill>
+              </a:rPr>
+              <a:t>Indirect bookings through travel agents (specially Online) are higher compared to other bookings like direct, corporate, group etc.</a:t>
+            </a:r>
+            <a:endParaRPr lang="en-IN" sz="1600" dirty="0">
+              <a:solidFill>
+                <a:schemeClr val="bg1"/>
+              </a:solidFill>
             </a:endParaRPr>
           </a:p>
         </p:txBody>
@@ -13565,8 +13988,8 @@
         </p:blipFill>
         <p:spPr>
           <a:xfrm>
-            <a:off x="494371" y="1416593"/>
-            <a:ext cx="8155259" cy="2976114"/>
+            <a:off x="3798849" y="1141529"/>
+            <a:ext cx="5029402" cy="3628612"/>
           </a:xfrm>
           <a:prstGeom prst="rect">
             <a:avLst/>
@@ -13576,7 +13999,7 @@
     </p:spTree>
     <p:extLst>
       <p:ext uri="{BB962C8B-B14F-4D97-AF65-F5344CB8AC3E}">
-        <p14:creationId xmlns:p14="http://schemas.microsoft.com/office/powerpoint/2010/main" val="3048520393"/>
+        <p14:creationId xmlns:p14="http://schemas.microsoft.com/office/powerpoint/2010/main" val="3615448407"/>
       </p:ext>
     </p:extLst>
   </p:cSld>
@@ -13720,6 +14143,714 @@
                 <a:cs typeface="Montserrat"/>
                 <a:sym typeface="Montserrat"/>
               </a:rPr>
+              <a:t>Cancellations by Market Segments</a:t>
+            </a:r>
+            <a:endParaRPr sz="2800" b="1" dirty="0">
+              <a:solidFill>
+                <a:schemeClr val="tx1"/>
+              </a:solidFill>
+              <a:latin typeface="Montserrat"/>
+              <a:ea typeface="Montserrat"/>
+              <a:cs typeface="Montserrat"/>
+              <a:sym typeface="Montserrat"/>
+            </a:endParaRPr>
+          </a:p>
+        </p:txBody>
+      </p:sp>
+      <p:sp>
+        <p:nvSpPr>
+          <p:cNvPr id="8" name="TextBox 7"/>
+          <p:cNvSpPr txBox="1"/>
+          <p:nvPr/>
+        </p:nvSpPr>
+        <p:spPr>
+          <a:xfrm>
+            <a:off x="481973" y="1278941"/>
+            <a:ext cx="2788957" cy="3370666"/>
+          </a:xfrm>
+          <a:prstGeom prst="rect">
+            <a:avLst/>
+          </a:prstGeom>
+          <a:noFill/>
+        </p:spPr>
+        <p:txBody>
+          <a:bodyPr wrap="square" rtlCol="0">
+            <a:spAutoFit/>
+          </a:bodyPr>
+          <a:lstStyle/>
+          <a:p>
+            <a:pPr>
+              <a:lnSpc>
+                <a:spcPct val="150000"/>
+              </a:lnSpc>
+            </a:pPr>
+            <a:r>
+              <a:rPr lang="en-US" sz="1600" dirty="0">
+                <a:solidFill>
+                  <a:schemeClr val="bg1"/>
+                </a:solidFill>
+              </a:rPr>
+              <a:t>We see that Online TA has highest proportion of cancellations (around 35%) but at the same time number of non cancelled bookings are also the highest for Online TA. Cancellation proportions for other segments are less.</a:t>
+            </a:r>
+            <a:endParaRPr lang="en-IN" sz="1600" dirty="0">
+              <a:solidFill>
+                <a:schemeClr val="bg1"/>
+              </a:solidFill>
+            </a:endParaRPr>
+          </a:p>
+        </p:txBody>
+      </p:sp>
+      <p:pic>
+        <p:nvPicPr>
+          <p:cNvPr id="3" name="Picture 2"/>
+          <p:cNvPicPr>
+            <a:picLocks noChangeAspect="1"/>
+          </p:cNvPicPr>
+          <p:nvPr/>
+        </p:nvPicPr>
+        <p:blipFill>
+          <a:blip r:embed="rId3"/>
+          <a:stretch>
+            <a:fillRect/>
+          </a:stretch>
+        </p:blipFill>
+        <p:spPr>
+          <a:xfrm>
+            <a:off x="3813717" y="1119226"/>
+            <a:ext cx="5014534" cy="3711173"/>
+          </a:xfrm>
+          <a:prstGeom prst="rect">
+            <a:avLst/>
+          </a:prstGeom>
+        </p:spPr>
+      </p:pic>
+    </p:spTree>
+    <p:extLst>
+      <p:ext uri="{BB962C8B-B14F-4D97-AF65-F5344CB8AC3E}">
+        <p14:creationId xmlns:p14="http://schemas.microsoft.com/office/powerpoint/2010/main" val="4253481122"/>
+      </p:ext>
+    </p:extLst>
+  </p:cSld>
+  <p:clrMapOvr>
+    <a:masterClrMapping/>
+  </p:clrMapOvr>
+</p:sld>
+</file>
+
+<file path=ppt/slides/slide16.xml><?xml version="1.0" encoding="utf-8"?>
+<p:sld xmlns:a="http://schemas.openxmlformats.org/drawingml/2006/main" xmlns:r="http://schemas.openxmlformats.org/officeDocument/2006/relationships" xmlns:p="http://schemas.openxmlformats.org/presentationml/2006/main">
+  <p:cSld>
+    <p:spTree>
+      <p:nvGrpSpPr>
+        <p:cNvPr id="1" name="Shape 59"/>
+        <p:cNvGrpSpPr/>
+        <p:nvPr/>
+      </p:nvGrpSpPr>
+      <p:grpSpPr>
+        <a:xfrm>
+          <a:off x="0" y="0"/>
+          <a:ext cx="0" cy="0"/>
+          <a:chOff x="0" y="0"/>
+          <a:chExt cx="0" cy="0"/>
+        </a:xfrm>
+      </p:grpSpPr>
+      <p:sp>
+        <p:nvSpPr>
+          <p:cNvPr id="60" name="Google Shape;60;p14"/>
+          <p:cNvSpPr txBox="1">
+            <a:spLocks noGrp="1"/>
+          </p:cNvSpPr>
+          <p:nvPr>
+            <p:ph type="ctrTitle"/>
+          </p:nvPr>
+        </p:nvSpPr>
+        <p:spPr>
+          <a:xfrm>
+            <a:off x="315751" y="516813"/>
+            <a:ext cx="8512500" cy="602413"/>
+          </a:xfrm>
+          <a:prstGeom prst="rect">
+            <a:avLst/>
+          </a:prstGeom>
+          <a:noFill/>
+          <a:ln>
+            <a:noFill/>
+          </a:ln>
+        </p:spPr>
+        <p:txBody>
+          <a:bodyPr spcFirstLastPara="1" wrap="square" lIns="91425" tIns="91425" rIns="91425" bIns="91425" anchor="b" anchorCtr="0">
+            <a:noAutofit/>
+          </a:bodyPr>
+          <a:lstStyle/>
+          <a:p>
+            <a:pPr marL="0" lvl="0" indent="0" algn="l" rtl="0">
+              <a:lnSpc>
+                <a:spcPct val="100000"/>
+              </a:lnSpc>
+              <a:spcBef>
+                <a:spcPts val="0"/>
+              </a:spcBef>
+              <a:spcAft>
+                <a:spcPts val="0"/>
+              </a:spcAft>
+              <a:buSzPts val="5200"/>
+              <a:buNone/>
+            </a:pPr>
+            <a:endParaRPr sz="4800" b="1" dirty="0">
+              <a:solidFill>
+                <a:schemeClr val="tx1"/>
+              </a:solidFill>
+              <a:latin typeface="Montserrat"/>
+              <a:ea typeface="Montserrat"/>
+              <a:cs typeface="Montserrat"/>
+              <a:sym typeface="Montserrat"/>
+            </a:endParaRPr>
+          </a:p>
+          <a:p>
+            <a:pPr marL="0" lvl="0" indent="0" algn="l" rtl="0">
+              <a:lnSpc>
+                <a:spcPct val="100000"/>
+              </a:lnSpc>
+              <a:spcBef>
+                <a:spcPts val="0"/>
+              </a:spcBef>
+              <a:spcAft>
+                <a:spcPts val="0"/>
+              </a:spcAft>
+              <a:buSzPts val="5200"/>
+              <a:buNone/>
+            </a:pPr>
+            <a:endParaRPr sz="4800" b="1" dirty="0">
+              <a:solidFill>
+                <a:schemeClr val="tx1"/>
+              </a:solidFill>
+              <a:latin typeface="Montserrat"/>
+              <a:ea typeface="Montserrat"/>
+              <a:cs typeface="Montserrat"/>
+              <a:sym typeface="Montserrat"/>
+            </a:endParaRPr>
+          </a:p>
+          <a:p>
+            <a:pPr marL="0" lvl="0" indent="0" algn="l" rtl="0">
+              <a:spcBef>
+                <a:spcPts val="0"/>
+              </a:spcBef>
+              <a:spcAft>
+                <a:spcPts val="0"/>
+              </a:spcAft>
+              <a:buSzPts val="5200"/>
+              <a:buNone/>
+            </a:pPr>
+            <a:endParaRPr sz="2400" b="1" dirty="0">
+              <a:solidFill>
+                <a:schemeClr val="tx1"/>
+              </a:solidFill>
+              <a:latin typeface="Montserrat"/>
+              <a:ea typeface="Montserrat"/>
+              <a:cs typeface="Montserrat"/>
+              <a:sym typeface="Montserrat"/>
+            </a:endParaRPr>
+          </a:p>
+          <a:p>
+            <a:pPr lvl="0" algn="l" rtl="0">
+              <a:spcBef>
+                <a:spcPts val="0"/>
+              </a:spcBef>
+              <a:spcAft>
+                <a:spcPts val="0"/>
+              </a:spcAft>
+              <a:buSzPts val="5200"/>
+            </a:pPr>
+            <a:r>
+              <a:rPr lang="en-IN" sz="2400" b="1" dirty="0" smtClean="0">
+                <a:solidFill>
+                  <a:schemeClr val="tx1"/>
+                </a:solidFill>
+                <a:latin typeface="Montserrat"/>
+                <a:ea typeface="Montserrat"/>
+                <a:cs typeface="Montserrat"/>
+                <a:sym typeface="Montserrat"/>
+              </a:rPr>
+              <a:t>Correlation of features</a:t>
+            </a:r>
+            <a:endParaRPr sz="2800" b="1" dirty="0">
+              <a:solidFill>
+                <a:schemeClr val="tx1"/>
+              </a:solidFill>
+              <a:latin typeface="Montserrat"/>
+              <a:ea typeface="Montserrat"/>
+              <a:cs typeface="Montserrat"/>
+              <a:sym typeface="Montserrat"/>
+            </a:endParaRPr>
+          </a:p>
+        </p:txBody>
+      </p:sp>
+      <p:sp>
+        <p:nvSpPr>
+          <p:cNvPr id="8" name="TextBox 7"/>
+          <p:cNvSpPr txBox="1"/>
+          <p:nvPr/>
+        </p:nvSpPr>
+        <p:spPr>
+          <a:xfrm>
+            <a:off x="401445" y="1278941"/>
+            <a:ext cx="3018262" cy="3323987"/>
+          </a:xfrm>
+          <a:prstGeom prst="rect">
+            <a:avLst/>
+          </a:prstGeom>
+          <a:noFill/>
+        </p:spPr>
+        <p:txBody>
+          <a:bodyPr wrap="square" rtlCol="0">
+            <a:spAutoFit/>
+          </a:bodyPr>
+          <a:lstStyle/>
+          <a:p>
+            <a:pPr>
+              <a:lnSpc>
+                <a:spcPct val="150000"/>
+              </a:lnSpc>
+            </a:pPr>
+            <a:r>
+              <a:rPr lang="en-US" dirty="0" smtClean="0">
+                <a:solidFill>
+                  <a:schemeClr val="bg1"/>
+                </a:solidFill>
+              </a:rPr>
+              <a:t>Lead time </a:t>
+            </a:r>
+            <a:r>
+              <a:rPr lang="en-US" dirty="0">
+                <a:solidFill>
+                  <a:schemeClr val="bg1"/>
+                </a:solidFill>
+              </a:rPr>
+              <a:t>and </a:t>
+            </a:r>
+            <a:r>
+              <a:rPr lang="en-US" dirty="0" smtClean="0">
+                <a:solidFill>
+                  <a:schemeClr val="bg1"/>
+                </a:solidFill>
+              </a:rPr>
+              <a:t>total stays night </a:t>
+            </a:r>
+            <a:r>
+              <a:rPr lang="en-US" dirty="0">
+                <a:solidFill>
+                  <a:schemeClr val="bg1"/>
+                </a:solidFill>
+              </a:rPr>
+              <a:t>have little correlation. This may indicates that people who wants to stay longer generally plans early hence longer lead time.</a:t>
+            </a:r>
+          </a:p>
+          <a:p>
+            <a:pPr>
+              <a:lnSpc>
+                <a:spcPct val="150000"/>
+              </a:lnSpc>
+            </a:pPr>
+            <a:endParaRPr lang="en-US" dirty="0">
+              <a:solidFill>
+                <a:schemeClr val="bg1"/>
+              </a:solidFill>
+            </a:endParaRPr>
+          </a:p>
+          <a:p>
+            <a:pPr>
+              <a:lnSpc>
+                <a:spcPct val="150000"/>
+              </a:lnSpc>
+            </a:pPr>
+            <a:r>
+              <a:rPr lang="en-US" dirty="0">
+                <a:solidFill>
+                  <a:schemeClr val="bg1"/>
+                </a:solidFill>
+              </a:rPr>
+              <a:t>adr and </a:t>
+            </a:r>
+            <a:r>
+              <a:rPr lang="en-US" dirty="0" smtClean="0">
+                <a:solidFill>
+                  <a:schemeClr val="bg1"/>
+                </a:solidFill>
+              </a:rPr>
+              <a:t>total guests </a:t>
+            </a:r>
+            <a:r>
+              <a:rPr lang="en-US" dirty="0">
+                <a:solidFill>
+                  <a:schemeClr val="bg1"/>
+                </a:solidFill>
+              </a:rPr>
+              <a:t>are also slightly correlated, which makes sense as more number of people means more cost/charges.</a:t>
+            </a:r>
+            <a:endParaRPr lang="en-IN" dirty="0">
+              <a:solidFill>
+                <a:schemeClr val="bg1"/>
+              </a:solidFill>
+            </a:endParaRPr>
+          </a:p>
+        </p:txBody>
+      </p:sp>
+      <p:pic>
+        <p:nvPicPr>
+          <p:cNvPr id="2" name="Picture 1"/>
+          <p:cNvPicPr>
+            <a:picLocks noChangeAspect="1"/>
+          </p:cNvPicPr>
+          <p:nvPr/>
+        </p:nvPicPr>
+        <p:blipFill>
+          <a:blip r:embed="rId3"/>
+          <a:stretch>
+            <a:fillRect/>
+          </a:stretch>
+        </p:blipFill>
+        <p:spPr>
+          <a:xfrm>
+            <a:off x="3270930" y="1033978"/>
+            <a:ext cx="5646436" cy="4056214"/>
+          </a:xfrm>
+          <a:prstGeom prst="rect">
+            <a:avLst/>
+          </a:prstGeom>
+        </p:spPr>
+      </p:pic>
+    </p:spTree>
+    <p:extLst>
+      <p:ext uri="{BB962C8B-B14F-4D97-AF65-F5344CB8AC3E}">
+        <p14:creationId xmlns:p14="http://schemas.microsoft.com/office/powerpoint/2010/main" val="904855472"/>
+      </p:ext>
+    </p:extLst>
+  </p:cSld>
+  <p:clrMapOvr>
+    <a:masterClrMapping/>
+  </p:clrMapOvr>
+</p:sld>
+</file>
+
+<file path=ppt/slides/slide17.xml><?xml version="1.0" encoding="utf-8"?>
+<p:sld xmlns:a="http://schemas.openxmlformats.org/drawingml/2006/main" xmlns:r="http://schemas.openxmlformats.org/officeDocument/2006/relationships" xmlns:p="http://schemas.openxmlformats.org/presentationml/2006/main">
+  <p:cSld>
+    <p:spTree>
+      <p:nvGrpSpPr>
+        <p:cNvPr id="1" name="Shape 59"/>
+        <p:cNvGrpSpPr/>
+        <p:nvPr/>
+      </p:nvGrpSpPr>
+      <p:grpSpPr>
+        <a:xfrm>
+          <a:off x="0" y="0"/>
+          <a:ext cx="0" cy="0"/>
+          <a:chOff x="0" y="0"/>
+          <a:chExt cx="0" cy="0"/>
+        </a:xfrm>
+      </p:grpSpPr>
+      <p:sp>
+        <p:nvSpPr>
+          <p:cNvPr id="60" name="Google Shape;60;p14"/>
+          <p:cNvSpPr txBox="1">
+            <a:spLocks noGrp="1"/>
+          </p:cNvSpPr>
+          <p:nvPr>
+            <p:ph type="ctrTitle"/>
+          </p:nvPr>
+        </p:nvSpPr>
+        <p:spPr>
+          <a:xfrm>
+            <a:off x="315751" y="516813"/>
+            <a:ext cx="8512500" cy="602413"/>
+          </a:xfrm>
+          <a:prstGeom prst="rect">
+            <a:avLst/>
+          </a:prstGeom>
+          <a:noFill/>
+          <a:ln>
+            <a:noFill/>
+          </a:ln>
+        </p:spPr>
+        <p:txBody>
+          <a:bodyPr spcFirstLastPara="1" wrap="square" lIns="91425" tIns="91425" rIns="91425" bIns="91425" anchor="b" anchorCtr="0">
+            <a:noAutofit/>
+          </a:bodyPr>
+          <a:lstStyle/>
+          <a:p>
+            <a:pPr marL="0" lvl="0" indent="0" algn="l" rtl="0">
+              <a:lnSpc>
+                <a:spcPct val="100000"/>
+              </a:lnSpc>
+              <a:spcBef>
+                <a:spcPts val="0"/>
+              </a:spcBef>
+              <a:spcAft>
+                <a:spcPts val="0"/>
+              </a:spcAft>
+              <a:buSzPts val="5200"/>
+              <a:buNone/>
+            </a:pPr>
+            <a:endParaRPr sz="4800" b="1" dirty="0">
+              <a:solidFill>
+                <a:schemeClr val="tx1"/>
+              </a:solidFill>
+              <a:latin typeface="Montserrat"/>
+              <a:ea typeface="Montserrat"/>
+              <a:cs typeface="Montserrat"/>
+              <a:sym typeface="Montserrat"/>
+            </a:endParaRPr>
+          </a:p>
+          <a:p>
+            <a:pPr marL="0" lvl="0" indent="0" algn="l" rtl="0">
+              <a:lnSpc>
+                <a:spcPct val="100000"/>
+              </a:lnSpc>
+              <a:spcBef>
+                <a:spcPts val="0"/>
+              </a:spcBef>
+              <a:spcAft>
+                <a:spcPts val="0"/>
+              </a:spcAft>
+              <a:buSzPts val="5200"/>
+              <a:buNone/>
+            </a:pPr>
+            <a:endParaRPr sz="4800" b="1" dirty="0">
+              <a:solidFill>
+                <a:schemeClr val="tx1"/>
+              </a:solidFill>
+              <a:latin typeface="Montserrat"/>
+              <a:ea typeface="Montserrat"/>
+              <a:cs typeface="Montserrat"/>
+              <a:sym typeface="Montserrat"/>
+            </a:endParaRPr>
+          </a:p>
+          <a:p>
+            <a:pPr marL="0" lvl="0" indent="0" algn="l" rtl="0">
+              <a:spcBef>
+                <a:spcPts val="0"/>
+              </a:spcBef>
+              <a:spcAft>
+                <a:spcPts val="0"/>
+              </a:spcAft>
+              <a:buSzPts val="5200"/>
+              <a:buNone/>
+            </a:pPr>
+            <a:endParaRPr sz="2400" b="1" dirty="0">
+              <a:solidFill>
+                <a:schemeClr val="tx1"/>
+              </a:solidFill>
+              <a:latin typeface="Montserrat"/>
+              <a:ea typeface="Montserrat"/>
+              <a:cs typeface="Montserrat"/>
+              <a:sym typeface="Montserrat"/>
+            </a:endParaRPr>
+          </a:p>
+          <a:p>
+            <a:pPr lvl="0" algn="l" rtl="0">
+              <a:spcBef>
+                <a:spcPts val="0"/>
+              </a:spcBef>
+              <a:spcAft>
+                <a:spcPts val="0"/>
+              </a:spcAft>
+              <a:buSzPts val="5200"/>
+            </a:pPr>
+            <a:r>
+              <a:rPr lang="en-IN" sz="2400" b="1" dirty="0" smtClean="0">
+                <a:solidFill>
+                  <a:schemeClr val="tx1"/>
+                </a:solidFill>
+                <a:latin typeface="Montserrat"/>
+                <a:ea typeface="Montserrat"/>
+                <a:cs typeface="Montserrat"/>
+                <a:sym typeface="Montserrat"/>
+              </a:rPr>
+              <a:t>Daily Rate Distribution</a:t>
+            </a:r>
+            <a:endParaRPr sz="2800" b="1" dirty="0">
+              <a:solidFill>
+                <a:schemeClr val="tx1"/>
+              </a:solidFill>
+              <a:latin typeface="Montserrat"/>
+              <a:ea typeface="Montserrat"/>
+              <a:cs typeface="Montserrat"/>
+              <a:sym typeface="Montserrat"/>
+            </a:endParaRPr>
+          </a:p>
+        </p:txBody>
+      </p:sp>
+      <p:pic>
+        <p:nvPicPr>
+          <p:cNvPr id="2" name="Picture 1"/>
+          <p:cNvPicPr>
+            <a:picLocks noChangeAspect="1"/>
+          </p:cNvPicPr>
+          <p:nvPr/>
+        </p:nvPicPr>
+        <p:blipFill>
+          <a:blip r:embed="rId3"/>
+          <a:stretch>
+            <a:fillRect/>
+          </a:stretch>
+        </p:blipFill>
+        <p:spPr>
+          <a:xfrm>
+            <a:off x="494371" y="1416593"/>
+            <a:ext cx="8155259" cy="2976114"/>
+          </a:xfrm>
+          <a:prstGeom prst="rect">
+            <a:avLst/>
+          </a:prstGeom>
+        </p:spPr>
+      </p:pic>
+    </p:spTree>
+    <p:extLst>
+      <p:ext uri="{BB962C8B-B14F-4D97-AF65-F5344CB8AC3E}">
+        <p14:creationId xmlns:p14="http://schemas.microsoft.com/office/powerpoint/2010/main" val="3048520393"/>
+      </p:ext>
+    </p:extLst>
+  </p:cSld>
+  <p:clrMapOvr>
+    <a:masterClrMapping/>
+  </p:clrMapOvr>
+</p:sld>
+</file>
+
+<file path=ppt/slides/slide18.xml><?xml version="1.0" encoding="utf-8"?>
+<p:sld xmlns:a="http://schemas.openxmlformats.org/drawingml/2006/main" xmlns:r="http://schemas.openxmlformats.org/officeDocument/2006/relationships" xmlns:p="http://schemas.openxmlformats.org/presentationml/2006/main">
+  <p:cSld>
+    <p:spTree>
+      <p:nvGrpSpPr>
+        <p:cNvPr id="1" name="Shape 59"/>
+        <p:cNvGrpSpPr/>
+        <p:nvPr/>
+      </p:nvGrpSpPr>
+      <p:grpSpPr>
+        <a:xfrm>
+          <a:off x="0" y="0"/>
+          <a:ext cx="0" cy="0"/>
+          <a:chOff x="0" y="0"/>
+          <a:chExt cx="0" cy="0"/>
+        </a:xfrm>
+      </p:grpSpPr>
+      <p:sp>
+        <p:nvSpPr>
+          <p:cNvPr id="60" name="Google Shape;60;p14"/>
+          <p:cNvSpPr txBox="1">
+            <a:spLocks noGrp="1"/>
+          </p:cNvSpPr>
+          <p:nvPr>
+            <p:ph type="ctrTitle"/>
+          </p:nvPr>
+        </p:nvSpPr>
+        <p:spPr>
+          <a:xfrm>
+            <a:off x="315751" y="516813"/>
+            <a:ext cx="8512500" cy="602413"/>
+          </a:xfrm>
+          <a:prstGeom prst="rect">
+            <a:avLst/>
+          </a:prstGeom>
+          <a:noFill/>
+          <a:ln>
+            <a:noFill/>
+          </a:ln>
+        </p:spPr>
+        <p:txBody>
+          <a:bodyPr spcFirstLastPara="1" wrap="square" lIns="91425" tIns="91425" rIns="91425" bIns="91425" anchor="b" anchorCtr="0">
+            <a:noAutofit/>
+          </a:bodyPr>
+          <a:lstStyle/>
+          <a:p>
+            <a:pPr marL="0" lvl="0" indent="0" algn="l" rtl="0">
+              <a:lnSpc>
+                <a:spcPct val="100000"/>
+              </a:lnSpc>
+              <a:spcBef>
+                <a:spcPts val="0"/>
+              </a:spcBef>
+              <a:spcAft>
+                <a:spcPts val="0"/>
+              </a:spcAft>
+              <a:buSzPts val="5200"/>
+              <a:buNone/>
+            </a:pPr>
+            <a:endParaRPr sz="4800" b="1" dirty="0">
+              <a:solidFill>
+                <a:schemeClr val="tx1"/>
+              </a:solidFill>
+              <a:latin typeface="Montserrat"/>
+              <a:ea typeface="Montserrat"/>
+              <a:cs typeface="Montserrat"/>
+              <a:sym typeface="Montserrat"/>
+            </a:endParaRPr>
+          </a:p>
+          <a:p>
+            <a:pPr marL="0" lvl="0" indent="0" algn="l" rtl="0">
+              <a:lnSpc>
+                <a:spcPct val="100000"/>
+              </a:lnSpc>
+              <a:spcBef>
+                <a:spcPts val="0"/>
+              </a:spcBef>
+              <a:spcAft>
+                <a:spcPts val="0"/>
+              </a:spcAft>
+              <a:buSzPts val="5200"/>
+              <a:buNone/>
+            </a:pPr>
+            <a:endParaRPr sz="4800" b="1" dirty="0">
+              <a:solidFill>
+                <a:schemeClr val="tx1"/>
+              </a:solidFill>
+              <a:latin typeface="Montserrat"/>
+              <a:ea typeface="Montserrat"/>
+              <a:cs typeface="Montserrat"/>
+              <a:sym typeface="Montserrat"/>
+            </a:endParaRPr>
+          </a:p>
+          <a:p>
+            <a:pPr marL="0" lvl="0" indent="0" algn="l" rtl="0">
+              <a:spcBef>
+                <a:spcPts val="0"/>
+              </a:spcBef>
+              <a:spcAft>
+                <a:spcPts val="0"/>
+              </a:spcAft>
+              <a:buSzPts val="5200"/>
+              <a:buNone/>
+            </a:pPr>
+            <a:endParaRPr sz="2400" b="1" dirty="0">
+              <a:solidFill>
+                <a:schemeClr val="tx1"/>
+              </a:solidFill>
+              <a:latin typeface="Montserrat"/>
+              <a:ea typeface="Montserrat"/>
+              <a:cs typeface="Montserrat"/>
+              <a:sym typeface="Montserrat"/>
+            </a:endParaRPr>
+          </a:p>
+          <a:p>
+            <a:pPr lvl="0" algn="l" rtl="0">
+              <a:spcBef>
+                <a:spcPts val="0"/>
+              </a:spcBef>
+              <a:spcAft>
+                <a:spcPts val="0"/>
+              </a:spcAft>
+              <a:buSzPts val="5200"/>
+            </a:pPr>
+            <a:r>
+              <a:rPr lang="en-IN" sz="2400" b="1" dirty="0" smtClean="0">
+                <a:solidFill>
+                  <a:schemeClr val="tx1"/>
+                </a:solidFill>
+                <a:latin typeface="Montserrat"/>
+                <a:ea typeface="Montserrat"/>
+                <a:cs typeface="Montserrat"/>
+                <a:sym typeface="Montserrat"/>
+              </a:rPr>
               <a:t>Car Parking Space</a:t>
             </a:r>
             <a:endParaRPr sz="2800" b="1" dirty="0">
@@ -13799,21 +14930,8 @@
                   <a:schemeClr val="bg1"/>
                 </a:solidFill>
               </a:rPr>
-              <a:t>space</a:t>
-            </a:r>
-            <a:r>
-              <a:rPr lang="en-US" sz="1600" dirty="0" smtClean="0">
-                <a:solidFill>
-                  <a:schemeClr val="bg1"/>
-                </a:solidFill>
-              </a:rPr>
-              <a:t>.</a:t>
-            </a:r>
-            <a:endParaRPr lang="en-US" sz="1600" dirty="0" smtClean="0">
-              <a:solidFill>
-                <a:schemeClr val="bg1"/>
-              </a:solidFill>
-            </a:endParaRPr>
+              <a:t>space.</a:t>
+            </a:r>
           </a:p>
           <a:p>
             <a:pPr>
@@ -13922,693 +15040,6 @@
 </p:sld>
 </file>
 
-<file path=ppt/slides/slide16.xml><?xml version="1.0" encoding="utf-8"?>
-<p:sld xmlns:a="http://schemas.openxmlformats.org/drawingml/2006/main" xmlns:r="http://schemas.openxmlformats.org/officeDocument/2006/relationships" xmlns:p="http://schemas.openxmlformats.org/presentationml/2006/main">
-  <p:cSld>
-    <p:spTree>
-      <p:nvGrpSpPr>
-        <p:cNvPr id="1" name="Shape 59"/>
-        <p:cNvGrpSpPr/>
-        <p:nvPr/>
-      </p:nvGrpSpPr>
-      <p:grpSpPr>
-        <a:xfrm>
-          <a:off x="0" y="0"/>
-          <a:ext cx="0" cy="0"/>
-          <a:chOff x="0" y="0"/>
-          <a:chExt cx="0" cy="0"/>
-        </a:xfrm>
-      </p:grpSpPr>
-      <p:sp>
-        <p:nvSpPr>
-          <p:cNvPr id="60" name="Google Shape;60;p14"/>
-          <p:cNvSpPr txBox="1">
-            <a:spLocks noGrp="1"/>
-          </p:cNvSpPr>
-          <p:nvPr>
-            <p:ph type="ctrTitle"/>
-          </p:nvPr>
-        </p:nvSpPr>
-        <p:spPr>
-          <a:xfrm>
-            <a:off x="315751" y="516813"/>
-            <a:ext cx="8512500" cy="602413"/>
-          </a:xfrm>
-          <a:prstGeom prst="rect">
-            <a:avLst/>
-          </a:prstGeom>
-          <a:noFill/>
-          <a:ln>
-            <a:noFill/>
-          </a:ln>
-        </p:spPr>
-        <p:txBody>
-          <a:bodyPr spcFirstLastPara="1" wrap="square" lIns="91425" tIns="91425" rIns="91425" bIns="91425" anchor="b" anchorCtr="0">
-            <a:noAutofit/>
-          </a:bodyPr>
-          <a:lstStyle/>
-          <a:p>
-            <a:pPr marL="0" lvl="0" indent="0" algn="l" rtl="0">
-              <a:lnSpc>
-                <a:spcPct val="100000"/>
-              </a:lnSpc>
-              <a:spcBef>
-                <a:spcPts val="0"/>
-              </a:spcBef>
-              <a:spcAft>
-                <a:spcPts val="0"/>
-              </a:spcAft>
-              <a:buSzPts val="5200"/>
-              <a:buNone/>
-            </a:pPr>
-            <a:endParaRPr sz="4800" b="1" dirty="0">
-              <a:solidFill>
-                <a:schemeClr val="tx1"/>
-              </a:solidFill>
-              <a:latin typeface="Montserrat"/>
-              <a:ea typeface="Montserrat"/>
-              <a:cs typeface="Montserrat"/>
-              <a:sym typeface="Montserrat"/>
-            </a:endParaRPr>
-          </a:p>
-          <a:p>
-            <a:pPr marL="0" lvl="0" indent="0" algn="l" rtl="0">
-              <a:lnSpc>
-                <a:spcPct val="100000"/>
-              </a:lnSpc>
-              <a:spcBef>
-                <a:spcPts val="0"/>
-              </a:spcBef>
-              <a:spcAft>
-                <a:spcPts val="0"/>
-              </a:spcAft>
-              <a:buSzPts val="5200"/>
-              <a:buNone/>
-            </a:pPr>
-            <a:endParaRPr sz="4800" b="1" dirty="0">
-              <a:solidFill>
-                <a:schemeClr val="tx1"/>
-              </a:solidFill>
-              <a:latin typeface="Montserrat"/>
-              <a:ea typeface="Montserrat"/>
-              <a:cs typeface="Montserrat"/>
-              <a:sym typeface="Montserrat"/>
-            </a:endParaRPr>
-          </a:p>
-          <a:p>
-            <a:pPr marL="0" lvl="0" indent="0" algn="l" rtl="0">
-              <a:spcBef>
-                <a:spcPts val="0"/>
-              </a:spcBef>
-              <a:spcAft>
-                <a:spcPts val="0"/>
-              </a:spcAft>
-              <a:buSzPts val="5200"/>
-              <a:buNone/>
-            </a:pPr>
-            <a:endParaRPr sz="2400" b="1" dirty="0">
-              <a:solidFill>
-                <a:schemeClr val="tx1"/>
-              </a:solidFill>
-              <a:latin typeface="Montserrat"/>
-              <a:ea typeface="Montserrat"/>
-              <a:cs typeface="Montserrat"/>
-              <a:sym typeface="Montserrat"/>
-            </a:endParaRPr>
-          </a:p>
-          <a:p>
-            <a:pPr lvl="0" algn="l" rtl="0">
-              <a:spcBef>
-                <a:spcPts val="0"/>
-              </a:spcBef>
-              <a:spcAft>
-                <a:spcPts val="0"/>
-              </a:spcAft>
-              <a:buSzPts val="5200"/>
-            </a:pPr>
-            <a:r>
-              <a:rPr lang="en-IN" sz="2400" b="1" dirty="0" smtClean="0">
-                <a:solidFill>
-                  <a:schemeClr val="tx1"/>
-                </a:solidFill>
-                <a:latin typeface="Montserrat"/>
-                <a:ea typeface="Montserrat"/>
-                <a:cs typeface="Montserrat"/>
-                <a:sym typeface="Montserrat"/>
-              </a:rPr>
-              <a:t>Room Types</a:t>
-            </a:r>
-            <a:endParaRPr sz="2800" b="1" dirty="0">
-              <a:solidFill>
-                <a:schemeClr val="tx1"/>
-              </a:solidFill>
-              <a:latin typeface="Montserrat"/>
-              <a:ea typeface="Montserrat"/>
-              <a:cs typeface="Montserrat"/>
-              <a:sym typeface="Montserrat"/>
-            </a:endParaRPr>
-          </a:p>
-        </p:txBody>
-      </p:sp>
-      <p:sp>
-        <p:nvSpPr>
-          <p:cNvPr id="8" name="TextBox 7"/>
-          <p:cNvSpPr txBox="1"/>
-          <p:nvPr/>
-        </p:nvSpPr>
-        <p:spPr>
-          <a:xfrm>
-            <a:off x="431602" y="1606917"/>
-            <a:ext cx="2421326" cy="2632003"/>
-          </a:xfrm>
-          <a:prstGeom prst="rect">
-            <a:avLst/>
-          </a:prstGeom>
-          <a:noFill/>
-        </p:spPr>
-        <p:txBody>
-          <a:bodyPr wrap="square" rtlCol="0">
-            <a:spAutoFit/>
-          </a:bodyPr>
-          <a:lstStyle/>
-          <a:p>
-            <a:pPr>
-              <a:lnSpc>
-                <a:spcPct val="150000"/>
-              </a:lnSpc>
-            </a:pPr>
-            <a:r>
-              <a:rPr lang="en-US" sz="1600" dirty="0">
-                <a:solidFill>
-                  <a:schemeClr val="bg1"/>
-                </a:solidFill>
-              </a:rPr>
-              <a:t>Most of guests reserves rooms of type 'A', also significant number of guests also reserves room type 'D' &amp; 'E'. Demand for rest types are very minimal.</a:t>
-            </a:r>
-            <a:endParaRPr lang="en-IN" sz="1600" dirty="0">
-              <a:solidFill>
-                <a:schemeClr val="bg1"/>
-              </a:solidFill>
-            </a:endParaRPr>
-          </a:p>
-        </p:txBody>
-      </p:sp>
-      <p:pic>
-        <p:nvPicPr>
-          <p:cNvPr id="3" name="Picture 2"/>
-          <p:cNvPicPr>
-            <a:picLocks noChangeAspect="1"/>
-          </p:cNvPicPr>
-          <p:nvPr/>
-        </p:nvPicPr>
-        <p:blipFill>
-          <a:blip r:embed="rId3"/>
-          <a:stretch>
-            <a:fillRect/>
-          </a:stretch>
-        </p:blipFill>
-        <p:spPr>
-          <a:xfrm>
-            <a:off x="2852928" y="1201002"/>
-            <a:ext cx="6106143" cy="3192579"/>
-          </a:xfrm>
-          <a:prstGeom prst="rect">
-            <a:avLst/>
-          </a:prstGeom>
-        </p:spPr>
-      </p:pic>
-    </p:spTree>
-    <p:extLst>
-      <p:ext uri="{BB962C8B-B14F-4D97-AF65-F5344CB8AC3E}">
-        <p14:creationId xmlns:p14="http://schemas.microsoft.com/office/powerpoint/2010/main" val="1533716649"/>
-      </p:ext>
-    </p:extLst>
-  </p:cSld>
-  <p:clrMapOvr>
-    <a:masterClrMapping/>
-  </p:clrMapOvr>
-</p:sld>
-</file>
-
-<file path=ppt/slides/slide17.xml><?xml version="1.0" encoding="utf-8"?>
-<p:sld xmlns:a="http://schemas.openxmlformats.org/drawingml/2006/main" xmlns:r="http://schemas.openxmlformats.org/officeDocument/2006/relationships" xmlns:p="http://schemas.openxmlformats.org/presentationml/2006/main">
-  <p:cSld>
-    <p:spTree>
-      <p:nvGrpSpPr>
-        <p:cNvPr id="1" name="Shape 59"/>
-        <p:cNvGrpSpPr/>
-        <p:nvPr/>
-      </p:nvGrpSpPr>
-      <p:grpSpPr>
-        <a:xfrm>
-          <a:off x="0" y="0"/>
-          <a:ext cx="0" cy="0"/>
-          <a:chOff x="0" y="0"/>
-          <a:chExt cx="0" cy="0"/>
-        </a:xfrm>
-      </p:grpSpPr>
-      <p:sp>
-        <p:nvSpPr>
-          <p:cNvPr id="60" name="Google Shape;60;p14"/>
-          <p:cNvSpPr txBox="1">
-            <a:spLocks noGrp="1"/>
-          </p:cNvSpPr>
-          <p:nvPr>
-            <p:ph type="ctrTitle"/>
-          </p:nvPr>
-        </p:nvSpPr>
-        <p:spPr>
-          <a:xfrm>
-            <a:off x="315751" y="516813"/>
-            <a:ext cx="8512500" cy="602413"/>
-          </a:xfrm>
-          <a:prstGeom prst="rect">
-            <a:avLst/>
-          </a:prstGeom>
-          <a:noFill/>
-          <a:ln>
-            <a:noFill/>
-          </a:ln>
-        </p:spPr>
-        <p:txBody>
-          <a:bodyPr spcFirstLastPara="1" wrap="square" lIns="91425" tIns="91425" rIns="91425" bIns="91425" anchor="b" anchorCtr="0">
-            <a:noAutofit/>
-          </a:bodyPr>
-          <a:lstStyle/>
-          <a:p>
-            <a:pPr marL="0" lvl="0" indent="0" algn="l" rtl="0">
-              <a:lnSpc>
-                <a:spcPct val="100000"/>
-              </a:lnSpc>
-              <a:spcBef>
-                <a:spcPts val="0"/>
-              </a:spcBef>
-              <a:spcAft>
-                <a:spcPts val="0"/>
-              </a:spcAft>
-              <a:buSzPts val="5200"/>
-              <a:buNone/>
-            </a:pPr>
-            <a:endParaRPr sz="4800" b="1" dirty="0">
-              <a:solidFill>
-                <a:schemeClr val="tx1"/>
-              </a:solidFill>
-              <a:latin typeface="Montserrat"/>
-              <a:ea typeface="Montserrat"/>
-              <a:cs typeface="Montserrat"/>
-              <a:sym typeface="Montserrat"/>
-            </a:endParaRPr>
-          </a:p>
-          <a:p>
-            <a:pPr marL="0" lvl="0" indent="0" algn="l" rtl="0">
-              <a:lnSpc>
-                <a:spcPct val="100000"/>
-              </a:lnSpc>
-              <a:spcBef>
-                <a:spcPts val="0"/>
-              </a:spcBef>
-              <a:spcAft>
-                <a:spcPts val="0"/>
-              </a:spcAft>
-              <a:buSzPts val="5200"/>
-              <a:buNone/>
-            </a:pPr>
-            <a:endParaRPr sz="4800" b="1" dirty="0">
-              <a:solidFill>
-                <a:schemeClr val="tx1"/>
-              </a:solidFill>
-              <a:latin typeface="Montserrat"/>
-              <a:ea typeface="Montserrat"/>
-              <a:cs typeface="Montserrat"/>
-              <a:sym typeface="Montserrat"/>
-            </a:endParaRPr>
-          </a:p>
-          <a:p>
-            <a:pPr marL="0" lvl="0" indent="0" algn="l" rtl="0">
-              <a:spcBef>
-                <a:spcPts val="0"/>
-              </a:spcBef>
-              <a:spcAft>
-                <a:spcPts val="0"/>
-              </a:spcAft>
-              <a:buSzPts val="5200"/>
-              <a:buNone/>
-            </a:pPr>
-            <a:endParaRPr sz="2400" b="1" dirty="0">
-              <a:solidFill>
-                <a:schemeClr val="tx1"/>
-              </a:solidFill>
-              <a:latin typeface="Montserrat"/>
-              <a:ea typeface="Montserrat"/>
-              <a:cs typeface="Montserrat"/>
-              <a:sym typeface="Montserrat"/>
-            </a:endParaRPr>
-          </a:p>
-          <a:p>
-            <a:pPr lvl="0" algn="l" rtl="0">
-              <a:spcBef>
-                <a:spcPts val="0"/>
-              </a:spcBef>
-              <a:spcAft>
-                <a:spcPts val="0"/>
-              </a:spcAft>
-              <a:buSzPts val="5200"/>
-            </a:pPr>
-            <a:r>
-              <a:rPr lang="en-IN" sz="2400" b="1" dirty="0" smtClean="0">
-                <a:solidFill>
-                  <a:schemeClr val="tx1"/>
-                </a:solidFill>
-                <a:latin typeface="Montserrat"/>
-                <a:ea typeface="Montserrat"/>
-                <a:cs typeface="Montserrat"/>
-                <a:sym typeface="Montserrat"/>
-              </a:rPr>
-              <a:t>Room Types</a:t>
-            </a:r>
-            <a:endParaRPr sz="2800" b="1" dirty="0">
-              <a:solidFill>
-                <a:schemeClr val="tx1"/>
-              </a:solidFill>
-              <a:latin typeface="Montserrat"/>
-              <a:ea typeface="Montserrat"/>
-              <a:cs typeface="Montserrat"/>
-              <a:sym typeface="Montserrat"/>
-            </a:endParaRPr>
-          </a:p>
-        </p:txBody>
-      </p:sp>
-      <p:sp>
-        <p:nvSpPr>
-          <p:cNvPr id="8" name="TextBox 7"/>
-          <p:cNvSpPr txBox="1"/>
-          <p:nvPr/>
-        </p:nvSpPr>
-        <p:spPr>
-          <a:xfrm>
-            <a:off x="431602" y="1721639"/>
-            <a:ext cx="2421326" cy="1893339"/>
-          </a:xfrm>
-          <a:prstGeom prst="rect">
-            <a:avLst/>
-          </a:prstGeom>
-          <a:noFill/>
-        </p:spPr>
-        <p:txBody>
-          <a:bodyPr wrap="square" rtlCol="0">
-            <a:spAutoFit/>
-          </a:bodyPr>
-          <a:lstStyle/>
-          <a:p>
-            <a:pPr>
-              <a:lnSpc>
-                <a:spcPct val="150000"/>
-              </a:lnSpc>
-            </a:pPr>
-            <a:r>
-              <a:rPr lang="en-US" sz="1600" dirty="0" smtClean="0">
-                <a:solidFill>
-                  <a:schemeClr val="bg1"/>
-                </a:solidFill>
-              </a:rPr>
-              <a:t>Similar to number of bookings, room type ‘A’ has most number of denials. Followed by ‘D’ and ‘E’ etc.</a:t>
-            </a:r>
-          </a:p>
-        </p:txBody>
-      </p:sp>
-      <p:pic>
-        <p:nvPicPr>
-          <p:cNvPr id="2" name="Picture 1"/>
-          <p:cNvPicPr>
-            <a:picLocks noChangeAspect="1"/>
-          </p:cNvPicPr>
-          <p:nvPr/>
-        </p:nvPicPr>
-        <p:blipFill>
-          <a:blip r:embed="rId3"/>
-          <a:stretch>
-            <a:fillRect/>
-          </a:stretch>
-        </p:blipFill>
-        <p:spPr>
-          <a:xfrm>
-            <a:off x="2852928" y="1119226"/>
-            <a:ext cx="6160848" cy="3232813"/>
-          </a:xfrm>
-          <a:prstGeom prst="rect">
-            <a:avLst/>
-          </a:prstGeom>
-        </p:spPr>
-      </p:pic>
-    </p:spTree>
-    <p:extLst>
-      <p:ext uri="{BB962C8B-B14F-4D97-AF65-F5344CB8AC3E}">
-        <p14:creationId xmlns:p14="http://schemas.microsoft.com/office/powerpoint/2010/main" val="77897137"/>
-      </p:ext>
-    </p:extLst>
-  </p:cSld>
-  <p:clrMapOvr>
-    <a:masterClrMapping/>
-  </p:clrMapOvr>
-</p:sld>
-</file>
-
-<file path=ppt/slides/slide18.xml><?xml version="1.0" encoding="utf-8"?>
-<p:sld xmlns:a="http://schemas.openxmlformats.org/drawingml/2006/main" xmlns:r="http://schemas.openxmlformats.org/officeDocument/2006/relationships" xmlns:p="http://schemas.openxmlformats.org/presentationml/2006/main">
-  <p:cSld>
-    <p:spTree>
-      <p:nvGrpSpPr>
-        <p:cNvPr id="1" name="Shape 59"/>
-        <p:cNvGrpSpPr/>
-        <p:nvPr/>
-      </p:nvGrpSpPr>
-      <p:grpSpPr>
-        <a:xfrm>
-          <a:off x="0" y="0"/>
-          <a:ext cx="0" cy="0"/>
-          <a:chOff x="0" y="0"/>
-          <a:chExt cx="0" cy="0"/>
-        </a:xfrm>
-      </p:grpSpPr>
-      <p:sp>
-        <p:nvSpPr>
-          <p:cNvPr id="60" name="Google Shape;60;p14"/>
-          <p:cNvSpPr txBox="1">
-            <a:spLocks noGrp="1"/>
-          </p:cNvSpPr>
-          <p:nvPr>
-            <p:ph type="ctrTitle"/>
-          </p:nvPr>
-        </p:nvSpPr>
-        <p:spPr>
-          <a:xfrm>
-            <a:off x="315751" y="516813"/>
-            <a:ext cx="8512500" cy="602413"/>
-          </a:xfrm>
-          <a:prstGeom prst="rect">
-            <a:avLst/>
-          </a:prstGeom>
-          <a:noFill/>
-          <a:ln>
-            <a:noFill/>
-          </a:ln>
-        </p:spPr>
-        <p:txBody>
-          <a:bodyPr spcFirstLastPara="1" wrap="square" lIns="91425" tIns="91425" rIns="91425" bIns="91425" anchor="b" anchorCtr="0">
-            <a:noAutofit/>
-          </a:bodyPr>
-          <a:lstStyle/>
-          <a:p>
-            <a:pPr marL="0" lvl="0" indent="0" algn="l" rtl="0">
-              <a:lnSpc>
-                <a:spcPct val="100000"/>
-              </a:lnSpc>
-              <a:spcBef>
-                <a:spcPts val="0"/>
-              </a:spcBef>
-              <a:spcAft>
-                <a:spcPts val="0"/>
-              </a:spcAft>
-              <a:buSzPts val="5200"/>
-              <a:buNone/>
-            </a:pPr>
-            <a:endParaRPr sz="4800" b="1" dirty="0">
-              <a:solidFill>
-                <a:schemeClr val="tx1"/>
-              </a:solidFill>
-              <a:latin typeface="Montserrat"/>
-              <a:ea typeface="Montserrat"/>
-              <a:cs typeface="Montserrat"/>
-              <a:sym typeface="Montserrat"/>
-            </a:endParaRPr>
-          </a:p>
-          <a:p>
-            <a:pPr marL="0" lvl="0" indent="0" algn="l" rtl="0">
-              <a:lnSpc>
-                <a:spcPct val="100000"/>
-              </a:lnSpc>
-              <a:spcBef>
-                <a:spcPts val="0"/>
-              </a:spcBef>
-              <a:spcAft>
-                <a:spcPts val="0"/>
-              </a:spcAft>
-              <a:buSzPts val="5200"/>
-              <a:buNone/>
-            </a:pPr>
-            <a:endParaRPr sz="4800" b="1" dirty="0">
-              <a:solidFill>
-                <a:schemeClr val="tx1"/>
-              </a:solidFill>
-              <a:latin typeface="Montserrat"/>
-              <a:ea typeface="Montserrat"/>
-              <a:cs typeface="Montserrat"/>
-              <a:sym typeface="Montserrat"/>
-            </a:endParaRPr>
-          </a:p>
-          <a:p>
-            <a:pPr marL="0" lvl="0" indent="0" algn="l" rtl="0">
-              <a:spcBef>
-                <a:spcPts val="0"/>
-              </a:spcBef>
-              <a:spcAft>
-                <a:spcPts val="0"/>
-              </a:spcAft>
-              <a:buSzPts val="5200"/>
-              <a:buNone/>
-            </a:pPr>
-            <a:endParaRPr sz="2400" b="1" dirty="0">
-              <a:solidFill>
-                <a:schemeClr val="tx1"/>
-              </a:solidFill>
-              <a:latin typeface="Montserrat"/>
-              <a:ea typeface="Montserrat"/>
-              <a:cs typeface="Montserrat"/>
-              <a:sym typeface="Montserrat"/>
-            </a:endParaRPr>
-          </a:p>
-          <a:p>
-            <a:pPr lvl="0" algn="l" rtl="0">
-              <a:spcBef>
-                <a:spcPts val="0"/>
-              </a:spcBef>
-              <a:spcAft>
-                <a:spcPts val="0"/>
-              </a:spcAft>
-              <a:buSzPts val="5200"/>
-            </a:pPr>
-            <a:r>
-              <a:rPr lang="en-IN" sz="2400" b="1" dirty="0" smtClean="0">
-                <a:solidFill>
-                  <a:schemeClr val="tx1"/>
-                </a:solidFill>
-                <a:latin typeface="Montserrat"/>
-                <a:ea typeface="Montserrat"/>
-                <a:cs typeface="Montserrat"/>
-                <a:sym typeface="Montserrat"/>
-              </a:rPr>
-              <a:t>Top Agents</a:t>
-            </a:r>
-            <a:endParaRPr sz="2800" b="1" dirty="0">
-              <a:solidFill>
-                <a:schemeClr val="tx1"/>
-              </a:solidFill>
-              <a:latin typeface="Montserrat"/>
-              <a:ea typeface="Montserrat"/>
-              <a:cs typeface="Montserrat"/>
-              <a:sym typeface="Montserrat"/>
-            </a:endParaRPr>
-          </a:p>
-        </p:txBody>
-      </p:sp>
-      <p:sp>
-        <p:nvSpPr>
-          <p:cNvPr id="8" name="TextBox 7"/>
-          <p:cNvSpPr txBox="1"/>
-          <p:nvPr/>
-        </p:nvSpPr>
-        <p:spPr>
-          <a:xfrm>
-            <a:off x="446471" y="2115648"/>
-            <a:ext cx="2421326" cy="1200329"/>
-          </a:xfrm>
-          <a:prstGeom prst="rect">
-            <a:avLst/>
-          </a:prstGeom>
-          <a:noFill/>
-        </p:spPr>
-        <p:txBody>
-          <a:bodyPr wrap="square" rtlCol="0">
-            <a:spAutoFit/>
-          </a:bodyPr>
-          <a:lstStyle/>
-          <a:p>
-            <a:pPr>
-              <a:lnSpc>
-                <a:spcPct val="150000"/>
-              </a:lnSpc>
-            </a:pPr>
-            <a:r>
-              <a:rPr lang="en-US" sz="1600" dirty="0">
-                <a:solidFill>
-                  <a:schemeClr val="bg1"/>
-                </a:solidFill>
-              </a:rPr>
-              <a:t>Agent no. 9 has made most no. of bookings followed by 240, 14 etc</a:t>
-            </a:r>
-            <a:r>
-              <a:rPr lang="en-US" sz="1600" dirty="0" smtClean="0">
-                <a:solidFill>
-                  <a:schemeClr val="bg1"/>
-                </a:solidFill>
-              </a:rPr>
-              <a:t>.</a:t>
-            </a:r>
-            <a:endParaRPr lang="en-US" sz="1600" dirty="0" smtClean="0">
-              <a:solidFill>
-                <a:schemeClr val="bg1"/>
-              </a:solidFill>
-            </a:endParaRPr>
-          </a:p>
-        </p:txBody>
-      </p:sp>
-      <p:pic>
-        <p:nvPicPr>
-          <p:cNvPr id="3" name="Picture 2"/>
-          <p:cNvPicPr>
-            <a:picLocks noChangeAspect="1"/>
-          </p:cNvPicPr>
-          <p:nvPr/>
-        </p:nvPicPr>
-        <p:blipFill>
-          <a:blip r:embed="rId3"/>
-          <a:stretch>
-            <a:fillRect/>
-          </a:stretch>
-        </p:blipFill>
-        <p:spPr>
-          <a:xfrm>
-            <a:off x="3114907" y="1119226"/>
-            <a:ext cx="5713344" cy="3557587"/>
-          </a:xfrm>
-          <a:prstGeom prst="rect">
-            <a:avLst/>
-          </a:prstGeom>
-        </p:spPr>
-      </p:pic>
-    </p:spTree>
-    <p:extLst>
-      <p:ext uri="{BB962C8B-B14F-4D97-AF65-F5344CB8AC3E}">
-        <p14:creationId xmlns:p14="http://schemas.microsoft.com/office/powerpoint/2010/main" val="366292690"/>
-      </p:ext>
-    </p:extLst>
-  </p:cSld>
-  <p:clrMapOvr>
-    <a:masterClrMapping/>
-  </p:clrMapOvr>
-</p:sld>
-</file>
-
 <file path=ppt/slides/slide19.xml><?xml version="1.0" encoding="utf-8"?>
 <p:sld xmlns:a="http://schemas.openxmlformats.org/drawingml/2006/main" xmlns:r="http://schemas.openxmlformats.org/officeDocument/2006/relationships" xmlns:p="http://schemas.openxmlformats.org/presentationml/2006/main">
   <p:cSld>
@@ -14724,9 +15155,17 @@
             </a:endParaRPr>
           </a:p>
           <a:p>
-            <a:pPr lvl="0" algn="l"/>
-            <a:r>
-              <a:rPr lang="en-US" sz="2400" b="1" dirty="0" smtClean="0">
+            <a:pPr lvl="0" algn="l" rtl="0">
+              <a:spcBef>
+                <a:spcPts val="0"/>
+              </a:spcBef>
+              <a:spcAft>
+                <a:spcPts val="0"/>
+              </a:spcAft>
+              <a:buSzPts val="5200"/>
+            </a:pPr>
+            <a:r>
+              <a:rPr lang="en-IN" sz="2400" b="1" dirty="0" smtClean="0">
                 <a:solidFill>
                   <a:schemeClr val="tx1"/>
                 </a:solidFill>
@@ -14735,7 +15174,7 @@
                 <a:cs typeface="Montserrat"/>
                 <a:sym typeface="Montserrat"/>
               </a:rPr>
-              <a:t>Special Requests by Country</a:t>
+              <a:t>Room Types</a:t>
             </a:r>
             <a:endParaRPr sz="2800" b="1" dirty="0">
               <a:solidFill>
@@ -14751,14 +15190,14 @@
       </p:sp>
       <p:sp>
         <p:nvSpPr>
-          <p:cNvPr id="7" name="TextBox 6"/>
+          <p:cNvPr id="8" name="TextBox 7"/>
           <p:cNvSpPr txBox="1"/>
           <p:nvPr/>
         </p:nvSpPr>
         <p:spPr>
           <a:xfrm>
-            <a:off x="395023" y="1445968"/>
-            <a:ext cx="8433228" cy="461665"/>
+            <a:off x="431602" y="1606917"/>
+            <a:ext cx="2421326" cy="2632003"/>
           </a:xfrm>
           <a:prstGeom prst="rect">
             <a:avLst/>
@@ -14777,12 +15216,12 @@
               </a:lnSpc>
             </a:pPr>
             <a:r>
-              <a:rPr lang="en-US" sz="1600" dirty="0" smtClean="0">
+              <a:rPr lang="en-US" sz="1600" dirty="0">
                 <a:solidFill>
                   <a:schemeClr val="bg1"/>
                 </a:solidFill>
               </a:rPr>
-              <a:t>Botswana, East Timor, Zambia are some countries with highest number of special requests.</a:t>
+              <a:t>Most of guests reserves rooms of type 'A', also significant number of guests also reserves room type 'D' &amp; 'E'. Demand for rest types are very minimal.</a:t>
             </a:r>
             <a:endParaRPr lang="en-IN" sz="1600" dirty="0">
               <a:solidFill>
@@ -14794,7 +15233,7 @@
       </p:sp>
       <p:pic>
         <p:nvPicPr>
-          <p:cNvPr id="2" name="Picture 1"/>
+          <p:cNvPr id="3" name="Picture 2"/>
           <p:cNvPicPr>
             <a:picLocks noChangeAspect="1"/>
           </p:cNvPicPr>
@@ -14808,8 +15247,8 @@
         </p:blipFill>
         <p:spPr>
           <a:xfrm>
-            <a:off x="482314" y="1907633"/>
-            <a:ext cx="8258645" cy="2824200"/>
+            <a:off x="2852928" y="1201002"/>
+            <a:ext cx="6106143" cy="3192579"/>
           </a:xfrm>
           <a:prstGeom prst="rect">
             <a:avLst/>
@@ -14819,7 +15258,7 @@
     </p:spTree>
     <p:extLst>
       <p:ext uri="{BB962C8B-B14F-4D97-AF65-F5344CB8AC3E}">
-        <p14:creationId xmlns:p14="http://schemas.microsoft.com/office/powerpoint/2010/main" val="2687498153"/>
+        <p14:creationId xmlns:p14="http://schemas.microsoft.com/office/powerpoint/2010/main" val="1533716649"/>
       </p:ext>
     </p:extLst>
   </p:cSld>
@@ -15012,7 +15451,15 @@
                   <a:schemeClr val="bg1"/>
                 </a:solidFill>
               </a:rPr>
-              <a:t>Data Summary</a:t>
+              <a:t>Data </a:t>
+            </a:r>
+            <a:r>
+              <a:rPr lang="en-IN" dirty="0" smtClean="0">
+                <a:solidFill>
+                  <a:schemeClr val="bg1"/>
+                </a:solidFill>
+              </a:rPr>
+              <a:t>Summary</a:t>
             </a:r>
           </a:p>
           <a:p>
@@ -15029,32 +15476,7 @@
                   <a:schemeClr val="bg1"/>
                 </a:solidFill>
               </a:rPr>
-              <a:t>Hotel </a:t>
-            </a:r>
-            <a:r>
-              <a:rPr lang="en-IN" dirty="0" smtClean="0">
-                <a:solidFill>
-                  <a:schemeClr val="bg1"/>
-                </a:solidFill>
-              </a:rPr>
-              <a:t>Types</a:t>
-            </a:r>
-          </a:p>
-          <a:p>
-            <a:pPr marL="285750" indent="-285750">
-              <a:lnSpc>
-                <a:spcPct val="150000"/>
-              </a:lnSpc>
-              <a:buFont typeface="Arial" panose="020B0604020202020204" pitchFamily="34" charset="0"/>
-              <a:buChar char="•"/>
-            </a:pPr>
-            <a:r>
-              <a:rPr lang="en-IN" dirty="0" smtClean="0">
-                <a:solidFill>
-                  <a:schemeClr val="bg1"/>
-                </a:solidFill>
-              </a:rPr>
-              <a:t>Cancellations</a:t>
+              <a:t>Data Preparation &amp; Cleaning</a:t>
             </a:r>
             <a:endParaRPr lang="en-IN" dirty="0" smtClean="0">
               <a:solidFill>
@@ -15076,7 +15498,7 @@
                   <a:schemeClr val="bg1"/>
                 </a:solidFill>
               </a:rPr>
-              <a:t>Cancellations by Deposit Type</a:t>
+              <a:t>Hotel Types</a:t>
             </a:r>
           </a:p>
           <a:p>
@@ -15088,26 +15510,13 @@
               <a:buChar char="•"/>
             </a:pPr>
             <a:r>
-              <a:rPr lang="en-IN" dirty="0">
+              <a:rPr lang="en-IN" dirty="0" smtClean="0">
                 <a:solidFill>
                   <a:schemeClr val="bg1"/>
                 </a:solidFill>
               </a:rPr>
-              <a:t>Lead Time &amp; </a:t>
-            </a:r>
-            <a:r>
-              <a:rPr lang="en-IN" dirty="0" smtClean="0">
-                <a:solidFill>
-                  <a:schemeClr val="bg1"/>
-                </a:solidFill>
-              </a:rPr>
               <a:t>Cancellations</a:t>
             </a:r>
-            <a:endParaRPr lang="en-IN" dirty="0" smtClean="0">
-              <a:solidFill>
-                <a:schemeClr val="bg1"/>
-              </a:solidFill>
-            </a:endParaRPr>
           </a:p>
           <a:p>
             <a:pPr marL="285750" indent="-285750">
@@ -15123,13 +15532,8 @@
                   <a:schemeClr val="bg1"/>
                 </a:solidFill>
               </a:rPr>
-              <a:t>Bookings &amp; Cancellations by Months</a:t>
-            </a:r>
-            <a:endParaRPr lang="en-IN" dirty="0" smtClean="0">
-              <a:solidFill>
-                <a:schemeClr val="bg1"/>
-              </a:solidFill>
-            </a:endParaRPr>
+              <a:t>Cancellations by Deposit Type</a:t>
+            </a:r>
           </a:p>
           <a:p>
             <a:pPr marL="285750" indent="-285750">
@@ -15145,7 +15549,7 @@
                   <a:schemeClr val="bg1"/>
                 </a:solidFill>
               </a:rPr>
-              <a:t>Avg. Daily Rate </a:t>
+              <a:t>Lead Time &amp; </a:t>
             </a:r>
             <a:r>
               <a:rPr lang="en-IN" dirty="0" smtClean="0">
@@ -15153,7 +15557,7 @@
                   <a:schemeClr val="bg1"/>
                 </a:solidFill>
               </a:rPr>
-              <a:t>over Months</a:t>
+              <a:t>Cancellations</a:t>
             </a:r>
           </a:p>
           <a:p>
@@ -15170,13 +15574,8 @@
                   <a:schemeClr val="bg1"/>
                 </a:solidFill>
               </a:rPr>
-              <a:t>Bookings by Country</a:t>
-            </a:r>
-            <a:endParaRPr lang="en-IN" dirty="0" smtClean="0">
-              <a:solidFill>
-                <a:schemeClr val="bg1"/>
-              </a:solidFill>
-            </a:endParaRPr>
+              <a:t>Bookings &amp; Cancellations by Months</a:t>
+            </a:r>
           </a:p>
           <a:p>
             <a:pPr marL="285750" indent="-285750">
@@ -15187,18 +15586,21 @@
               <a:buChar char="•"/>
             </a:pPr>
             <a:r>
+              <a:rPr lang="en-IN" dirty="0">
+                <a:solidFill>
+                  <a:schemeClr val="bg1"/>
+                </a:solidFill>
+              </a:rPr>
+              <a:t>Avg. Daily Rate </a:t>
+            </a:r>
+            <a:r>
               <a:rPr lang="en-IN" dirty="0" smtClean="0">
                 <a:solidFill>
                   <a:schemeClr val="bg1"/>
                 </a:solidFill>
               </a:rPr>
-              <a:t>Bookings &amp; Cancellations by Market Segments</a:t>
-            </a:r>
-            <a:endParaRPr lang="en-IN" dirty="0" smtClean="0">
-              <a:solidFill>
-                <a:schemeClr val="bg1"/>
-              </a:solidFill>
-            </a:endParaRPr>
+              <a:t>over Months</a:t>
+            </a:r>
           </a:p>
           <a:p>
             <a:pPr marL="285750" indent="-285750">
@@ -15214,7 +15616,7 @@
                   <a:schemeClr val="bg1"/>
                 </a:solidFill>
               </a:rPr>
-              <a:t>Distribution of ADR</a:t>
+              <a:t>Bookings by Country</a:t>
             </a:r>
           </a:p>
           <a:p>
@@ -15226,12 +15628,12 @@
               <a:buChar char="•"/>
             </a:pPr>
             <a:r>
-              <a:rPr lang="en-IN" dirty="0">
+              <a:rPr lang="en-IN" dirty="0" smtClean="0">
                 <a:solidFill>
                   <a:schemeClr val="bg1"/>
                 </a:solidFill>
               </a:rPr>
-              <a:t>Car Parking </a:t>
+              <a:t>Bookings &amp; Cancellations by Market </a:t>
             </a:r>
             <a:r>
               <a:rPr lang="en-IN" dirty="0" smtClean="0">
@@ -15239,7 +15641,24 @@
                   <a:schemeClr val="bg1"/>
                 </a:solidFill>
               </a:rPr>
-              <a:t>Space</a:t>
+              <a:t>Segments</a:t>
+            </a:r>
+          </a:p>
+          <a:p>
+            <a:pPr marL="285750" indent="-285750">
+              <a:lnSpc>
+                <a:spcPct val="150000"/>
+              </a:lnSpc>
+              <a:buFont typeface="Arial" panose="020B0604020202020204" pitchFamily="34" charset="0"/>
+              <a:buChar char="•"/>
+            </a:pPr>
+            <a:r>
+              <a:rPr lang="en-IN" dirty="0" smtClean="0">
+                <a:solidFill>
+                  <a:schemeClr val="bg1"/>
+                </a:solidFill>
+              </a:rPr>
+              <a:t>Correlation of features</a:t>
             </a:r>
             <a:endParaRPr lang="en-IN" dirty="0" smtClean="0">
               <a:solidFill>
@@ -15258,7 +15677,7 @@
         <p:spPr>
           <a:xfrm>
             <a:off x="4742985" y="1119226"/>
-            <a:ext cx="4520972" cy="3323987"/>
+            <a:ext cx="4520972" cy="3647152"/>
           </a:xfrm>
           <a:prstGeom prst="rect">
             <a:avLst/>
@@ -15284,7 +15703,65 @@
                   <a:schemeClr val="bg1"/>
                 </a:solidFill>
               </a:rPr>
-              <a:t>Room Types</a:t>
+              <a:t>Distribution of </a:t>
+            </a:r>
+            <a:r>
+              <a:rPr lang="en-IN" dirty="0" smtClean="0">
+                <a:solidFill>
+                  <a:schemeClr val="bg1"/>
+                </a:solidFill>
+              </a:rPr>
+              <a:t>ADR</a:t>
+            </a:r>
+          </a:p>
+          <a:p>
+            <a:pPr marL="285750" indent="-285750">
+              <a:lnSpc>
+                <a:spcPct val="150000"/>
+              </a:lnSpc>
+              <a:buFont typeface="Arial" panose="020B0604020202020204" pitchFamily="34" charset="0"/>
+              <a:buChar char="•"/>
+            </a:pPr>
+            <a:r>
+              <a:rPr lang="en-IN" dirty="0" smtClean="0">
+                <a:solidFill>
+                  <a:schemeClr val="bg1"/>
+                </a:solidFill>
+              </a:rPr>
+              <a:t>Car </a:t>
+            </a:r>
+            <a:r>
+              <a:rPr lang="en-IN" dirty="0">
+                <a:solidFill>
+                  <a:schemeClr val="bg1"/>
+                </a:solidFill>
+              </a:rPr>
+              <a:t>Parking Space</a:t>
+            </a:r>
+          </a:p>
+          <a:p>
+            <a:pPr marL="285750" indent="-285750">
+              <a:lnSpc>
+                <a:spcPct val="150000"/>
+              </a:lnSpc>
+              <a:buFont typeface="Arial" panose="020B0604020202020204" pitchFamily="34" charset="0"/>
+              <a:buChar char="•"/>
+            </a:pPr>
+            <a:r>
+              <a:rPr lang="en-IN" dirty="0" smtClean="0">
+                <a:solidFill>
+                  <a:schemeClr val="bg1"/>
+                </a:solidFill>
+              </a:rPr>
+              <a:t>Room </a:t>
+            </a:r>
+            <a:r>
+              <a:rPr lang="en-IN" dirty="0">
+                <a:solidFill>
+                  <a:schemeClr val="bg1"/>
+                </a:solidFill>
+              </a:rPr>
+              <a:t>Types</a:t>
             </a:r>
             <a:endParaRPr lang="en-IN" b="1" dirty="0" smtClean="0">
               <a:solidFill>
@@ -15347,6 +15824,65 @@
               </a:rPr>
               <a:t>Lead Time</a:t>
             </a:r>
+          </a:p>
+          <a:p>
+            <a:pPr marL="285750" indent="-285750">
+              <a:lnSpc>
+                <a:spcPct val="150000"/>
+              </a:lnSpc>
+              <a:buFont typeface="Arial" panose="020B0604020202020204" pitchFamily="34" charset="0"/>
+              <a:buChar char="•"/>
+            </a:pPr>
+            <a:r>
+              <a:rPr lang="en-IN" dirty="0" smtClean="0">
+                <a:solidFill>
+                  <a:schemeClr val="bg1"/>
+                </a:solidFill>
+              </a:rPr>
+              <a:t>Bookings by Distribution Channel</a:t>
+            </a:r>
+          </a:p>
+          <a:p>
+            <a:pPr marL="285750" indent="-285750">
+              <a:lnSpc>
+                <a:spcPct val="150000"/>
+              </a:lnSpc>
+              <a:buFont typeface="Arial" panose="020B0604020202020204" pitchFamily="34" charset="0"/>
+              <a:buChar char="•"/>
+            </a:pPr>
+            <a:r>
+              <a:rPr lang="en-IN" dirty="0" smtClean="0">
+                <a:solidFill>
+                  <a:schemeClr val="bg1"/>
+                </a:solidFill>
+              </a:rPr>
+              <a:t>Meals</a:t>
+            </a:r>
+          </a:p>
+          <a:p>
+            <a:pPr marL="285750" indent="-285750">
+              <a:lnSpc>
+                <a:spcPct val="150000"/>
+              </a:lnSpc>
+              <a:buFont typeface="Arial" panose="020B0604020202020204" pitchFamily="34" charset="0"/>
+              <a:buChar char="•"/>
+            </a:pPr>
+            <a:r>
+              <a:rPr lang="en-IN" dirty="0" smtClean="0">
+                <a:solidFill>
+                  <a:schemeClr val="bg1"/>
+                </a:solidFill>
+              </a:rPr>
+              <a:t>Previous cancellations &amp; </a:t>
+            </a:r>
+            <a:r>
+              <a:rPr lang="en-IN" dirty="0" smtClean="0">
+                <a:solidFill>
+                  <a:schemeClr val="bg1"/>
+                </a:solidFill>
+              </a:rPr>
+              <a:t>Cancellations</a:t>
+            </a:r>
             <a:endParaRPr lang="en-IN" dirty="0" smtClean="0">
               <a:solidFill>
                 <a:schemeClr val="bg1"/>
@@ -15362,12 +15898,20 @@
               <a:buChar char="•"/>
             </a:pPr>
             <a:r>
+              <a:rPr lang="en-IN" dirty="0">
+                <a:solidFill>
+                  <a:schemeClr val="bg1"/>
+                </a:solidFill>
+              </a:rPr>
+              <a:t>Repeated </a:t>
+            </a:r>
+            <a:r>
               <a:rPr lang="en-IN" dirty="0" smtClean="0">
                 <a:solidFill>
                   <a:schemeClr val="bg1"/>
                 </a:solidFill>
               </a:rPr>
-              <a:t>Bookings by Distribution Channel</a:t>
+              <a:t>Guests</a:t>
             </a:r>
             <a:endParaRPr lang="en-IN" dirty="0" smtClean="0">
               <a:solidFill>
@@ -15389,94 +15933,8 @@
                   <a:schemeClr val="bg1"/>
                 </a:solidFill>
               </a:rPr>
-              <a:t>Meals</a:t>
-            </a:r>
-          </a:p>
-          <a:p>
-            <a:pPr marL="285750" indent="-285750">
-              <a:lnSpc>
-                <a:spcPct val="150000"/>
-              </a:lnSpc>
-              <a:buFont typeface="Arial" panose="020B0604020202020204" pitchFamily="34" charset="0"/>
-              <a:buChar char="•"/>
-            </a:pPr>
-            <a:r>
-              <a:rPr lang="en-IN" dirty="0" smtClean="0">
-                <a:solidFill>
-                  <a:schemeClr val="bg1"/>
-                </a:solidFill>
-              </a:rPr>
-              <a:t>Previous cancellations &amp; Cancellations</a:t>
-            </a:r>
-          </a:p>
-          <a:p>
-            <a:pPr marL="285750" indent="-285750">
-              <a:lnSpc>
-                <a:spcPct val="150000"/>
-              </a:lnSpc>
-              <a:buFont typeface="Arial" panose="020B0604020202020204" pitchFamily="34" charset="0"/>
-              <a:buChar char="•"/>
-            </a:pPr>
-            <a:r>
-              <a:rPr lang="en-IN" dirty="0" smtClean="0">
-                <a:solidFill>
-                  <a:schemeClr val="bg1"/>
-                </a:solidFill>
-              </a:rPr>
-              <a:t>Repeated Guests</a:t>
-            </a:r>
-          </a:p>
-          <a:p>
-            <a:pPr marL="285750" indent="-285750">
-              <a:lnSpc>
-                <a:spcPct val="150000"/>
-              </a:lnSpc>
-              <a:buFont typeface="Arial" panose="020B0604020202020204" pitchFamily="34" charset="0"/>
-              <a:buChar char="•"/>
-            </a:pPr>
-            <a:r>
-              <a:rPr lang="en-IN" dirty="0">
-                <a:solidFill>
-                  <a:schemeClr val="bg1"/>
-                </a:solidFill>
-              </a:rPr>
-              <a:t>Repeated </a:t>
-            </a:r>
-            <a:r>
-              <a:rPr lang="en-IN" dirty="0" smtClean="0">
-                <a:solidFill>
-                  <a:schemeClr val="bg1"/>
-                </a:solidFill>
-              </a:rPr>
-              <a:t>Guests by Distribution Channel</a:t>
-            </a:r>
-            <a:endParaRPr lang="en-IN" dirty="0" smtClean="0">
-              <a:solidFill>
-                <a:schemeClr val="bg1"/>
-              </a:solidFill>
-            </a:endParaRPr>
-          </a:p>
-          <a:p>
-            <a:pPr marL="285750" indent="-285750">
-              <a:lnSpc>
-                <a:spcPct val="150000"/>
-              </a:lnSpc>
-              <a:buFont typeface="Arial" panose="020B0604020202020204" pitchFamily="34" charset="0"/>
-              <a:buChar char="•"/>
-            </a:pPr>
-            <a:r>
-              <a:rPr lang="en-IN" dirty="0" smtClean="0">
-                <a:solidFill>
-                  <a:schemeClr val="bg1"/>
-                </a:solidFill>
-              </a:rPr>
               <a:t>Conclusions</a:t>
             </a:r>
-            <a:endParaRPr lang="en-IN" dirty="0" smtClean="0">
-              <a:solidFill>
-                <a:schemeClr val="bg1"/>
-              </a:solidFill>
-            </a:endParaRPr>
           </a:p>
         </p:txBody>
       </p:sp>
@@ -15634,7 +16092,7 @@
                 <a:cs typeface="Montserrat"/>
                 <a:sym typeface="Montserrat"/>
               </a:rPr>
-              <a:t>Lead Time</a:t>
+              <a:t>Room Types</a:t>
             </a:r>
             <a:endParaRPr sz="2800" b="1" dirty="0">
               <a:solidFill>
@@ -15656,8 +16114,8 @@
         </p:nvSpPr>
         <p:spPr>
           <a:xfrm>
-            <a:off x="431602" y="1943407"/>
-            <a:ext cx="2165298" cy="1938992"/>
+            <a:off x="431602" y="1721639"/>
+            <a:ext cx="2421326" cy="1893339"/>
           </a:xfrm>
           <a:prstGeom prst="rect">
             <a:avLst/>
@@ -15681,37 +16139,8 @@
                   <a:schemeClr val="bg1"/>
                 </a:solidFill>
               </a:rPr>
-              <a:t>Majority of the </a:t>
-            </a:r>
-            <a:r>
-              <a:rPr lang="en-US" sz="1600" dirty="0">
-                <a:solidFill>
-                  <a:schemeClr val="bg1"/>
-                </a:solidFill>
-              </a:rPr>
-              <a:t>bookings are done within 100 days of check-in date to </a:t>
-            </a:r>
-            <a:r>
-              <a:rPr lang="en-US" sz="1600" dirty="0" smtClean="0">
-                <a:solidFill>
-                  <a:schemeClr val="bg1"/>
-                </a:solidFill>
-              </a:rPr>
-              <a:t>the hotel</a:t>
-            </a:r>
-            <a:r>
-              <a:rPr lang="en-US" sz="1600" dirty="0">
-                <a:solidFill>
-                  <a:schemeClr val="bg1"/>
-                </a:solidFill>
-              </a:rPr>
-              <a:t>.</a:t>
-            </a:r>
-            <a:endParaRPr lang="en-IN" sz="1600" dirty="0">
-              <a:solidFill>
-                <a:schemeClr val="bg1"/>
-              </a:solidFill>
-            </a:endParaRPr>
+              <a:t>Similar to number of bookings, room type ‘A’ has most number of denials. Followed by ‘D’ and ‘E’ etc.</a:t>
+            </a:r>
           </a:p>
         </p:txBody>
       </p:sp>
@@ -15731,8 +16160,8 @@
         </p:blipFill>
         <p:spPr>
           <a:xfrm>
-            <a:off x="2596900" y="1426573"/>
-            <a:ext cx="6231351" cy="2972660"/>
+            <a:off x="2852928" y="1119226"/>
+            <a:ext cx="6160848" cy="3232813"/>
           </a:xfrm>
           <a:prstGeom prst="rect">
             <a:avLst/>
@@ -15742,7 +16171,7 @@
     </p:spTree>
     <p:extLst>
       <p:ext uri="{BB962C8B-B14F-4D97-AF65-F5344CB8AC3E}">
-        <p14:creationId xmlns:p14="http://schemas.microsoft.com/office/powerpoint/2010/main" val="1882420220"/>
+        <p14:creationId xmlns:p14="http://schemas.microsoft.com/office/powerpoint/2010/main" val="77897137"/>
       </p:ext>
     </p:extLst>
   </p:cSld>
@@ -15886,6 +16315,709 @@
                 <a:cs typeface="Montserrat"/>
                 <a:sym typeface="Montserrat"/>
               </a:rPr>
+              <a:t>Top Agents</a:t>
+            </a:r>
+            <a:endParaRPr sz="2800" b="1" dirty="0">
+              <a:solidFill>
+                <a:schemeClr val="tx1"/>
+              </a:solidFill>
+              <a:latin typeface="Montserrat"/>
+              <a:ea typeface="Montserrat"/>
+              <a:cs typeface="Montserrat"/>
+              <a:sym typeface="Montserrat"/>
+            </a:endParaRPr>
+          </a:p>
+        </p:txBody>
+      </p:sp>
+      <p:sp>
+        <p:nvSpPr>
+          <p:cNvPr id="8" name="TextBox 7"/>
+          <p:cNvSpPr txBox="1"/>
+          <p:nvPr/>
+        </p:nvSpPr>
+        <p:spPr>
+          <a:xfrm>
+            <a:off x="446471" y="2115648"/>
+            <a:ext cx="2421326" cy="1200329"/>
+          </a:xfrm>
+          <a:prstGeom prst="rect">
+            <a:avLst/>
+          </a:prstGeom>
+          <a:noFill/>
+        </p:spPr>
+        <p:txBody>
+          <a:bodyPr wrap="square" rtlCol="0">
+            <a:spAutoFit/>
+          </a:bodyPr>
+          <a:lstStyle/>
+          <a:p>
+            <a:pPr>
+              <a:lnSpc>
+                <a:spcPct val="150000"/>
+              </a:lnSpc>
+            </a:pPr>
+            <a:r>
+              <a:rPr lang="en-US" sz="1600" dirty="0">
+                <a:solidFill>
+                  <a:schemeClr val="bg1"/>
+                </a:solidFill>
+              </a:rPr>
+              <a:t>Agent no. 9 has made most no. of bookings followed by 240, 14 etc</a:t>
+            </a:r>
+            <a:r>
+              <a:rPr lang="en-US" sz="1600" dirty="0" smtClean="0">
+                <a:solidFill>
+                  <a:schemeClr val="bg1"/>
+                </a:solidFill>
+              </a:rPr>
+              <a:t>.</a:t>
+            </a:r>
+          </a:p>
+        </p:txBody>
+      </p:sp>
+      <p:pic>
+        <p:nvPicPr>
+          <p:cNvPr id="3" name="Picture 2"/>
+          <p:cNvPicPr>
+            <a:picLocks noChangeAspect="1"/>
+          </p:cNvPicPr>
+          <p:nvPr/>
+        </p:nvPicPr>
+        <p:blipFill>
+          <a:blip r:embed="rId3"/>
+          <a:stretch>
+            <a:fillRect/>
+          </a:stretch>
+        </p:blipFill>
+        <p:spPr>
+          <a:xfrm>
+            <a:off x="3114907" y="1119226"/>
+            <a:ext cx="5713344" cy="3557587"/>
+          </a:xfrm>
+          <a:prstGeom prst="rect">
+            <a:avLst/>
+          </a:prstGeom>
+        </p:spPr>
+      </p:pic>
+    </p:spTree>
+    <p:extLst>
+      <p:ext uri="{BB962C8B-B14F-4D97-AF65-F5344CB8AC3E}">
+        <p14:creationId xmlns:p14="http://schemas.microsoft.com/office/powerpoint/2010/main" val="366292690"/>
+      </p:ext>
+    </p:extLst>
+  </p:cSld>
+  <p:clrMapOvr>
+    <a:masterClrMapping/>
+  </p:clrMapOvr>
+</p:sld>
+</file>
+
+<file path=ppt/slides/slide22.xml><?xml version="1.0" encoding="utf-8"?>
+<p:sld xmlns:a="http://schemas.openxmlformats.org/drawingml/2006/main" xmlns:r="http://schemas.openxmlformats.org/officeDocument/2006/relationships" xmlns:p="http://schemas.openxmlformats.org/presentationml/2006/main">
+  <p:cSld>
+    <p:spTree>
+      <p:nvGrpSpPr>
+        <p:cNvPr id="1" name="Shape 59"/>
+        <p:cNvGrpSpPr/>
+        <p:nvPr/>
+      </p:nvGrpSpPr>
+      <p:grpSpPr>
+        <a:xfrm>
+          <a:off x="0" y="0"/>
+          <a:ext cx="0" cy="0"/>
+          <a:chOff x="0" y="0"/>
+          <a:chExt cx="0" cy="0"/>
+        </a:xfrm>
+      </p:grpSpPr>
+      <p:sp>
+        <p:nvSpPr>
+          <p:cNvPr id="60" name="Google Shape;60;p14"/>
+          <p:cNvSpPr txBox="1">
+            <a:spLocks noGrp="1"/>
+          </p:cNvSpPr>
+          <p:nvPr>
+            <p:ph type="ctrTitle"/>
+          </p:nvPr>
+        </p:nvSpPr>
+        <p:spPr>
+          <a:xfrm>
+            <a:off x="315751" y="516813"/>
+            <a:ext cx="8512500" cy="602413"/>
+          </a:xfrm>
+          <a:prstGeom prst="rect">
+            <a:avLst/>
+          </a:prstGeom>
+          <a:noFill/>
+          <a:ln>
+            <a:noFill/>
+          </a:ln>
+        </p:spPr>
+        <p:txBody>
+          <a:bodyPr spcFirstLastPara="1" wrap="square" lIns="91425" tIns="91425" rIns="91425" bIns="91425" anchor="b" anchorCtr="0">
+            <a:noAutofit/>
+          </a:bodyPr>
+          <a:lstStyle/>
+          <a:p>
+            <a:pPr marL="0" lvl="0" indent="0" algn="l" rtl="0">
+              <a:lnSpc>
+                <a:spcPct val="100000"/>
+              </a:lnSpc>
+              <a:spcBef>
+                <a:spcPts val="0"/>
+              </a:spcBef>
+              <a:spcAft>
+                <a:spcPts val="0"/>
+              </a:spcAft>
+              <a:buSzPts val="5200"/>
+              <a:buNone/>
+            </a:pPr>
+            <a:endParaRPr sz="4800" b="1" dirty="0">
+              <a:solidFill>
+                <a:schemeClr val="tx1"/>
+              </a:solidFill>
+              <a:latin typeface="Montserrat"/>
+              <a:ea typeface="Montserrat"/>
+              <a:cs typeface="Montserrat"/>
+              <a:sym typeface="Montserrat"/>
+            </a:endParaRPr>
+          </a:p>
+          <a:p>
+            <a:pPr marL="0" lvl="0" indent="0" algn="l" rtl="0">
+              <a:lnSpc>
+                <a:spcPct val="100000"/>
+              </a:lnSpc>
+              <a:spcBef>
+                <a:spcPts val="0"/>
+              </a:spcBef>
+              <a:spcAft>
+                <a:spcPts val="0"/>
+              </a:spcAft>
+              <a:buSzPts val="5200"/>
+              <a:buNone/>
+            </a:pPr>
+            <a:endParaRPr sz="4800" b="1" dirty="0">
+              <a:solidFill>
+                <a:schemeClr val="tx1"/>
+              </a:solidFill>
+              <a:latin typeface="Montserrat"/>
+              <a:ea typeface="Montserrat"/>
+              <a:cs typeface="Montserrat"/>
+              <a:sym typeface="Montserrat"/>
+            </a:endParaRPr>
+          </a:p>
+          <a:p>
+            <a:pPr marL="0" lvl="0" indent="0" algn="l" rtl="0">
+              <a:spcBef>
+                <a:spcPts val="0"/>
+              </a:spcBef>
+              <a:spcAft>
+                <a:spcPts val="0"/>
+              </a:spcAft>
+              <a:buSzPts val="5200"/>
+              <a:buNone/>
+            </a:pPr>
+            <a:endParaRPr sz="2400" b="1" dirty="0">
+              <a:solidFill>
+                <a:schemeClr val="tx1"/>
+              </a:solidFill>
+              <a:latin typeface="Montserrat"/>
+              <a:ea typeface="Montserrat"/>
+              <a:cs typeface="Montserrat"/>
+              <a:sym typeface="Montserrat"/>
+            </a:endParaRPr>
+          </a:p>
+          <a:p>
+            <a:pPr lvl="0" algn="l"/>
+            <a:r>
+              <a:rPr lang="en-US" sz="2400" b="1" dirty="0" smtClean="0">
+                <a:solidFill>
+                  <a:schemeClr val="tx1"/>
+                </a:solidFill>
+                <a:latin typeface="Montserrat"/>
+                <a:ea typeface="Montserrat"/>
+                <a:cs typeface="Montserrat"/>
+                <a:sym typeface="Montserrat"/>
+              </a:rPr>
+              <a:t>Special Requests by Country</a:t>
+            </a:r>
+            <a:endParaRPr sz="2800" b="1" dirty="0">
+              <a:solidFill>
+                <a:schemeClr val="tx1"/>
+              </a:solidFill>
+              <a:latin typeface="Montserrat"/>
+              <a:ea typeface="Montserrat"/>
+              <a:cs typeface="Montserrat"/>
+              <a:sym typeface="Montserrat"/>
+            </a:endParaRPr>
+          </a:p>
+        </p:txBody>
+      </p:sp>
+      <p:sp>
+        <p:nvSpPr>
+          <p:cNvPr id="7" name="TextBox 6"/>
+          <p:cNvSpPr txBox="1"/>
+          <p:nvPr/>
+        </p:nvSpPr>
+        <p:spPr>
+          <a:xfrm>
+            <a:off x="395023" y="1445968"/>
+            <a:ext cx="8433228" cy="461665"/>
+          </a:xfrm>
+          <a:prstGeom prst="rect">
+            <a:avLst/>
+          </a:prstGeom>
+          <a:noFill/>
+        </p:spPr>
+        <p:txBody>
+          <a:bodyPr wrap="square" rtlCol="0">
+            <a:spAutoFit/>
+          </a:bodyPr>
+          <a:lstStyle/>
+          <a:p>
+            <a:pPr>
+              <a:lnSpc>
+                <a:spcPct val="150000"/>
+              </a:lnSpc>
+            </a:pPr>
+            <a:r>
+              <a:rPr lang="en-US" sz="1600" dirty="0" smtClean="0">
+                <a:solidFill>
+                  <a:schemeClr val="bg1"/>
+                </a:solidFill>
+              </a:rPr>
+              <a:t>Botswana, East Timor, Zambia are some countries with highest number of special requests.</a:t>
+            </a:r>
+            <a:endParaRPr lang="en-IN" sz="1600" dirty="0">
+              <a:solidFill>
+                <a:schemeClr val="bg1"/>
+              </a:solidFill>
+            </a:endParaRPr>
+          </a:p>
+        </p:txBody>
+      </p:sp>
+      <p:pic>
+        <p:nvPicPr>
+          <p:cNvPr id="2" name="Picture 1"/>
+          <p:cNvPicPr>
+            <a:picLocks noChangeAspect="1"/>
+          </p:cNvPicPr>
+          <p:nvPr/>
+        </p:nvPicPr>
+        <p:blipFill>
+          <a:blip r:embed="rId3"/>
+          <a:stretch>
+            <a:fillRect/>
+          </a:stretch>
+        </p:blipFill>
+        <p:spPr>
+          <a:xfrm>
+            <a:off x="482314" y="1907633"/>
+            <a:ext cx="8258645" cy="2824200"/>
+          </a:xfrm>
+          <a:prstGeom prst="rect">
+            <a:avLst/>
+          </a:prstGeom>
+        </p:spPr>
+      </p:pic>
+    </p:spTree>
+    <p:extLst>
+      <p:ext uri="{BB962C8B-B14F-4D97-AF65-F5344CB8AC3E}">
+        <p14:creationId xmlns:p14="http://schemas.microsoft.com/office/powerpoint/2010/main" val="2687498153"/>
+      </p:ext>
+    </p:extLst>
+  </p:cSld>
+  <p:clrMapOvr>
+    <a:masterClrMapping/>
+  </p:clrMapOvr>
+</p:sld>
+</file>
+
+<file path=ppt/slides/slide23.xml><?xml version="1.0" encoding="utf-8"?>
+<p:sld xmlns:a="http://schemas.openxmlformats.org/drawingml/2006/main" xmlns:r="http://schemas.openxmlformats.org/officeDocument/2006/relationships" xmlns:p="http://schemas.openxmlformats.org/presentationml/2006/main">
+  <p:cSld>
+    <p:spTree>
+      <p:nvGrpSpPr>
+        <p:cNvPr id="1" name="Shape 59"/>
+        <p:cNvGrpSpPr/>
+        <p:nvPr/>
+      </p:nvGrpSpPr>
+      <p:grpSpPr>
+        <a:xfrm>
+          <a:off x="0" y="0"/>
+          <a:ext cx="0" cy="0"/>
+          <a:chOff x="0" y="0"/>
+          <a:chExt cx="0" cy="0"/>
+        </a:xfrm>
+      </p:grpSpPr>
+      <p:sp>
+        <p:nvSpPr>
+          <p:cNvPr id="60" name="Google Shape;60;p14"/>
+          <p:cNvSpPr txBox="1">
+            <a:spLocks noGrp="1"/>
+          </p:cNvSpPr>
+          <p:nvPr>
+            <p:ph type="ctrTitle"/>
+          </p:nvPr>
+        </p:nvSpPr>
+        <p:spPr>
+          <a:xfrm>
+            <a:off x="315751" y="516813"/>
+            <a:ext cx="8512500" cy="602413"/>
+          </a:xfrm>
+          <a:prstGeom prst="rect">
+            <a:avLst/>
+          </a:prstGeom>
+          <a:noFill/>
+          <a:ln>
+            <a:noFill/>
+          </a:ln>
+        </p:spPr>
+        <p:txBody>
+          <a:bodyPr spcFirstLastPara="1" wrap="square" lIns="91425" tIns="91425" rIns="91425" bIns="91425" anchor="b" anchorCtr="0">
+            <a:noAutofit/>
+          </a:bodyPr>
+          <a:lstStyle/>
+          <a:p>
+            <a:pPr marL="0" lvl="0" indent="0" algn="l" rtl="0">
+              <a:lnSpc>
+                <a:spcPct val="100000"/>
+              </a:lnSpc>
+              <a:spcBef>
+                <a:spcPts val="0"/>
+              </a:spcBef>
+              <a:spcAft>
+                <a:spcPts val="0"/>
+              </a:spcAft>
+              <a:buSzPts val="5200"/>
+              <a:buNone/>
+            </a:pPr>
+            <a:endParaRPr sz="4800" b="1" dirty="0">
+              <a:solidFill>
+                <a:schemeClr val="tx1"/>
+              </a:solidFill>
+              <a:latin typeface="Montserrat"/>
+              <a:ea typeface="Montserrat"/>
+              <a:cs typeface="Montserrat"/>
+              <a:sym typeface="Montserrat"/>
+            </a:endParaRPr>
+          </a:p>
+          <a:p>
+            <a:pPr marL="0" lvl="0" indent="0" algn="l" rtl="0">
+              <a:lnSpc>
+                <a:spcPct val="100000"/>
+              </a:lnSpc>
+              <a:spcBef>
+                <a:spcPts val="0"/>
+              </a:spcBef>
+              <a:spcAft>
+                <a:spcPts val="0"/>
+              </a:spcAft>
+              <a:buSzPts val="5200"/>
+              <a:buNone/>
+            </a:pPr>
+            <a:endParaRPr sz="4800" b="1" dirty="0">
+              <a:solidFill>
+                <a:schemeClr val="tx1"/>
+              </a:solidFill>
+              <a:latin typeface="Montserrat"/>
+              <a:ea typeface="Montserrat"/>
+              <a:cs typeface="Montserrat"/>
+              <a:sym typeface="Montserrat"/>
+            </a:endParaRPr>
+          </a:p>
+          <a:p>
+            <a:pPr marL="0" lvl="0" indent="0" algn="l" rtl="0">
+              <a:spcBef>
+                <a:spcPts val="0"/>
+              </a:spcBef>
+              <a:spcAft>
+                <a:spcPts val="0"/>
+              </a:spcAft>
+              <a:buSzPts val="5200"/>
+              <a:buNone/>
+            </a:pPr>
+            <a:endParaRPr sz="2400" b="1" dirty="0">
+              <a:solidFill>
+                <a:schemeClr val="tx1"/>
+              </a:solidFill>
+              <a:latin typeface="Montserrat"/>
+              <a:ea typeface="Montserrat"/>
+              <a:cs typeface="Montserrat"/>
+              <a:sym typeface="Montserrat"/>
+            </a:endParaRPr>
+          </a:p>
+          <a:p>
+            <a:pPr lvl="0" algn="l" rtl="0">
+              <a:spcBef>
+                <a:spcPts val="0"/>
+              </a:spcBef>
+              <a:spcAft>
+                <a:spcPts val="0"/>
+              </a:spcAft>
+              <a:buSzPts val="5200"/>
+            </a:pPr>
+            <a:r>
+              <a:rPr lang="en-IN" sz="2400" b="1" dirty="0" smtClean="0">
+                <a:solidFill>
+                  <a:schemeClr val="tx1"/>
+                </a:solidFill>
+                <a:latin typeface="Montserrat"/>
+                <a:ea typeface="Montserrat"/>
+                <a:cs typeface="Montserrat"/>
+                <a:sym typeface="Montserrat"/>
+              </a:rPr>
+              <a:t>Lead Time</a:t>
+            </a:r>
+            <a:endParaRPr sz="2800" b="1" dirty="0">
+              <a:solidFill>
+                <a:schemeClr val="tx1"/>
+              </a:solidFill>
+              <a:latin typeface="Montserrat"/>
+              <a:ea typeface="Montserrat"/>
+              <a:cs typeface="Montserrat"/>
+              <a:sym typeface="Montserrat"/>
+            </a:endParaRPr>
+          </a:p>
+        </p:txBody>
+      </p:sp>
+      <p:sp>
+        <p:nvSpPr>
+          <p:cNvPr id="8" name="TextBox 7"/>
+          <p:cNvSpPr txBox="1"/>
+          <p:nvPr/>
+        </p:nvSpPr>
+        <p:spPr>
+          <a:xfrm>
+            <a:off x="431602" y="1943407"/>
+            <a:ext cx="2165298" cy="1938992"/>
+          </a:xfrm>
+          <a:prstGeom prst="rect">
+            <a:avLst/>
+          </a:prstGeom>
+          <a:noFill/>
+        </p:spPr>
+        <p:txBody>
+          <a:bodyPr wrap="square" rtlCol="0">
+            <a:spAutoFit/>
+          </a:bodyPr>
+          <a:lstStyle/>
+          <a:p>
+            <a:pPr>
+              <a:lnSpc>
+                <a:spcPct val="150000"/>
+              </a:lnSpc>
+            </a:pPr>
+            <a:r>
+              <a:rPr lang="en-US" sz="1600" dirty="0" smtClean="0">
+                <a:solidFill>
+                  <a:schemeClr val="bg1"/>
+                </a:solidFill>
+              </a:rPr>
+              <a:t>Majority of the </a:t>
+            </a:r>
+            <a:r>
+              <a:rPr lang="en-US" sz="1600" dirty="0">
+                <a:solidFill>
+                  <a:schemeClr val="bg1"/>
+                </a:solidFill>
+              </a:rPr>
+              <a:t>bookings are done within 100 days of check-in date to </a:t>
+            </a:r>
+            <a:r>
+              <a:rPr lang="en-US" sz="1600" dirty="0" smtClean="0">
+                <a:solidFill>
+                  <a:schemeClr val="bg1"/>
+                </a:solidFill>
+              </a:rPr>
+              <a:t>the hotel</a:t>
+            </a:r>
+            <a:r>
+              <a:rPr lang="en-US" sz="1600" dirty="0">
+                <a:solidFill>
+                  <a:schemeClr val="bg1"/>
+                </a:solidFill>
+              </a:rPr>
+              <a:t>.</a:t>
+            </a:r>
+            <a:endParaRPr lang="en-IN" sz="1600" dirty="0">
+              <a:solidFill>
+                <a:schemeClr val="bg1"/>
+              </a:solidFill>
+            </a:endParaRPr>
+          </a:p>
+        </p:txBody>
+      </p:sp>
+      <p:pic>
+        <p:nvPicPr>
+          <p:cNvPr id="2" name="Picture 1"/>
+          <p:cNvPicPr>
+            <a:picLocks noChangeAspect="1"/>
+          </p:cNvPicPr>
+          <p:nvPr/>
+        </p:nvPicPr>
+        <p:blipFill>
+          <a:blip r:embed="rId3"/>
+          <a:stretch>
+            <a:fillRect/>
+          </a:stretch>
+        </p:blipFill>
+        <p:spPr>
+          <a:xfrm>
+            <a:off x="2596900" y="1426573"/>
+            <a:ext cx="6231351" cy="2972660"/>
+          </a:xfrm>
+          <a:prstGeom prst="rect">
+            <a:avLst/>
+          </a:prstGeom>
+        </p:spPr>
+      </p:pic>
+    </p:spTree>
+    <p:extLst>
+      <p:ext uri="{BB962C8B-B14F-4D97-AF65-F5344CB8AC3E}">
+        <p14:creationId xmlns:p14="http://schemas.microsoft.com/office/powerpoint/2010/main" val="1882420220"/>
+      </p:ext>
+    </p:extLst>
+  </p:cSld>
+  <p:clrMapOvr>
+    <a:masterClrMapping/>
+  </p:clrMapOvr>
+</p:sld>
+</file>
+
+<file path=ppt/slides/slide24.xml><?xml version="1.0" encoding="utf-8"?>
+<p:sld xmlns:a="http://schemas.openxmlformats.org/drawingml/2006/main" xmlns:r="http://schemas.openxmlformats.org/officeDocument/2006/relationships" xmlns:p="http://schemas.openxmlformats.org/presentationml/2006/main">
+  <p:cSld>
+    <p:spTree>
+      <p:nvGrpSpPr>
+        <p:cNvPr id="1" name="Shape 59"/>
+        <p:cNvGrpSpPr/>
+        <p:nvPr/>
+      </p:nvGrpSpPr>
+      <p:grpSpPr>
+        <a:xfrm>
+          <a:off x="0" y="0"/>
+          <a:ext cx="0" cy="0"/>
+          <a:chOff x="0" y="0"/>
+          <a:chExt cx="0" cy="0"/>
+        </a:xfrm>
+      </p:grpSpPr>
+      <p:sp>
+        <p:nvSpPr>
+          <p:cNvPr id="60" name="Google Shape;60;p14"/>
+          <p:cNvSpPr txBox="1">
+            <a:spLocks noGrp="1"/>
+          </p:cNvSpPr>
+          <p:nvPr>
+            <p:ph type="ctrTitle"/>
+          </p:nvPr>
+        </p:nvSpPr>
+        <p:spPr>
+          <a:xfrm>
+            <a:off x="315751" y="516813"/>
+            <a:ext cx="8512500" cy="602413"/>
+          </a:xfrm>
+          <a:prstGeom prst="rect">
+            <a:avLst/>
+          </a:prstGeom>
+          <a:noFill/>
+          <a:ln>
+            <a:noFill/>
+          </a:ln>
+        </p:spPr>
+        <p:txBody>
+          <a:bodyPr spcFirstLastPara="1" wrap="square" lIns="91425" tIns="91425" rIns="91425" bIns="91425" anchor="b" anchorCtr="0">
+            <a:noAutofit/>
+          </a:bodyPr>
+          <a:lstStyle/>
+          <a:p>
+            <a:pPr marL="0" lvl="0" indent="0" algn="l" rtl="0">
+              <a:lnSpc>
+                <a:spcPct val="100000"/>
+              </a:lnSpc>
+              <a:spcBef>
+                <a:spcPts val="0"/>
+              </a:spcBef>
+              <a:spcAft>
+                <a:spcPts val="0"/>
+              </a:spcAft>
+              <a:buSzPts val="5200"/>
+              <a:buNone/>
+            </a:pPr>
+            <a:endParaRPr sz="4800" b="1" dirty="0">
+              <a:solidFill>
+                <a:schemeClr val="tx1"/>
+              </a:solidFill>
+              <a:latin typeface="Montserrat"/>
+              <a:ea typeface="Montserrat"/>
+              <a:cs typeface="Montserrat"/>
+              <a:sym typeface="Montserrat"/>
+            </a:endParaRPr>
+          </a:p>
+          <a:p>
+            <a:pPr marL="0" lvl="0" indent="0" algn="l" rtl="0">
+              <a:lnSpc>
+                <a:spcPct val="100000"/>
+              </a:lnSpc>
+              <a:spcBef>
+                <a:spcPts val="0"/>
+              </a:spcBef>
+              <a:spcAft>
+                <a:spcPts val="0"/>
+              </a:spcAft>
+              <a:buSzPts val="5200"/>
+              <a:buNone/>
+            </a:pPr>
+            <a:endParaRPr sz="4800" b="1" dirty="0">
+              <a:solidFill>
+                <a:schemeClr val="tx1"/>
+              </a:solidFill>
+              <a:latin typeface="Montserrat"/>
+              <a:ea typeface="Montserrat"/>
+              <a:cs typeface="Montserrat"/>
+              <a:sym typeface="Montserrat"/>
+            </a:endParaRPr>
+          </a:p>
+          <a:p>
+            <a:pPr marL="0" lvl="0" indent="0" algn="l" rtl="0">
+              <a:spcBef>
+                <a:spcPts val="0"/>
+              </a:spcBef>
+              <a:spcAft>
+                <a:spcPts val="0"/>
+              </a:spcAft>
+              <a:buSzPts val="5200"/>
+              <a:buNone/>
+            </a:pPr>
+            <a:endParaRPr sz="2400" b="1" dirty="0">
+              <a:solidFill>
+                <a:schemeClr val="tx1"/>
+              </a:solidFill>
+              <a:latin typeface="Montserrat"/>
+              <a:ea typeface="Montserrat"/>
+              <a:cs typeface="Montserrat"/>
+              <a:sym typeface="Montserrat"/>
+            </a:endParaRPr>
+          </a:p>
+          <a:p>
+            <a:pPr lvl="0" algn="l" rtl="0">
+              <a:spcBef>
+                <a:spcPts val="0"/>
+              </a:spcBef>
+              <a:spcAft>
+                <a:spcPts val="0"/>
+              </a:spcAft>
+              <a:buSzPts val="5200"/>
+            </a:pPr>
+            <a:r>
+              <a:rPr lang="en-IN" sz="2400" b="1" dirty="0" smtClean="0">
+                <a:solidFill>
+                  <a:schemeClr val="tx1"/>
+                </a:solidFill>
+                <a:latin typeface="Montserrat"/>
+                <a:ea typeface="Montserrat"/>
+                <a:cs typeface="Montserrat"/>
+                <a:sym typeface="Montserrat"/>
+              </a:rPr>
               <a:t>Bookings by Distribution Channel</a:t>
             </a:r>
             <a:endParaRPr sz="2800" b="1" dirty="0">
@@ -16023,7 +17155,7 @@
 </p:sld>
 </file>
 
-<file path=ppt/slides/slide22.xml><?xml version="1.0" encoding="utf-8"?>
+<file path=ppt/slides/slide25.xml><?xml version="1.0" encoding="utf-8"?>
 <p:sld xmlns:a="http://schemas.openxmlformats.org/drawingml/2006/main" xmlns:r="http://schemas.openxmlformats.org/officeDocument/2006/relationships" xmlns:p="http://schemas.openxmlformats.org/presentationml/2006/main">
   <p:cSld>
     <p:spTree>
@@ -16275,690 +17407,6 @@
 </p:sld>
 </file>
 
-<file path=ppt/slides/slide23.xml><?xml version="1.0" encoding="utf-8"?>
-<p:sld xmlns:a="http://schemas.openxmlformats.org/drawingml/2006/main" xmlns:r="http://schemas.openxmlformats.org/officeDocument/2006/relationships" xmlns:p="http://schemas.openxmlformats.org/presentationml/2006/main">
-  <p:cSld>
-    <p:spTree>
-      <p:nvGrpSpPr>
-        <p:cNvPr id="1" name="Shape 59"/>
-        <p:cNvGrpSpPr/>
-        <p:nvPr/>
-      </p:nvGrpSpPr>
-      <p:grpSpPr>
-        <a:xfrm>
-          <a:off x="0" y="0"/>
-          <a:ext cx="0" cy="0"/>
-          <a:chOff x="0" y="0"/>
-          <a:chExt cx="0" cy="0"/>
-        </a:xfrm>
-      </p:grpSpPr>
-      <p:sp>
-        <p:nvSpPr>
-          <p:cNvPr id="60" name="Google Shape;60;p14"/>
-          <p:cNvSpPr txBox="1">
-            <a:spLocks noGrp="1"/>
-          </p:cNvSpPr>
-          <p:nvPr>
-            <p:ph type="ctrTitle"/>
-          </p:nvPr>
-        </p:nvSpPr>
-        <p:spPr>
-          <a:xfrm>
-            <a:off x="315751" y="516813"/>
-            <a:ext cx="8512500" cy="602413"/>
-          </a:xfrm>
-          <a:prstGeom prst="rect">
-            <a:avLst/>
-          </a:prstGeom>
-          <a:noFill/>
-          <a:ln>
-            <a:noFill/>
-          </a:ln>
-        </p:spPr>
-        <p:txBody>
-          <a:bodyPr spcFirstLastPara="1" wrap="square" lIns="91425" tIns="91425" rIns="91425" bIns="91425" anchor="b" anchorCtr="0">
-            <a:noAutofit/>
-          </a:bodyPr>
-          <a:lstStyle/>
-          <a:p>
-            <a:pPr marL="0" lvl="0" indent="0" algn="l" rtl="0">
-              <a:lnSpc>
-                <a:spcPct val="100000"/>
-              </a:lnSpc>
-              <a:spcBef>
-                <a:spcPts val="0"/>
-              </a:spcBef>
-              <a:spcAft>
-                <a:spcPts val="0"/>
-              </a:spcAft>
-              <a:buSzPts val="5200"/>
-              <a:buNone/>
-            </a:pPr>
-            <a:endParaRPr sz="4800" b="1" dirty="0">
-              <a:solidFill>
-                <a:schemeClr val="tx1"/>
-              </a:solidFill>
-              <a:latin typeface="Montserrat"/>
-              <a:ea typeface="Montserrat"/>
-              <a:cs typeface="Montserrat"/>
-              <a:sym typeface="Montserrat"/>
-            </a:endParaRPr>
-          </a:p>
-          <a:p>
-            <a:pPr marL="0" lvl="0" indent="0" algn="l" rtl="0">
-              <a:lnSpc>
-                <a:spcPct val="100000"/>
-              </a:lnSpc>
-              <a:spcBef>
-                <a:spcPts val="0"/>
-              </a:spcBef>
-              <a:spcAft>
-                <a:spcPts val="0"/>
-              </a:spcAft>
-              <a:buSzPts val="5200"/>
-              <a:buNone/>
-            </a:pPr>
-            <a:endParaRPr sz="4800" b="1" dirty="0">
-              <a:solidFill>
-                <a:schemeClr val="tx1"/>
-              </a:solidFill>
-              <a:latin typeface="Montserrat"/>
-              <a:ea typeface="Montserrat"/>
-              <a:cs typeface="Montserrat"/>
-              <a:sym typeface="Montserrat"/>
-            </a:endParaRPr>
-          </a:p>
-          <a:p>
-            <a:pPr marL="0" lvl="0" indent="0" algn="l" rtl="0">
-              <a:spcBef>
-                <a:spcPts val="0"/>
-              </a:spcBef>
-              <a:spcAft>
-                <a:spcPts val="0"/>
-              </a:spcAft>
-              <a:buSzPts val="5200"/>
-              <a:buNone/>
-            </a:pPr>
-            <a:endParaRPr sz="2400" b="1" dirty="0">
-              <a:solidFill>
-                <a:schemeClr val="tx1"/>
-              </a:solidFill>
-              <a:latin typeface="Montserrat"/>
-              <a:ea typeface="Montserrat"/>
-              <a:cs typeface="Montserrat"/>
-              <a:sym typeface="Montserrat"/>
-            </a:endParaRPr>
-          </a:p>
-          <a:p>
-            <a:pPr lvl="0" algn="l" rtl="0">
-              <a:spcBef>
-                <a:spcPts val="0"/>
-              </a:spcBef>
-              <a:spcAft>
-                <a:spcPts val="0"/>
-              </a:spcAft>
-              <a:buSzPts val="5200"/>
-            </a:pPr>
-            <a:r>
-              <a:rPr lang="en-IN" sz="2400" b="1" dirty="0" smtClean="0">
-                <a:solidFill>
-                  <a:schemeClr val="tx1"/>
-                </a:solidFill>
-                <a:latin typeface="Montserrat"/>
-                <a:ea typeface="Montserrat"/>
-                <a:cs typeface="Montserrat"/>
-                <a:sym typeface="Montserrat"/>
-              </a:rPr>
-              <a:t>Previous and Current cancellations</a:t>
-            </a:r>
-            <a:endParaRPr sz="2800" b="1" dirty="0">
-              <a:solidFill>
-                <a:schemeClr val="tx1"/>
-              </a:solidFill>
-              <a:latin typeface="Montserrat"/>
-              <a:ea typeface="Montserrat"/>
-              <a:cs typeface="Montserrat"/>
-              <a:sym typeface="Montserrat"/>
-            </a:endParaRPr>
-          </a:p>
-        </p:txBody>
-      </p:sp>
-      <p:sp>
-        <p:nvSpPr>
-          <p:cNvPr id="8" name="TextBox 7"/>
-          <p:cNvSpPr txBox="1"/>
-          <p:nvPr/>
-        </p:nvSpPr>
-        <p:spPr>
-          <a:xfrm>
-            <a:off x="541445" y="1439308"/>
-            <a:ext cx="3220233" cy="2677656"/>
-          </a:xfrm>
-          <a:prstGeom prst="rect">
-            <a:avLst/>
-          </a:prstGeom>
-          <a:noFill/>
-        </p:spPr>
-        <p:txBody>
-          <a:bodyPr wrap="square" rtlCol="0">
-            <a:spAutoFit/>
-          </a:bodyPr>
-          <a:lstStyle/>
-          <a:p>
-            <a:pPr>
-              <a:lnSpc>
-                <a:spcPct val="150000"/>
-              </a:lnSpc>
-            </a:pPr>
-            <a:r>
-              <a:rPr lang="en-US" sz="1600" dirty="0">
-                <a:solidFill>
-                  <a:schemeClr val="bg1"/>
-                </a:solidFill>
-              </a:rPr>
-              <a:t>Those who have cancelled previously once have high chance of cancellation compared to 0 previous cancellations. For higher values of previous cancellations, numbers are very less and can be ignored.</a:t>
-            </a:r>
-            <a:endParaRPr lang="en-IN" sz="1600" dirty="0">
-              <a:solidFill>
-                <a:schemeClr val="bg1"/>
-              </a:solidFill>
-            </a:endParaRPr>
-          </a:p>
-        </p:txBody>
-      </p:sp>
-      <p:pic>
-        <p:nvPicPr>
-          <p:cNvPr id="2" name="Picture 1"/>
-          <p:cNvPicPr>
-            <a:picLocks noChangeAspect="1"/>
-          </p:cNvPicPr>
-          <p:nvPr/>
-        </p:nvPicPr>
-        <p:blipFill>
-          <a:blip r:embed="rId3"/>
-          <a:stretch>
-            <a:fillRect/>
-          </a:stretch>
-        </p:blipFill>
-        <p:spPr>
-          <a:xfrm>
-            <a:off x="3847914" y="1297642"/>
-            <a:ext cx="5044230" cy="3170275"/>
-          </a:xfrm>
-          <a:prstGeom prst="rect">
-            <a:avLst/>
-          </a:prstGeom>
-        </p:spPr>
-      </p:pic>
-    </p:spTree>
-    <p:extLst>
-      <p:ext uri="{BB962C8B-B14F-4D97-AF65-F5344CB8AC3E}">
-        <p14:creationId xmlns:p14="http://schemas.microsoft.com/office/powerpoint/2010/main" val="3933440925"/>
-      </p:ext>
-    </p:extLst>
-  </p:cSld>
-  <p:clrMapOvr>
-    <a:masterClrMapping/>
-  </p:clrMapOvr>
-</p:sld>
-</file>
-
-<file path=ppt/slides/slide24.xml><?xml version="1.0" encoding="utf-8"?>
-<p:sld xmlns:a="http://schemas.openxmlformats.org/drawingml/2006/main" xmlns:r="http://schemas.openxmlformats.org/officeDocument/2006/relationships" xmlns:p="http://schemas.openxmlformats.org/presentationml/2006/main">
-  <p:cSld>
-    <p:spTree>
-      <p:nvGrpSpPr>
-        <p:cNvPr id="1" name="Shape 59"/>
-        <p:cNvGrpSpPr/>
-        <p:nvPr/>
-      </p:nvGrpSpPr>
-      <p:grpSpPr>
-        <a:xfrm>
-          <a:off x="0" y="0"/>
-          <a:ext cx="0" cy="0"/>
-          <a:chOff x="0" y="0"/>
-          <a:chExt cx="0" cy="0"/>
-        </a:xfrm>
-      </p:grpSpPr>
-      <p:sp>
-        <p:nvSpPr>
-          <p:cNvPr id="60" name="Google Shape;60;p14"/>
-          <p:cNvSpPr txBox="1">
-            <a:spLocks noGrp="1"/>
-          </p:cNvSpPr>
-          <p:nvPr>
-            <p:ph type="ctrTitle"/>
-          </p:nvPr>
-        </p:nvSpPr>
-        <p:spPr>
-          <a:xfrm>
-            <a:off x="315751" y="516813"/>
-            <a:ext cx="8512500" cy="602413"/>
-          </a:xfrm>
-          <a:prstGeom prst="rect">
-            <a:avLst/>
-          </a:prstGeom>
-          <a:noFill/>
-          <a:ln>
-            <a:noFill/>
-          </a:ln>
-        </p:spPr>
-        <p:txBody>
-          <a:bodyPr spcFirstLastPara="1" wrap="square" lIns="91425" tIns="91425" rIns="91425" bIns="91425" anchor="b" anchorCtr="0">
-            <a:noAutofit/>
-          </a:bodyPr>
-          <a:lstStyle/>
-          <a:p>
-            <a:pPr marL="0" lvl="0" indent="0" algn="l" rtl="0">
-              <a:lnSpc>
-                <a:spcPct val="100000"/>
-              </a:lnSpc>
-              <a:spcBef>
-                <a:spcPts val="0"/>
-              </a:spcBef>
-              <a:spcAft>
-                <a:spcPts val="0"/>
-              </a:spcAft>
-              <a:buSzPts val="5200"/>
-              <a:buNone/>
-            </a:pPr>
-            <a:endParaRPr sz="4800" b="1" dirty="0">
-              <a:solidFill>
-                <a:schemeClr val="tx1"/>
-              </a:solidFill>
-              <a:latin typeface="Montserrat"/>
-              <a:ea typeface="Montserrat"/>
-              <a:cs typeface="Montserrat"/>
-              <a:sym typeface="Montserrat"/>
-            </a:endParaRPr>
-          </a:p>
-          <a:p>
-            <a:pPr marL="0" lvl="0" indent="0" algn="l" rtl="0">
-              <a:lnSpc>
-                <a:spcPct val="100000"/>
-              </a:lnSpc>
-              <a:spcBef>
-                <a:spcPts val="0"/>
-              </a:spcBef>
-              <a:spcAft>
-                <a:spcPts val="0"/>
-              </a:spcAft>
-              <a:buSzPts val="5200"/>
-              <a:buNone/>
-            </a:pPr>
-            <a:endParaRPr sz="4800" b="1" dirty="0">
-              <a:solidFill>
-                <a:schemeClr val="tx1"/>
-              </a:solidFill>
-              <a:latin typeface="Montserrat"/>
-              <a:ea typeface="Montserrat"/>
-              <a:cs typeface="Montserrat"/>
-              <a:sym typeface="Montserrat"/>
-            </a:endParaRPr>
-          </a:p>
-          <a:p>
-            <a:pPr marL="0" lvl="0" indent="0" algn="l" rtl="0">
-              <a:spcBef>
-                <a:spcPts val="0"/>
-              </a:spcBef>
-              <a:spcAft>
-                <a:spcPts val="0"/>
-              </a:spcAft>
-              <a:buSzPts val="5200"/>
-              <a:buNone/>
-            </a:pPr>
-            <a:endParaRPr sz="2400" b="1" dirty="0">
-              <a:solidFill>
-                <a:schemeClr val="tx1"/>
-              </a:solidFill>
-              <a:latin typeface="Montserrat"/>
-              <a:ea typeface="Montserrat"/>
-              <a:cs typeface="Montserrat"/>
-              <a:sym typeface="Montserrat"/>
-            </a:endParaRPr>
-          </a:p>
-          <a:p>
-            <a:pPr lvl="0" algn="l" rtl="0">
-              <a:spcBef>
-                <a:spcPts val="0"/>
-              </a:spcBef>
-              <a:spcAft>
-                <a:spcPts val="0"/>
-              </a:spcAft>
-              <a:buSzPts val="5200"/>
-            </a:pPr>
-            <a:r>
-              <a:rPr lang="en-IN" sz="2400" b="1" dirty="0" smtClean="0">
-                <a:solidFill>
-                  <a:schemeClr val="tx1"/>
-                </a:solidFill>
-                <a:latin typeface="Montserrat"/>
-                <a:ea typeface="Montserrat"/>
-                <a:cs typeface="Montserrat"/>
-                <a:sym typeface="Montserrat"/>
-              </a:rPr>
-              <a:t>Repeated Guests</a:t>
-            </a:r>
-            <a:endParaRPr sz="2800" b="1" dirty="0">
-              <a:solidFill>
-                <a:schemeClr val="tx1"/>
-              </a:solidFill>
-              <a:latin typeface="Montserrat"/>
-              <a:ea typeface="Montserrat"/>
-              <a:cs typeface="Montserrat"/>
-              <a:sym typeface="Montserrat"/>
-            </a:endParaRPr>
-          </a:p>
-        </p:txBody>
-      </p:sp>
-      <p:sp>
-        <p:nvSpPr>
-          <p:cNvPr id="8" name="TextBox 7"/>
-          <p:cNvSpPr txBox="1"/>
-          <p:nvPr/>
-        </p:nvSpPr>
-        <p:spPr>
-          <a:xfrm>
-            <a:off x="526577" y="1985481"/>
-            <a:ext cx="3306469" cy="1569660"/>
-          </a:xfrm>
-          <a:prstGeom prst="rect">
-            <a:avLst/>
-          </a:prstGeom>
-          <a:noFill/>
-        </p:spPr>
-        <p:txBody>
-          <a:bodyPr wrap="square" rtlCol="0">
-            <a:spAutoFit/>
-          </a:bodyPr>
-          <a:lstStyle/>
-          <a:p>
-            <a:pPr>
-              <a:lnSpc>
-                <a:spcPct val="150000"/>
-              </a:lnSpc>
-            </a:pPr>
-            <a:r>
-              <a:rPr lang="en-IN" sz="1600" dirty="0" smtClean="0">
-                <a:solidFill>
-                  <a:schemeClr val="bg1"/>
-                </a:solidFill>
-              </a:rPr>
-              <a:t>Around 4% of total bookings are made by repeated guests. So majority bookings are from new customers.</a:t>
-            </a:r>
-            <a:endParaRPr lang="en-IN" sz="1600" dirty="0">
-              <a:solidFill>
-                <a:schemeClr val="bg1"/>
-              </a:solidFill>
-            </a:endParaRPr>
-          </a:p>
-        </p:txBody>
-      </p:sp>
-      <p:pic>
-        <p:nvPicPr>
-          <p:cNvPr id="2" name="Picture 1"/>
-          <p:cNvPicPr>
-            <a:picLocks noChangeAspect="1"/>
-          </p:cNvPicPr>
-          <p:nvPr/>
-        </p:nvPicPr>
-        <p:blipFill>
-          <a:blip r:embed="rId3"/>
-          <a:stretch>
-            <a:fillRect/>
-          </a:stretch>
-        </p:blipFill>
-        <p:spPr>
-          <a:xfrm>
-            <a:off x="4256016" y="1119226"/>
-            <a:ext cx="4572235" cy="3302170"/>
-          </a:xfrm>
-          <a:prstGeom prst="rect">
-            <a:avLst/>
-          </a:prstGeom>
-        </p:spPr>
-      </p:pic>
-    </p:spTree>
-    <p:extLst>
-      <p:ext uri="{BB962C8B-B14F-4D97-AF65-F5344CB8AC3E}">
-        <p14:creationId xmlns:p14="http://schemas.microsoft.com/office/powerpoint/2010/main" val="1932755942"/>
-      </p:ext>
-    </p:extLst>
-  </p:cSld>
-  <p:clrMapOvr>
-    <a:masterClrMapping/>
-  </p:clrMapOvr>
-</p:sld>
-</file>
-
-<file path=ppt/slides/slide25.xml><?xml version="1.0" encoding="utf-8"?>
-<p:sld xmlns:a="http://schemas.openxmlformats.org/drawingml/2006/main" xmlns:r="http://schemas.openxmlformats.org/officeDocument/2006/relationships" xmlns:p="http://schemas.openxmlformats.org/presentationml/2006/main">
-  <p:cSld>
-    <p:spTree>
-      <p:nvGrpSpPr>
-        <p:cNvPr id="1" name="Shape 59"/>
-        <p:cNvGrpSpPr/>
-        <p:nvPr/>
-      </p:nvGrpSpPr>
-      <p:grpSpPr>
-        <a:xfrm>
-          <a:off x="0" y="0"/>
-          <a:ext cx="0" cy="0"/>
-          <a:chOff x="0" y="0"/>
-          <a:chExt cx="0" cy="0"/>
-        </a:xfrm>
-      </p:grpSpPr>
-      <p:sp>
-        <p:nvSpPr>
-          <p:cNvPr id="60" name="Google Shape;60;p14"/>
-          <p:cNvSpPr txBox="1">
-            <a:spLocks noGrp="1"/>
-          </p:cNvSpPr>
-          <p:nvPr>
-            <p:ph type="ctrTitle"/>
-          </p:nvPr>
-        </p:nvSpPr>
-        <p:spPr>
-          <a:xfrm>
-            <a:off x="315751" y="516813"/>
-            <a:ext cx="8512500" cy="602413"/>
-          </a:xfrm>
-          <a:prstGeom prst="rect">
-            <a:avLst/>
-          </a:prstGeom>
-          <a:noFill/>
-          <a:ln>
-            <a:noFill/>
-          </a:ln>
-        </p:spPr>
-        <p:txBody>
-          <a:bodyPr spcFirstLastPara="1" wrap="square" lIns="91425" tIns="91425" rIns="91425" bIns="91425" anchor="b" anchorCtr="0">
-            <a:noAutofit/>
-          </a:bodyPr>
-          <a:lstStyle/>
-          <a:p>
-            <a:pPr marL="0" lvl="0" indent="0" algn="l" rtl="0">
-              <a:lnSpc>
-                <a:spcPct val="100000"/>
-              </a:lnSpc>
-              <a:spcBef>
-                <a:spcPts val="0"/>
-              </a:spcBef>
-              <a:spcAft>
-                <a:spcPts val="0"/>
-              </a:spcAft>
-              <a:buSzPts val="5200"/>
-              <a:buNone/>
-            </a:pPr>
-            <a:endParaRPr sz="4800" b="1" dirty="0">
-              <a:solidFill>
-                <a:schemeClr val="tx1"/>
-              </a:solidFill>
-              <a:latin typeface="Montserrat"/>
-              <a:ea typeface="Montserrat"/>
-              <a:cs typeface="Montserrat"/>
-              <a:sym typeface="Montserrat"/>
-            </a:endParaRPr>
-          </a:p>
-          <a:p>
-            <a:pPr marL="0" lvl="0" indent="0" algn="l" rtl="0">
-              <a:lnSpc>
-                <a:spcPct val="100000"/>
-              </a:lnSpc>
-              <a:spcBef>
-                <a:spcPts val="0"/>
-              </a:spcBef>
-              <a:spcAft>
-                <a:spcPts val="0"/>
-              </a:spcAft>
-              <a:buSzPts val="5200"/>
-              <a:buNone/>
-            </a:pPr>
-            <a:endParaRPr sz="4800" b="1" dirty="0">
-              <a:solidFill>
-                <a:schemeClr val="tx1"/>
-              </a:solidFill>
-              <a:latin typeface="Montserrat"/>
-              <a:ea typeface="Montserrat"/>
-              <a:cs typeface="Montserrat"/>
-              <a:sym typeface="Montserrat"/>
-            </a:endParaRPr>
-          </a:p>
-          <a:p>
-            <a:pPr marL="0" lvl="0" indent="0" algn="l" rtl="0">
-              <a:spcBef>
-                <a:spcPts val="0"/>
-              </a:spcBef>
-              <a:spcAft>
-                <a:spcPts val="0"/>
-              </a:spcAft>
-              <a:buSzPts val="5200"/>
-              <a:buNone/>
-            </a:pPr>
-            <a:endParaRPr sz="2400" b="1" dirty="0">
-              <a:solidFill>
-                <a:schemeClr val="tx1"/>
-              </a:solidFill>
-              <a:latin typeface="Montserrat"/>
-              <a:ea typeface="Montserrat"/>
-              <a:cs typeface="Montserrat"/>
-              <a:sym typeface="Montserrat"/>
-            </a:endParaRPr>
-          </a:p>
-          <a:p>
-            <a:pPr lvl="0" algn="l" rtl="0">
-              <a:spcBef>
-                <a:spcPts val="0"/>
-              </a:spcBef>
-              <a:spcAft>
-                <a:spcPts val="0"/>
-              </a:spcAft>
-              <a:buSzPts val="5200"/>
-            </a:pPr>
-            <a:r>
-              <a:rPr lang="en-IN" sz="2400" b="1" dirty="0" smtClean="0">
-                <a:solidFill>
-                  <a:schemeClr val="tx1"/>
-                </a:solidFill>
-                <a:latin typeface="Montserrat"/>
-                <a:ea typeface="Montserrat"/>
-                <a:cs typeface="Montserrat"/>
-                <a:sym typeface="Montserrat"/>
-              </a:rPr>
-              <a:t>Repeated Guests by Distribution Channel</a:t>
-            </a:r>
-            <a:endParaRPr sz="2800" b="1" dirty="0">
-              <a:solidFill>
-                <a:schemeClr val="tx1"/>
-              </a:solidFill>
-              <a:latin typeface="Montserrat"/>
-              <a:ea typeface="Montserrat"/>
-              <a:cs typeface="Montserrat"/>
-              <a:sym typeface="Montserrat"/>
-            </a:endParaRPr>
-          </a:p>
-        </p:txBody>
-      </p:sp>
-      <p:sp>
-        <p:nvSpPr>
-          <p:cNvPr id="8" name="TextBox 7"/>
-          <p:cNvSpPr txBox="1"/>
-          <p:nvPr/>
-        </p:nvSpPr>
-        <p:spPr>
-          <a:xfrm>
-            <a:off x="526577" y="2390701"/>
-            <a:ext cx="3306469" cy="1200329"/>
-          </a:xfrm>
-          <a:prstGeom prst="rect">
-            <a:avLst/>
-          </a:prstGeom>
-          <a:noFill/>
-        </p:spPr>
-        <p:txBody>
-          <a:bodyPr wrap="square" rtlCol="0">
-            <a:spAutoFit/>
-          </a:bodyPr>
-          <a:lstStyle/>
-          <a:p>
-            <a:pPr>
-              <a:lnSpc>
-                <a:spcPct val="150000"/>
-              </a:lnSpc>
-            </a:pPr>
-            <a:r>
-              <a:rPr lang="en-IN" sz="1600" dirty="0" smtClean="0">
-                <a:solidFill>
-                  <a:schemeClr val="bg1"/>
-                </a:solidFill>
-              </a:rPr>
-              <a:t>Corporate has most number of repeated guests followed by Direct, GDS etc.</a:t>
-            </a:r>
-            <a:endParaRPr lang="en-IN" sz="1600" dirty="0">
-              <a:solidFill>
-                <a:schemeClr val="bg1"/>
-              </a:solidFill>
-            </a:endParaRPr>
-          </a:p>
-        </p:txBody>
-      </p:sp>
-      <p:pic>
-        <p:nvPicPr>
-          <p:cNvPr id="3" name="Picture 2"/>
-          <p:cNvPicPr>
-            <a:picLocks noChangeAspect="1"/>
-          </p:cNvPicPr>
-          <p:nvPr/>
-        </p:nvPicPr>
-        <p:blipFill>
-          <a:blip r:embed="rId3"/>
-          <a:stretch>
-            <a:fillRect/>
-          </a:stretch>
-        </p:blipFill>
-        <p:spPr>
-          <a:xfrm>
-            <a:off x="4311981" y="1141528"/>
-            <a:ext cx="4516270" cy="3743280"/>
-          </a:xfrm>
-          <a:prstGeom prst="rect">
-            <a:avLst/>
-          </a:prstGeom>
-        </p:spPr>
-      </p:pic>
-    </p:spTree>
-    <p:extLst>
-      <p:ext uri="{BB962C8B-B14F-4D97-AF65-F5344CB8AC3E}">
-        <p14:creationId xmlns:p14="http://schemas.microsoft.com/office/powerpoint/2010/main" val="1638727841"/>
-      </p:ext>
-    </p:extLst>
-  </p:cSld>
-  <p:clrMapOvr>
-    <a:masterClrMapping/>
-  </p:clrMapOvr>
-</p:sld>
-</file>
-
 <file path=ppt/slides/slide26.xml><?xml version="1.0" encoding="utf-8"?>
 <p:sld xmlns:a="http://schemas.openxmlformats.org/drawingml/2006/main" xmlns:r="http://schemas.openxmlformats.org/officeDocument/2006/relationships" xmlns:p="http://schemas.openxmlformats.org/presentationml/2006/main">
   <p:cSld>
@@ -17093,7 +17541,7 @@
                 <a:cs typeface="Montserrat"/>
                 <a:sym typeface="Montserrat"/>
               </a:rPr>
-              <a:t>Conclusions</a:t>
+              <a:t>Previous and Current cancellations</a:t>
             </a:r>
             <a:endParaRPr sz="2800" b="1" dirty="0">
               <a:solidFill>
@@ -17115,8 +17563,8 @@
         </p:nvSpPr>
         <p:spPr>
           <a:xfrm>
-            <a:off x="467104" y="1007714"/>
-            <a:ext cx="8361147" cy="3993401"/>
+            <a:off x="541445" y="1439308"/>
+            <a:ext cx="3220233" cy="2677656"/>
           </a:xfrm>
           <a:prstGeom prst="rect">
             <a:avLst/>
@@ -17129,288 +17577,20 @@
           </a:bodyPr>
           <a:lstStyle/>
           <a:p>
-            <a:pPr marL="285750" indent="-285750">
+            <a:pPr>
               <a:lnSpc>
                 <a:spcPct val="150000"/>
               </a:lnSpc>
-              <a:buFont typeface="Arial" panose="020B0604020202020204" pitchFamily="34" charset="0"/>
-              <a:buChar char="•"/>
-            </a:pPr>
-            <a:r>
-              <a:rPr lang="en-US" sz="1300" dirty="0">
+            </a:pPr>
+            <a:r>
+              <a:rPr lang="en-US" sz="1600" dirty="0">
                 <a:solidFill>
                   <a:schemeClr val="bg1"/>
                 </a:solidFill>
               </a:rPr>
-              <a:t>City Hotels have more bookings (61%) compared to Resort Hotels (39</a:t>
-            </a:r>
-            <a:r>
-              <a:rPr lang="en-US" sz="1300" dirty="0" smtClean="0">
-                <a:solidFill>
-                  <a:schemeClr val="bg1"/>
-                </a:solidFill>
-              </a:rPr>
-              <a:t>%).</a:t>
-            </a:r>
-          </a:p>
-          <a:p>
-            <a:pPr marL="285750" indent="-285750">
-              <a:lnSpc>
-                <a:spcPct val="150000"/>
-              </a:lnSpc>
-              <a:buFont typeface="Arial" panose="020B0604020202020204" pitchFamily="34" charset="0"/>
-              <a:buChar char="•"/>
-            </a:pPr>
-            <a:r>
-              <a:rPr lang="en-US" sz="1300" dirty="0" smtClean="0">
-                <a:solidFill>
-                  <a:schemeClr val="bg1"/>
-                </a:solidFill>
-              </a:rPr>
-              <a:t>Non-refundable </a:t>
-            </a:r>
-            <a:r>
-              <a:rPr lang="en-US" sz="1300" dirty="0">
-                <a:solidFill>
-                  <a:schemeClr val="bg1"/>
-                </a:solidFill>
-              </a:rPr>
-              <a:t>deposits decreases significantly the chances of cancellation</a:t>
-            </a:r>
-            <a:r>
-              <a:rPr lang="en-US" sz="1300" dirty="0" smtClean="0">
-                <a:solidFill>
-                  <a:schemeClr val="bg1"/>
-                </a:solidFill>
-              </a:rPr>
-              <a:t>.</a:t>
-            </a:r>
-          </a:p>
-          <a:p>
-            <a:pPr marL="285750" indent="-285750">
-              <a:lnSpc>
-                <a:spcPct val="150000"/>
-              </a:lnSpc>
-              <a:buFont typeface="Arial" panose="020B0604020202020204" pitchFamily="34" charset="0"/>
-              <a:buChar char="•"/>
-            </a:pPr>
-            <a:r>
-              <a:rPr lang="en-US" sz="1300" dirty="0">
-                <a:solidFill>
-                  <a:schemeClr val="bg1"/>
-                </a:solidFill>
-              </a:rPr>
-              <a:t>Longer lead time increases the chances of cancellations</a:t>
-            </a:r>
-            <a:r>
-              <a:rPr lang="en-US" sz="1300" dirty="0" smtClean="0">
-                <a:solidFill>
-                  <a:schemeClr val="bg1"/>
-                </a:solidFill>
-              </a:rPr>
-              <a:t>.</a:t>
-            </a:r>
-          </a:p>
-          <a:p>
-            <a:pPr marL="285750" indent="-285750">
-              <a:lnSpc>
-                <a:spcPct val="150000"/>
-              </a:lnSpc>
-              <a:buFont typeface="Arial" panose="020B0604020202020204" pitchFamily="34" charset="0"/>
-              <a:buChar char="•"/>
-            </a:pPr>
-            <a:r>
-              <a:rPr lang="en-US" sz="1300" dirty="0">
-                <a:solidFill>
-                  <a:schemeClr val="bg1"/>
-                </a:solidFill>
-              </a:rPr>
-              <a:t>Summer months (April to August) have more bookings compared to winter months</a:t>
-            </a:r>
-            <a:r>
-              <a:rPr lang="en-US" sz="1300" dirty="0" smtClean="0">
-                <a:solidFill>
-                  <a:schemeClr val="bg1"/>
-                </a:solidFill>
-              </a:rPr>
-              <a:t>.</a:t>
-            </a:r>
-          </a:p>
-          <a:p>
-            <a:pPr marL="285750" indent="-285750">
-              <a:lnSpc>
-                <a:spcPct val="150000"/>
-              </a:lnSpc>
-              <a:buFont typeface="Arial" panose="020B0604020202020204" pitchFamily="34" charset="0"/>
-              <a:buChar char="•"/>
-            </a:pPr>
-            <a:r>
-              <a:rPr lang="en-US" sz="1300" dirty="0" smtClean="0">
-                <a:solidFill>
-                  <a:schemeClr val="bg1"/>
-                </a:solidFill>
-              </a:rPr>
-              <a:t>Portugal </a:t>
-            </a:r>
-            <a:r>
-              <a:rPr lang="en-US" sz="1300" dirty="0">
-                <a:solidFill>
-                  <a:schemeClr val="bg1"/>
-                </a:solidFill>
-              </a:rPr>
-              <a:t>has the highest number of customers followed by Britain, France etc</a:t>
-            </a:r>
-            <a:r>
-              <a:rPr lang="en-US" sz="1300" dirty="0" smtClean="0">
-                <a:solidFill>
-                  <a:schemeClr val="bg1"/>
-                </a:solidFill>
-              </a:rPr>
-              <a:t>.</a:t>
-            </a:r>
-          </a:p>
-          <a:p>
-            <a:pPr marL="285750" indent="-285750">
-              <a:lnSpc>
-                <a:spcPct val="150000"/>
-              </a:lnSpc>
-              <a:buFont typeface="Arial" panose="020B0604020202020204" pitchFamily="34" charset="0"/>
-              <a:buChar char="•"/>
-            </a:pPr>
-            <a:r>
-              <a:rPr lang="en-US" sz="1300" dirty="0">
-                <a:solidFill>
-                  <a:schemeClr val="bg1"/>
-                </a:solidFill>
-              </a:rPr>
-              <a:t>More bookings comes through TA/TO (Online/Offline) compared to Direct, Corporates etc</a:t>
-            </a:r>
-            <a:r>
-              <a:rPr lang="en-US" sz="1300" dirty="0" smtClean="0">
-                <a:solidFill>
-                  <a:schemeClr val="bg1"/>
-                </a:solidFill>
-              </a:rPr>
-              <a:t>.</a:t>
-            </a:r>
-          </a:p>
-          <a:p>
-            <a:pPr marL="285750" indent="-285750">
-              <a:lnSpc>
-                <a:spcPct val="150000"/>
-              </a:lnSpc>
-              <a:buFont typeface="Arial" panose="020B0604020202020204" pitchFamily="34" charset="0"/>
-              <a:buChar char="•"/>
-            </a:pPr>
-            <a:r>
-              <a:rPr lang="en-US" sz="1300" dirty="0">
-                <a:solidFill>
-                  <a:schemeClr val="bg1"/>
-                </a:solidFill>
-              </a:rPr>
-              <a:t>Most customers don't need parking space around 91</a:t>
-            </a:r>
-            <a:r>
-              <a:rPr lang="en-US" sz="1300" dirty="0" smtClean="0">
-                <a:solidFill>
-                  <a:schemeClr val="bg1"/>
-                </a:solidFill>
-              </a:rPr>
-              <a:t>%.</a:t>
-            </a:r>
-          </a:p>
-          <a:p>
-            <a:pPr marL="285750" indent="-285750">
-              <a:lnSpc>
-                <a:spcPct val="150000"/>
-              </a:lnSpc>
-              <a:buFont typeface="Arial" panose="020B0604020202020204" pitchFamily="34" charset="0"/>
-              <a:buChar char="•"/>
-            </a:pPr>
-            <a:r>
-              <a:rPr lang="en-US" sz="1300" dirty="0">
-                <a:solidFill>
-                  <a:schemeClr val="bg1"/>
-                </a:solidFill>
-              </a:rPr>
-              <a:t>Room Type A is the most preferred room type among customers</a:t>
-            </a:r>
-            <a:r>
-              <a:rPr lang="en-US" sz="1300" dirty="0" smtClean="0">
-                <a:solidFill>
-                  <a:schemeClr val="bg1"/>
-                </a:solidFill>
-              </a:rPr>
-              <a:t>.</a:t>
-            </a:r>
-          </a:p>
-          <a:p>
-            <a:pPr marL="285750" indent="-285750">
-              <a:lnSpc>
-                <a:spcPct val="150000"/>
-              </a:lnSpc>
-              <a:buFont typeface="Arial" panose="020B0604020202020204" pitchFamily="34" charset="0"/>
-              <a:buChar char="•"/>
-            </a:pPr>
-            <a:r>
-              <a:rPr lang="en-US" sz="1300" dirty="0">
-                <a:solidFill>
-                  <a:schemeClr val="bg1"/>
-                </a:solidFill>
-              </a:rPr>
-              <a:t>Agent no. 9 has made most no. of bookings followed by 240, 14 etc</a:t>
-            </a:r>
-            <a:r>
-              <a:rPr lang="en-US" sz="1300" dirty="0" smtClean="0">
-                <a:solidFill>
-                  <a:schemeClr val="bg1"/>
-                </a:solidFill>
-              </a:rPr>
-              <a:t>.</a:t>
-            </a:r>
-          </a:p>
-          <a:p>
-            <a:pPr marL="285750" indent="-285750">
-              <a:lnSpc>
-                <a:spcPct val="150000"/>
-              </a:lnSpc>
-              <a:buFont typeface="Arial" panose="020B0604020202020204" pitchFamily="34" charset="0"/>
-              <a:buChar char="•"/>
-            </a:pPr>
-            <a:r>
-              <a:rPr lang="en-US" sz="1300" dirty="0">
-                <a:solidFill>
-                  <a:schemeClr val="bg1"/>
-                </a:solidFill>
-              </a:rPr>
-              <a:t>Almost 90% of total guests books meal in their bookings, among which majority books meal of type BB (78%) followed by SC (11%), HB (10%) etc</a:t>
-            </a:r>
-            <a:r>
-              <a:rPr lang="en-US" sz="1300" dirty="0" smtClean="0">
-                <a:solidFill>
-                  <a:schemeClr val="bg1"/>
-                </a:solidFill>
-              </a:rPr>
-              <a:t>.</a:t>
-            </a:r>
-          </a:p>
-          <a:p>
-            <a:pPr marL="285750" indent="-285750">
-              <a:lnSpc>
-                <a:spcPct val="150000"/>
-              </a:lnSpc>
-              <a:buFont typeface="Arial" panose="020B0604020202020204" pitchFamily="34" charset="0"/>
-              <a:buChar char="•"/>
-            </a:pPr>
-            <a:r>
-              <a:rPr lang="en-US" sz="1300" dirty="0">
-                <a:solidFill>
-                  <a:schemeClr val="bg1"/>
-                </a:solidFill>
-              </a:rPr>
-              <a:t>Corporate has the most percentage of repeated guests while TA/TO has the least whereas in the case of cancelled bookings TA/TO has the most percentage while Corporate has the least.</a:t>
-            </a:r>
-            <a:endParaRPr lang="en-IN" sz="1300" dirty="0">
+              <a:t>Those who have cancelled previously once have high chance of cancellation compared to 0 previous cancellations. For higher values of previous cancellations, numbers are very less and can be ignored.</a:t>
+            </a:r>
+            <a:endParaRPr lang="en-IN" sz="1600" dirty="0">
               <a:solidFill>
                 <a:schemeClr val="bg1"/>
               </a:solidFill>
@@ -17418,10 +17598,34 @@
           </a:p>
         </p:txBody>
       </p:sp>
+      <p:pic>
+        <p:nvPicPr>
+          <p:cNvPr id="2" name="Picture 1"/>
+          <p:cNvPicPr>
+            <a:picLocks noChangeAspect="1"/>
+          </p:cNvPicPr>
+          <p:nvPr/>
+        </p:nvPicPr>
+        <p:blipFill>
+          <a:blip r:embed="rId3"/>
+          <a:stretch>
+            <a:fillRect/>
+          </a:stretch>
+        </p:blipFill>
+        <p:spPr>
+          <a:xfrm>
+            <a:off x="3847914" y="1297642"/>
+            <a:ext cx="5044230" cy="3170275"/>
+          </a:xfrm>
+          <a:prstGeom prst="rect">
+            <a:avLst/>
+          </a:prstGeom>
+        </p:spPr>
+      </p:pic>
     </p:spTree>
     <p:extLst>
       <p:ext uri="{BB962C8B-B14F-4D97-AF65-F5344CB8AC3E}">
-        <p14:creationId xmlns:p14="http://schemas.microsoft.com/office/powerpoint/2010/main" val="1499227370"/>
+        <p14:creationId xmlns:p14="http://schemas.microsoft.com/office/powerpoint/2010/main" val="3933440925"/>
       </p:ext>
     </p:extLst>
   </p:cSld>
@@ -17460,8 +17664,8 @@
         </p:nvSpPr>
         <p:spPr>
           <a:xfrm>
-            <a:off x="315750" y="509500"/>
-            <a:ext cx="8512500" cy="3784800"/>
+            <a:off x="315751" y="516813"/>
+            <a:ext cx="8512500" cy="602413"/>
           </a:xfrm>
           <a:prstGeom prst="rect">
             <a:avLst/>
@@ -17490,9 +17694,9 @@
               <a:buSzPts val="5200"/>
               <a:buNone/>
             </a:pPr>
-            <a:endParaRPr sz="3600" b="1">
+            <a:endParaRPr sz="4800" b="1" dirty="0">
               <a:solidFill>
-                <a:schemeClr val="lt1"/>
+                <a:schemeClr val="tx1"/>
               </a:solidFill>
               <a:latin typeface="Montserrat"/>
               <a:ea typeface="Montserrat"/>
@@ -17501,7 +17705,7 @@
             </a:endParaRPr>
           </a:p>
           <a:p>
-            <a:pPr marL="0" lvl="0" indent="0" algn="ctr" rtl="0">
+            <a:pPr marL="0" lvl="0" indent="0" algn="l" rtl="0">
               <a:lnSpc>
                 <a:spcPct val="100000"/>
               </a:lnSpc>
@@ -17514,9 +17718,9 @@
               <a:buSzPts val="5200"/>
               <a:buNone/>
             </a:pPr>
-            <a:endParaRPr sz="3600" b="1">
+            <a:endParaRPr sz="4800" b="1" dirty="0">
               <a:solidFill>
-                <a:schemeClr val="lt1"/>
+                <a:schemeClr val="tx1"/>
               </a:solidFill>
               <a:latin typeface="Montserrat"/>
               <a:ea typeface="Montserrat"/>
@@ -17525,7 +17729,7 @@
             </a:endParaRPr>
           </a:p>
           <a:p>
-            <a:pPr marL="0" lvl="0" indent="0" algn="ctr" rtl="0">
+            <a:pPr marL="0" lvl="0" indent="0" algn="l" rtl="0">
               <a:spcBef>
                 <a:spcPts val="0"/>
               </a:spcBef>
@@ -17535,9 +17739,9 @@
               <a:buSzPts val="5200"/>
               <a:buNone/>
             </a:pPr>
-            <a:endParaRPr sz="1600" b="1">
+            <a:endParaRPr sz="2400" b="1" dirty="0">
               <a:solidFill>
-                <a:schemeClr val="lt1"/>
+                <a:schemeClr val="tx1"/>
               </a:solidFill>
               <a:latin typeface="Montserrat"/>
               <a:ea typeface="Montserrat"/>
@@ -17546,7 +17750,7 @@
             </a:endParaRPr>
           </a:p>
           <a:p>
-            <a:pPr marL="0" lvl="0" indent="0" algn="ctr" rtl="0">
+            <a:pPr lvl="0" algn="l" rtl="0">
               <a:spcBef>
                 <a:spcPts val="0"/>
               </a:spcBef>
@@ -17554,11 +17758,22 @@
                 <a:spcPts val="0"/>
               </a:spcAft>
               <a:buSzPts val="5200"/>
-              <a:buNone/>
-            </a:pPr>
-            <a:endParaRPr sz="1600" b="1">
+            </a:pPr>
+            <a:r>
+              <a:rPr lang="en-IN" sz="2400" b="1" dirty="0" smtClean="0">
+                <a:solidFill>
+                  <a:schemeClr val="tx1"/>
+                </a:solidFill>
+                <a:latin typeface="Montserrat"/>
+                <a:ea typeface="Montserrat"/>
+                <a:cs typeface="Montserrat"/>
+                <a:sym typeface="Montserrat"/>
+              </a:rPr>
+              <a:t>Repeated Guests</a:t>
+            </a:r>
+            <a:endParaRPr sz="2800" b="1" dirty="0">
               <a:solidFill>
-                <a:schemeClr val="lt1"/>
+                <a:schemeClr val="tx1"/>
               </a:solidFill>
               <a:latin typeface="Montserrat"/>
               <a:ea typeface="Montserrat"/>
@@ -17570,14 +17785,14 @@
       </p:sp>
       <p:sp>
         <p:nvSpPr>
-          <p:cNvPr id="2" name="TextBox 1"/>
+          <p:cNvPr id="8" name="TextBox 7"/>
           <p:cNvSpPr txBox="1"/>
           <p:nvPr/>
         </p:nvSpPr>
         <p:spPr>
           <a:xfrm>
-            <a:off x="3123590" y="2078734"/>
-            <a:ext cx="2896820" cy="646331"/>
+            <a:off x="526577" y="1985481"/>
+            <a:ext cx="3306469" cy="1569660"/>
           </a:xfrm>
           <a:prstGeom prst="rect">
             <a:avLst/>
@@ -17590,20 +17805,418 @@
           </a:bodyPr>
           <a:lstStyle/>
           <a:p>
-            <a:r>
-              <a:rPr lang="en-IN" sz="3600" b="1" dirty="0" smtClean="0">
-                <a:solidFill>
-                  <a:srgbClr val="134F5C"/>
+            <a:pPr>
+              <a:lnSpc>
+                <a:spcPct val="150000"/>
+              </a:lnSpc>
+            </a:pPr>
+            <a:r>
+              <a:rPr lang="en-IN" sz="1600" dirty="0" smtClean="0">
+                <a:solidFill>
+                  <a:schemeClr val="bg1"/>
+                </a:solidFill>
+              </a:rPr>
+              <a:t>Around 4% of total bookings are made by repeated guests. So majority bookings are from new customers.</a:t>
+            </a:r>
+            <a:endParaRPr lang="en-IN" sz="1600" dirty="0">
+              <a:solidFill>
+                <a:schemeClr val="bg1"/>
+              </a:solidFill>
+            </a:endParaRPr>
+          </a:p>
+        </p:txBody>
+      </p:sp>
+      <p:pic>
+        <p:nvPicPr>
+          <p:cNvPr id="2" name="Picture 1"/>
+          <p:cNvPicPr>
+            <a:picLocks noChangeAspect="1"/>
+          </p:cNvPicPr>
+          <p:nvPr/>
+        </p:nvPicPr>
+        <p:blipFill>
+          <a:blip r:embed="rId3"/>
+          <a:stretch>
+            <a:fillRect/>
+          </a:stretch>
+        </p:blipFill>
+        <p:spPr>
+          <a:xfrm>
+            <a:off x="4256016" y="1119226"/>
+            <a:ext cx="4572235" cy="3302170"/>
+          </a:xfrm>
+          <a:prstGeom prst="rect">
+            <a:avLst/>
+          </a:prstGeom>
+        </p:spPr>
+      </p:pic>
+    </p:spTree>
+    <p:extLst>
+      <p:ext uri="{BB962C8B-B14F-4D97-AF65-F5344CB8AC3E}">
+        <p14:creationId xmlns:p14="http://schemas.microsoft.com/office/powerpoint/2010/main" val="1932755942"/>
+      </p:ext>
+    </p:extLst>
+  </p:cSld>
+  <p:clrMapOvr>
+    <a:masterClrMapping/>
+  </p:clrMapOvr>
+</p:sld>
+</file>
+
+<file path=ppt/slides/slide28.xml><?xml version="1.0" encoding="utf-8"?>
+<p:sld xmlns:a="http://schemas.openxmlformats.org/drawingml/2006/main" xmlns:r="http://schemas.openxmlformats.org/officeDocument/2006/relationships" xmlns:p="http://schemas.openxmlformats.org/presentationml/2006/main">
+  <p:cSld>
+    <p:spTree>
+      <p:nvGrpSpPr>
+        <p:cNvPr id="1" name="Shape 59"/>
+        <p:cNvGrpSpPr/>
+        <p:nvPr/>
+      </p:nvGrpSpPr>
+      <p:grpSpPr>
+        <a:xfrm>
+          <a:off x="0" y="0"/>
+          <a:ext cx="0" cy="0"/>
+          <a:chOff x="0" y="0"/>
+          <a:chExt cx="0" cy="0"/>
+        </a:xfrm>
+      </p:grpSpPr>
+      <p:sp>
+        <p:nvSpPr>
+          <p:cNvPr id="60" name="Google Shape;60;p14"/>
+          <p:cNvSpPr txBox="1">
+            <a:spLocks noGrp="1"/>
+          </p:cNvSpPr>
+          <p:nvPr>
+            <p:ph type="ctrTitle"/>
+          </p:nvPr>
+        </p:nvSpPr>
+        <p:spPr>
+          <a:xfrm>
+            <a:off x="315751" y="516813"/>
+            <a:ext cx="8512500" cy="602413"/>
+          </a:xfrm>
+          <a:prstGeom prst="rect">
+            <a:avLst/>
+          </a:prstGeom>
+          <a:noFill/>
+          <a:ln>
+            <a:noFill/>
+          </a:ln>
+        </p:spPr>
+        <p:txBody>
+          <a:bodyPr spcFirstLastPara="1" wrap="square" lIns="91425" tIns="91425" rIns="91425" bIns="91425" anchor="b" anchorCtr="0">
+            <a:noAutofit/>
+          </a:bodyPr>
+          <a:lstStyle/>
+          <a:p>
+            <a:pPr marL="0" lvl="0" indent="0" algn="l" rtl="0">
+              <a:lnSpc>
+                <a:spcPct val="100000"/>
+              </a:lnSpc>
+              <a:spcBef>
+                <a:spcPts val="0"/>
+              </a:spcBef>
+              <a:spcAft>
+                <a:spcPts val="0"/>
+              </a:spcAft>
+              <a:buSzPts val="5200"/>
+              <a:buNone/>
+            </a:pPr>
+            <a:endParaRPr sz="4800" b="1" dirty="0">
+              <a:solidFill>
+                <a:schemeClr val="tx1"/>
+              </a:solidFill>
+              <a:latin typeface="Montserrat"/>
+              <a:ea typeface="Montserrat"/>
+              <a:cs typeface="Montserrat"/>
+              <a:sym typeface="Montserrat"/>
+            </a:endParaRPr>
+          </a:p>
+          <a:p>
+            <a:pPr marL="0" lvl="0" indent="0" algn="l" rtl="0">
+              <a:lnSpc>
+                <a:spcPct val="100000"/>
+              </a:lnSpc>
+              <a:spcBef>
+                <a:spcPts val="0"/>
+              </a:spcBef>
+              <a:spcAft>
+                <a:spcPts val="0"/>
+              </a:spcAft>
+              <a:buSzPts val="5200"/>
+              <a:buNone/>
+            </a:pPr>
+            <a:endParaRPr sz="4800" b="1" dirty="0">
+              <a:solidFill>
+                <a:schemeClr val="tx1"/>
+              </a:solidFill>
+              <a:latin typeface="Montserrat"/>
+              <a:ea typeface="Montserrat"/>
+              <a:cs typeface="Montserrat"/>
+              <a:sym typeface="Montserrat"/>
+            </a:endParaRPr>
+          </a:p>
+          <a:p>
+            <a:pPr marL="0" lvl="0" indent="0" algn="l" rtl="0">
+              <a:spcBef>
+                <a:spcPts val="0"/>
+              </a:spcBef>
+              <a:spcAft>
+                <a:spcPts val="0"/>
+              </a:spcAft>
+              <a:buSzPts val="5200"/>
+              <a:buNone/>
+            </a:pPr>
+            <a:endParaRPr sz="2400" b="1" dirty="0">
+              <a:solidFill>
+                <a:schemeClr val="tx1"/>
+              </a:solidFill>
+              <a:latin typeface="Montserrat"/>
+              <a:ea typeface="Montserrat"/>
+              <a:cs typeface="Montserrat"/>
+              <a:sym typeface="Montserrat"/>
+            </a:endParaRPr>
+          </a:p>
+          <a:p>
+            <a:pPr lvl="0" algn="l" rtl="0">
+              <a:spcBef>
+                <a:spcPts val="0"/>
+              </a:spcBef>
+              <a:spcAft>
+                <a:spcPts val="0"/>
+              </a:spcAft>
+              <a:buSzPts val="5200"/>
+            </a:pPr>
+            <a:r>
+              <a:rPr lang="en-IN" sz="2400" b="1" dirty="0" smtClean="0">
+                <a:solidFill>
+                  <a:schemeClr val="tx1"/>
                 </a:solidFill>
                 <a:latin typeface="Montserrat"/>
                 <a:ea typeface="Montserrat"/>
                 <a:cs typeface="Montserrat"/>
                 <a:sym typeface="Montserrat"/>
               </a:rPr>
-              <a:t>Thank </a:t>
-            </a:r>
-            <a:r>
-              <a:rPr lang="en-IN" sz="3600" b="1" dirty="0" smtClean="0">
+              <a:t>Repeated Guests by Distribution Channel</a:t>
+            </a:r>
+            <a:endParaRPr sz="2800" b="1" dirty="0">
+              <a:solidFill>
+                <a:schemeClr val="tx1"/>
+              </a:solidFill>
+              <a:latin typeface="Montserrat"/>
+              <a:ea typeface="Montserrat"/>
+              <a:cs typeface="Montserrat"/>
+              <a:sym typeface="Montserrat"/>
+            </a:endParaRPr>
+          </a:p>
+        </p:txBody>
+      </p:sp>
+      <p:sp>
+        <p:nvSpPr>
+          <p:cNvPr id="8" name="TextBox 7"/>
+          <p:cNvSpPr txBox="1"/>
+          <p:nvPr/>
+        </p:nvSpPr>
+        <p:spPr>
+          <a:xfrm>
+            <a:off x="526577" y="2390701"/>
+            <a:ext cx="3306469" cy="1200329"/>
+          </a:xfrm>
+          <a:prstGeom prst="rect">
+            <a:avLst/>
+          </a:prstGeom>
+          <a:noFill/>
+        </p:spPr>
+        <p:txBody>
+          <a:bodyPr wrap="square" rtlCol="0">
+            <a:spAutoFit/>
+          </a:bodyPr>
+          <a:lstStyle/>
+          <a:p>
+            <a:pPr>
+              <a:lnSpc>
+                <a:spcPct val="150000"/>
+              </a:lnSpc>
+            </a:pPr>
+            <a:r>
+              <a:rPr lang="en-IN" sz="1600" dirty="0" smtClean="0">
+                <a:solidFill>
+                  <a:schemeClr val="bg1"/>
+                </a:solidFill>
+              </a:rPr>
+              <a:t>Corporate has most number of repeated guests followed by Direct, GDS etc.</a:t>
+            </a:r>
+            <a:endParaRPr lang="en-IN" sz="1600" dirty="0">
+              <a:solidFill>
+                <a:schemeClr val="bg1"/>
+              </a:solidFill>
+            </a:endParaRPr>
+          </a:p>
+        </p:txBody>
+      </p:sp>
+      <p:pic>
+        <p:nvPicPr>
+          <p:cNvPr id="3" name="Picture 2"/>
+          <p:cNvPicPr>
+            <a:picLocks noChangeAspect="1"/>
+          </p:cNvPicPr>
+          <p:nvPr/>
+        </p:nvPicPr>
+        <p:blipFill>
+          <a:blip r:embed="rId3"/>
+          <a:stretch>
+            <a:fillRect/>
+          </a:stretch>
+        </p:blipFill>
+        <p:spPr>
+          <a:xfrm>
+            <a:off x="4311981" y="1141528"/>
+            <a:ext cx="4516270" cy="3743280"/>
+          </a:xfrm>
+          <a:prstGeom prst="rect">
+            <a:avLst/>
+          </a:prstGeom>
+        </p:spPr>
+      </p:pic>
+    </p:spTree>
+    <p:extLst>
+      <p:ext uri="{BB962C8B-B14F-4D97-AF65-F5344CB8AC3E}">
+        <p14:creationId xmlns:p14="http://schemas.microsoft.com/office/powerpoint/2010/main" val="1638727841"/>
+      </p:ext>
+    </p:extLst>
+  </p:cSld>
+  <p:clrMapOvr>
+    <a:masterClrMapping/>
+  </p:clrMapOvr>
+</p:sld>
+</file>
+
+<file path=ppt/slides/slide29.xml><?xml version="1.0" encoding="utf-8"?>
+<p:sld xmlns:a="http://schemas.openxmlformats.org/drawingml/2006/main" xmlns:r="http://schemas.openxmlformats.org/officeDocument/2006/relationships" xmlns:p="http://schemas.openxmlformats.org/presentationml/2006/main">
+  <p:cSld>
+    <p:spTree>
+      <p:nvGrpSpPr>
+        <p:cNvPr id="1" name="Shape 59"/>
+        <p:cNvGrpSpPr/>
+        <p:nvPr/>
+      </p:nvGrpSpPr>
+      <p:grpSpPr>
+        <a:xfrm>
+          <a:off x="0" y="0"/>
+          <a:ext cx="0" cy="0"/>
+          <a:chOff x="0" y="0"/>
+          <a:chExt cx="0" cy="0"/>
+        </a:xfrm>
+      </p:grpSpPr>
+      <p:sp>
+        <p:nvSpPr>
+          <p:cNvPr id="60" name="Google Shape;60;p14"/>
+          <p:cNvSpPr txBox="1">
+            <a:spLocks noGrp="1"/>
+          </p:cNvSpPr>
+          <p:nvPr>
+            <p:ph type="ctrTitle"/>
+          </p:nvPr>
+        </p:nvSpPr>
+        <p:spPr>
+          <a:xfrm>
+            <a:off x="315751" y="516813"/>
+            <a:ext cx="8512500" cy="602413"/>
+          </a:xfrm>
+          <a:prstGeom prst="rect">
+            <a:avLst/>
+          </a:prstGeom>
+          <a:noFill/>
+          <a:ln>
+            <a:noFill/>
+          </a:ln>
+        </p:spPr>
+        <p:txBody>
+          <a:bodyPr spcFirstLastPara="1" wrap="square" lIns="91425" tIns="91425" rIns="91425" bIns="91425" anchor="b" anchorCtr="0">
+            <a:noAutofit/>
+          </a:bodyPr>
+          <a:lstStyle/>
+          <a:p>
+            <a:pPr marL="0" lvl="0" indent="0" algn="l" rtl="0">
+              <a:lnSpc>
+                <a:spcPct val="100000"/>
+              </a:lnSpc>
+              <a:spcBef>
+                <a:spcPts val="0"/>
+              </a:spcBef>
+              <a:spcAft>
+                <a:spcPts val="0"/>
+              </a:spcAft>
+              <a:buSzPts val="5200"/>
+              <a:buNone/>
+            </a:pPr>
+            <a:endParaRPr sz="4800" b="1" dirty="0">
+              <a:solidFill>
+                <a:schemeClr val="tx1"/>
+              </a:solidFill>
+              <a:latin typeface="Montserrat"/>
+              <a:ea typeface="Montserrat"/>
+              <a:cs typeface="Montserrat"/>
+              <a:sym typeface="Montserrat"/>
+            </a:endParaRPr>
+          </a:p>
+          <a:p>
+            <a:pPr marL="0" lvl="0" indent="0" algn="l" rtl="0">
+              <a:lnSpc>
+                <a:spcPct val="100000"/>
+              </a:lnSpc>
+              <a:spcBef>
+                <a:spcPts val="0"/>
+              </a:spcBef>
+              <a:spcAft>
+                <a:spcPts val="0"/>
+              </a:spcAft>
+              <a:buSzPts val="5200"/>
+              <a:buNone/>
+            </a:pPr>
+            <a:endParaRPr sz="4800" b="1" dirty="0">
+              <a:solidFill>
+                <a:schemeClr val="tx1"/>
+              </a:solidFill>
+              <a:latin typeface="Montserrat"/>
+              <a:ea typeface="Montserrat"/>
+              <a:cs typeface="Montserrat"/>
+              <a:sym typeface="Montserrat"/>
+            </a:endParaRPr>
+          </a:p>
+          <a:p>
+            <a:pPr marL="0" lvl="0" indent="0" algn="l" rtl="0">
+              <a:spcBef>
+                <a:spcPts val="0"/>
+              </a:spcBef>
+              <a:spcAft>
+                <a:spcPts val="0"/>
+              </a:spcAft>
+              <a:buSzPts val="5200"/>
+              <a:buNone/>
+            </a:pPr>
+            <a:endParaRPr sz="2400" b="1" dirty="0">
+              <a:solidFill>
+                <a:schemeClr val="tx1"/>
+              </a:solidFill>
+              <a:latin typeface="Montserrat"/>
+              <a:ea typeface="Montserrat"/>
+              <a:cs typeface="Montserrat"/>
+              <a:sym typeface="Montserrat"/>
+            </a:endParaRPr>
+          </a:p>
+          <a:p>
+            <a:pPr lvl="0" algn="l" rtl="0">
+              <a:spcBef>
+                <a:spcPts val="0"/>
+              </a:spcBef>
+              <a:spcAft>
+                <a:spcPts val="0"/>
+              </a:spcAft>
+              <a:buSzPts val="5200"/>
+            </a:pPr>
+            <a:r>
+              <a:rPr lang="en-IN" sz="2400" b="1" dirty="0" smtClean="0">
                 <a:solidFill>
                   <a:schemeClr val="tx1"/>
                 </a:solidFill>
@@ -17612,11 +18225,326 @@
                 <a:cs typeface="Montserrat"/>
                 <a:sym typeface="Montserrat"/>
               </a:rPr>
-              <a:t>You!</a:t>
-            </a:r>
-            <a:endParaRPr lang="en-IN" dirty="0">
+              <a:t>Conclusions</a:t>
+            </a:r>
+            <a:endParaRPr sz="2800" b="1" dirty="0">
               <a:solidFill>
                 <a:schemeClr val="tx1"/>
+              </a:solidFill>
+              <a:latin typeface="Montserrat"/>
+              <a:ea typeface="Montserrat"/>
+              <a:cs typeface="Montserrat"/>
+              <a:sym typeface="Montserrat"/>
+            </a:endParaRPr>
+          </a:p>
+        </p:txBody>
+      </p:sp>
+      <p:sp>
+        <p:nvSpPr>
+          <p:cNvPr id="8" name="TextBox 7"/>
+          <p:cNvSpPr txBox="1"/>
+          <p:nvPr/>
+        </p:nvSpPr>
+        <p:spPr>
+          <a:xfrm>
+            <a:off x="467104" y="1007714"/>
+            <a:ext cx="8361147" cy="3993401"/>
+          </a:xfrm>
+          <a:prstGeom prst="rect">
+            <a:avLst/>
+          </a:prstGeom>
+          <a:noFill/>
+        </p:spPr>
+        <p:txBody>
+          <a:bodyPr wrap="square" rtlCol="0">
+            <a:spAutoFit/>
+          </a:bodyPr>
+          <a:lstStyle/>
+          <a:p>
+            <a:pPr marL="285750" indent="-285750">
+              <a:lnSpc>
+                <a:spcPct val="150000"/>
+              </a:lnSpc>
+              <a:buFont typeface="Arial" panose="020B0604020202020204" pitchFamily="34" charset="0"/>
+              <a:buChar char="•"/>
+            </a:pPr>
+            <a:r>
+              <a:rPr lang="en-US" sz="1300" dirty="0">
+                <a:solidFill>
+                  <a:schemeClr val="bg1"/>
+                </a:solidFill>
+              </a:rPr>
+              <a:t>City Hotels have more bookings (61%) compared to Resort Hotels (39</a:t>
+            </a:r>
+            <a:r>
+              <a:rPr lang="en-US" sz="1300" dirty="0" smtClean="0">
+                <a:solidFill>
+                  <a:schemeClr val="bg1"/>
+                </a:solidFill>
+              </a:rPr>
+              <a:t>%).</a:t>
+            </a:r>
+          </a:p>
+          <a:p>
+            <a:pPr marL="285750" indent="-285750">
+              <a:lnSpc>
+                <a:spcPct val="150000"/>
+              </a:lnSpc>
+              <a:buFont typeface="Arial" panose="020B0604020202020204" pitchFamily="34" charset="0"/>
+              <a:buChar char="•"/>
+            </a:pPr>
+            <a:r>
+              <a:rPr lang="en-US" sz="1300" dirty="0" smtClean="0">
+                <a:solidFill>
+                  <a:schemeClr val="bg1"/>
+                </a:solidFill>
+              </a:rPr>
+              <a:t>Non-refundable </a:t>
+            </a:r>
+            <a:r>
+              <a:rPr lang="en-US" sz="1300" dirty="0">
+                <a:solidFill>
+                  <a:schemeClr val="bg1"/>
+                </a:solidFill>
+              </a:rPr>
+              <a:t>deposits decreases significantly the chances of cancellation</a:t>
+            </a:r>
+            <a:r>
+              <a:rPr lang="en-US" sz="1300" dirty="0" smtClean="0">
+                <a:solidFill>
+                  <a:schemeClr val="bg1"/>
+                </a:solidFill>
+              </a:rPr>
+              <a:t>.</a:t>
+            </a:r>
+          </a:p>
+          <a:p>
+            <a:pPr marL="285750" indent="-285750">
+              <a:lnSpc>
+                <a:spcPct val="150000"/>
+              </a:lnSpc>
+              <a:buFont typeface="Arial" panose="020B0604020202020204" pitchFamily="34" charset="0"/>
+              <a:buChar char="•"/>
+            </a:pPr>
+            <a:r>
+              <a:rPr lang="en-US" sz="1300" dirty="0">
+                <a:solidFill>
+                  <a:schemeClr val="bg1"/>
+                </a:solidFill>
+              </a:rPr>
+              <a:t>Longer lead time increases the chances of cancellations</a:t>
+            </a:r>
+            <a:r>
+              <a:rPr lang="en-US" sz="1300" dirty="0" smtClean="0">
+                <a:solidFill>
+                  <a:schemeClr val="bg1"/>
+                </a:solidFill>
+              </a:rPr>
+              <a:t>.</a:t>
+            </a:r>
+          </a:p>
+          <a:p>
+            <a:pPr marL="285750" indent="-285750">
+              <a:lnSpc>
+                <a:spcPct val="150000"/>
+              </a:lnSpc>
+              <a:buFont typeface="Arial" panose="020B0604020202020204" pitchFamily="34" charset="0"/>
+              <a:buChar char="•"/>
+            </a:pPr>
+            <a:r>
+              <a:rPr lang="en-US" sz="1300" dirty="0">
+                <a:solidFill>
+                  <a:schemeClr val="bg1"/>
+                </a:solidFill>
+              </a:rPr>
+              <a:t>Summer months (April to August) have more bookings compared to winter months</a:t>
+            </a:r>
+            <a:r>
+              <a:rPr lang="en-US" sz="1300" dirty="0" smtClean="0">
+                <a:solidFill>
+                  <a:schemeClr val="bg1"/>
+                </a:solidFill>
+              </a:rPr>
+              <a:t>.</a:t>
+            </a:r>
+          </a:p>
+          <a:p>
+            <a:pPr marL="285750" indent="-285750">
+              <a:lnSpc>
+                <a:spcPct val="150000"/>
+              </a:lnSpc>
+              <a:buFont typeface="Arial" panose="020B0604020202020204" pitchFamily="34" charset="0"/>
+              <a:buChar char="•"/>
+            </a:pPr>
+            <a:r>
+              <a:rPr lang="en-US" sz="1300" dirty="0" smtClean="0">
+                <a:solidFill>
+                  <a:schemeClr val="bg1"/>
+                </a:solidFill>
+              </a:rPr>
+              <a:t>Portugal </a:t>
+            </a:r>
+            <a:r>
+              <a:rPr lang="en-US" sz="1300" dirty="0">
+                <a:solidFill>
+                  <a:schemeClr val="bg1"/>
+                </a:solidFill>
+              </a:rPr>
+              <a:t>has the highest number of customers followed by Britain, France etc</a:t>
+            </a:r>
+            <a:r>
+              <a:rPr lang="en-US" sz="1300" dirty="0" smtClean="0">
+                <a:solidFill>
+                  <a:schemeClr val="bg1"/>
+                </a:solidFill>
+              </a:rPr>
+              <a:t>.</a:t>
+            </a:r>
+          </a:p>
+          <a:p>
+            <a:pPr marL="285750" indent="-285750">
+              <a:lnSpc>
+                <a:spcPct val="150000"/>
+              </a:lnSpc>
+              <a:buFont typeface="Arial" panose="020B0604020202020204" pitchFamily="34" charset="0"/>
+              <a:buChar char="•"/>
+            </a:pPr>
+            <a:r>
+              <a:rPr lang="en-US" sz="1300" dirty="0">
+                <a:solidFill>
+                  <a:schemeClr val="bg1"/>
+                </a:solidFill>
+              </a:rPr>
+              <a:t>More bookings comes through TA/TO (Online/Offline) compared to Direct, Corporates etc</a:t>
+            </a:r>
+            <a:r>
+              <a:rPr lang="en-US" sz="1300" dirty="0" smtClean="0">
+                <a:solidFill>
+                  <a:schemeClr val="bg1"/>
+                </a:solidFill>
+              </a:rPr>
+              <a:t>.</a:t>
+            </a:r>
+          </a:p>
+          <a:p>
+            <a:pPr marL="285750" indent="-285750">
+              <a:lnSpc>
+                <a:spcPct val="150000"/>
+              </a:lnSpc>
+              <a:buFont typeface="Arial" panose="020B0604020202020204" pitchFamily="34" charset="0"/>
+              <a:buChar char="•"/>
+            </a:pPr>
+            <a:r>
+              <a:rPr lang="en-US" sz="1300" dirty="0">
+                <a:solidFill>
+                  <a:schemeClr val="bg1"/>
+                </a:solidFill>
+              </a:rPr>
+              <a:t>Most customers don't need parking space around 91</a:t>
+            </a:r>
+            <a:r>
+              <a:rPr lang="en-US" sz="1300" dirty="0" smtClean="0">
+                <a:solidFill>
+                  <a:schemeClr val="bg1"/>
+                </a:solidFill>
+              </a:rPr>
+              <a:t>%.</a:t>
+            </a:r>
+          </a:p>
+          <a:p>
+            <a:pPr marL="285750" indent="-285750">
+              <a:lnSpc>
+                <a:spcPct val="150000"/>
+              </a:lnSpc>
+              <a:buFont typeface="Arial" panose="020B0604020202020204" pitchFamily="34" charset="0"/>
+              <a:buChar char="•"/>
+            </a:pPr>
+            <a:r>
+              <a:rPr lang="en-US" sz="1300" dirty="0">
+                <a:solidFill>
+                  <a:schemeClr val="bg1"/>
+                </a:solidFill>
+              </a:rPr>
+              <a:t>Room Type A is the most preferred room type among customers</a:t>
+            </a:r>
+            <a:r>
+              <a:rPr lang="en-US" sz="1300" dirty="0" smtClean="0">
+                <a:solidFill>
+                  <a:schemeClr val="bg1"/>
+                </a:solidFill>
+              </a:rPr>
+              <a:t>.</a:t>
+            </a:r>
+          </a:p>
+          <a:p>
+            <a:pPr marL="285750" indent="-285750">
+              <a:lnSpc>
+                <a:spcPct val="150000"/>
+              </a:lnSpc>
+              <a:buFont typeface="Arial" panose="020B0604020202020204" pitchFamily="34" charset="0"/>
+              <a:buChar char="•"/>
+            </a:pPr>
+            <a:r>
+              <a:rPr lang="en-US" sz="1300" dirty="0">
+                <a:solidFill>
+                  <a:schemeClr val="bg1"/>
+                </a:solidFill>
+              </a:rPr>
+              <a:t>Agent no. 9 has made most no. of bookings followed by 240, 14 etc</a:t>
+            </a:r>
+            <a:r>
+              <a:rPr lang="en-US" sz="1300" dirty="0" smtClean="0">
+                <a:solidFill>
+                  <a:schemeClr val="bg1"/>
+                </a:solidFill>
+              </a:rPr>
+              <a:t>.</a:t>
+            </a:r>
+          </a:p>
+          <a:p>
+            <a:pPr marL="285750" indent="-285750">
+              <a:lnSpc>
+                <a:spcPct val="150000"/>
+              </a:lnSpc>
+              <a:buFont typeface="Arial" panose="020B0604020202020204" pitchFamily="34" charset="0"/>
+              <a:buChar char="•"/>
+            </a:pPr>
+            <a:r>
+              <a:rPr lang="en-US" sz="1300" dirty="0">
+                <a:solidFill>
+                  <a:schemeClr val="bg1"/>
+                </a:solidFill>
+              </a:rPr>
+              <a:t>Almost 90% of total guests books meal in their bookings, among which majority books meal of type BB (78%) followed by SC (11%), HB (10%) etc</a:t>
+            </a:r>
+            <a:r>
+              <a:rPr lang="en-US" sz="1300" dirty="0" smtClean="0">
+                <a:solidFill>
+                  <a:schemeClr val="bg1"/>
+                </a:solidFill>
+              </a:rPr>
+              <a:t>.</a:t>
+            </a:r>
+          </a:p>
+          <a:p>
+            <a:pPr marL="285750" indent="-285750">
+              <a:lnSpc>
+                <a:spcPct val="150000"/>
+              </a:lnSpc>
+              <a:buFont typeface="Arial" panose="020B0604020202020204" pitchFamily="34" charset="0"/>
+              <a:buChar char="•"/>
+            </a:pPr>
+            <a:r>
+              <a:rPr lang="en-US" sz="1300" dirty="0">
+                <a:solidFill>
+                  <a:schemeClr val="bg1"/>
+                </a:solidFill>
+              </a:rPr>
+              <a:t>Corporate has the most percentage of repeated guests while TA/TO has the least whereas in the case of cancelled bookings TA/TO has the most percentage while Corporate has the least.</a:t>
+            </a:r>
+            <a:endParaRPr lang="en-IN" sz="1300" dirty="0">
+              <a:solidFill>
+                <a:schemeClr val="bg1"/>
               </a:solidFill>
             </a:endParaRPr>
           </a:p>
@@ -17625,7 +18553,7 @@
     </p:spTree>
     <p:extLst>
       <p:ext uri="{BB962C8B-B14F-4D97-AF65-F5344CB8AC3E}">
-        <p14:creationId xmlns:p14="http://schemas.microsoft.com/office/powerpoint/2010/main" val="1120099076"/>
+        <p14:creationId xmlns:p14="http://schemas.microsoft.com/office/powerpoint/2010/main" val="1499227370"/>
       </p:ext>
     </p:extLst>
   </p:cSld>
@@ -17896,7 +18824,15 @@
                   <a:schemeClr val="bg1"/>
                 </a:solidFill>
               </a:rPr>
-              <a:t>etc</a:t>
+              <a:t>etc. All personally identifying information has been removed from the </a:t>
+            </a:r>
+            <a:r>
+              <a:rPr lang="en-US" sz="1800" dirty="0" smtClean="0">
+                <a:solidFill>
+                  <a:schemeClr val="bg1"/>
+                </a:solidFill>
+              </a:rPr>
+              <a:t>data. This dataset contains more than </a:t>
             </a:r>
             <a:r>
               <a:rPr lang="en-US" sz="1800" dirty="0">
@@ -17904,7 +18840,7 @@
                   <a:schemeClr val="bg1"/>
                 </a:solidFill>
               </a:rPr>
-              <a:t>. All personally identifying information has been removed from the </a:t>
+              <a:t>119,000 </a:t>
             </a:r>
             <a:r>
               <a:rPr lang="en-US" sz="1800" dirty="0" smtClean="0">
@@ -17912,55 +18848,7 @@
                   <a:schemeClr val="bg1"/>
                 </a:solidFill>
               </a:rPr>
-              <a:t>data. </a:t>
-            </a:r>
-            <a:r>
-              <a:rPr lang="en-US" sz="1800" dirty="0" smtClean="0">
-                <a:solidFill>
-                  <a:schemeClr val="bg1"/>
-                </a:solidFill>
-              </a:rPr>
-              <a:t>This </a:t>
-            </a:r>
-            <a:r>
-              <a:rPr lang="en-US" sz="1800" dirty="0" smtClean="0">
-                <a:solidFill>
-                  <a:schemeClr val="bg1"/>
-                </a:solidFill>
-              </a:rPr>
-              <a:t>dataset contains more than </a:t>
-            </a:r>
-            <a:r>
-              <a:rPr lang="en-US" sz="1800" dirty="0">
-                <a:solidFill>
-                  <a:schemeClr val="bg1"/>
-                </a:solidFill>
-              </a:rPr>
-              <a:t>119,000 </a:t>
-            </a:r>
-            <a:r>
-              <a:rPr lang="en-US" sz="1800" dirty="0" smtClean="0">
-                <a:solidFill>
-                  <a:schemeClr val="bg1"/>
-                </a:solidFill>
-              </a:rPr>
-              <a:t>rows </a:t>
-            </a:r>
-            <a:r>
-              <a:rPr lang="en-US" sz="1800" dirty="0" smtClean="0">
-                <a:solidFill>
-                  <a:schemeClr val="bg1"/>
-                </a:solidFill>
-              </a:rPr>
-              <a:t>of data</a:t>
-            </a:r>
-            <a:r>
-              <a:rPr lang="en-US" sz="1800" dirty="0" smtClean="0">
-                <a:solidFill>
-                  <a:schemeClr val="bg1"/>
-                </a:solidFill>
-              </a:rPr>
-              <a:t>.</a:t>
+              <a:t>rows of data.</a:t>
             </a:r>
             <a:endParaRPr lang="en-IN" sz="1600" dirty="0" smtClean="0">
               <a:solidFill>
@@ -17983,7 +18871,1295 @@
 </p:sld>
 </file>
 
+<file path=ppt/slides/slide30.xml><?xml version="1.0" encoding="utf-8"?>
+<p:sld xmlns:a="http://schemas.openxmlformats.org/drawingml/2006/main" xmlns:r="http://schemas.openxmlformats.org/officeDocument/2006/relationships" xmlns:p="http://schemas.openxmlformats.org/presentationml/2006/main">
+  <p:cSld>
+    <p:spTree>
+      <p:nvGrpSpPr>
+        <p:cNvPr id="1" name="Shape 59"/>
+        <p:cNvGrpSpPr/>
+        <p:nvPr/>
+      </p:nvGrpSpPr>
+      <p:grpSpPr>
+        <a:xfrm>
+          <a:off x="0" y="0"/>
+          <a:ext cx="0" cy="0"/>
+          <a:chOff x="0" y="0"/>
+          <a:chExt cx="0" cy="0"/>
+        </a:xfrm>
+      </p:grpSpPr>
+      <p:sp>
+        <p:nvSpPr>
+          <p:cNvPr id="60" name="Google Shape;60;p14"/>
+          <p:cNvSpPr txBox="1">
+            <a:spLocks noGrp="1"/>
+          </p:cNvSpPr>
+          <p:nvPr>
+            <p:ph type="ctrTitle"/>
+          </p:nvPr>
+        </p:nvSpPr>
+        <p:spPr>
+          <a:xfrm>
+            <a:off x="315750" y="509500"/>
+            <a:ext cx="8512500" cy="3784800"/>
+          </a:xfrm>
+          <a:prstGeom prst="rect">
+            <a:avLst/>
+          </a:prstGeom>
+          <a:noFill/>
+          <a:ln>
+            <a:noFill/>
+          </a:ln>
+        </p:spPr>
+        <p:txBody>
+          <a:bodyPr spcFirstLastPara="1" wrap="square" lIns="91425" tIns="91425" rIns="91425" bIns="91425" anchor="b" anchorCtr="0">
+            <a:noAutofit/>
+          </a:bodyPr>
+          <a:lstStyle/>
+          <a:p>
+            <a:pPr marL="0" lvl="0" indent="0" algn="l" rtl="0">
+              <a:lnSpc>
+                <a:spcPct val="100000"/>
+              </a:lnSpc>
+              <a:spcBef>
+                <a:spcPts val="0"/>
+              </a:spcBef>
+              <a:spcAft>
+                <a:spcPts val="0"/>
+              </a:spcAft>
+              <a:buSzPts val="5200"/>
+              <a:buNone/>
+            </a:pPr>
+            <a:endParaRPr sz="3600" b="1">
+              <a:solidFill>
+                <a:schemeClr val="lt1"/>
+              </a:solidFill>
+              <a:latin typeface="Montserrat"/>
+              <a:ea typeface="Montserrat"/>
+              <a:cs typeface="Montserrat"/>
+              <a:sym typeface="Montserrat"/>
+            </a:endParaRPr>
+          </a:p>
+          <a:p>
+            <a:pPr marL="0" lvl="0" indent="0" algn="ctr" rtl="0">
+              <a:lnSpc>
+                <a:spcPct val="100000"/>
+              </a:lnSpc>
+              <a:spcBef>
+                <a:spcPts val="0"/>
+              </a:spcBef>
+              <a:spcAft>
+                <a:spcPts val="0"/>
+              </a:spcAft>
+              <a:buSzPts val="5200"/>
+              <a:buNone/>
+            </a:pPr>
+            <a:endParaRPr sz="3600" b="1">
+              <a:solidFill>
+                <a:schemeClr val="lt1"/>
+              </a:solidFill>
+              <a:latin typeface="Montserrat"/>
+              <a:ea typeface="Montserrat"/>
+              <a:cs typeface="Montserrat"/>
+              <a:sym typeface="Montserrat"/>
+            </a:endParaRPr>
+          </a:p>
+          <a:p>
+            <a:pPr marL="0" lvl="0" indent="0" algn="ctr" rtl="0">
+              <a:spcBef>
+                <a:spcPts val="0"/>
+              </a:spcBef>
+              <a:spcAft>
+                <a:spcPts val="0"/>
+              </a:spcAft>
+              <a:buSzPts val="5200"/>
+              <a:buNone/>
+            </a:pPr>
+            <a:endParaRPr sz="1600" b="1">
+              <a:solidFill>
+                <a:schemeClr val="lt1"/>
+              </a:solidFill>
+              <a:latin typeface="Montserrat"/>
+              <a:ea typeface="Montserrat"/>
+              <a:cs typeface="Montserrat"/>
+              <a:sym typeface="Montserrat"/>
+            </a:endParaRPr>
+          </a:p>
+          <a:p>
+            <a:pPr marL="0" lvl="0" indent="0" algn="ctr" rtl="0">
+              <a:spcBef>
+                <a:spcPts val="0"/>
+              </a:spcBef>
+              <a:spcAft>
+                <a:spcPts val="0"/>
+              </a:spcAft>
+              <a:buSzPts val="5200"/>
+              <a:buNone/>
+            </a:pPr>
+            <a:endParaRPr sz="1600" b="1">
+              <a:solidFill>
+                <a:schemeClr val="lt1"/>
+              </a:solidFill>
+              <a:latin typeface="Montserrat"/>
+              <a:ea typeface="Montserrat"/>
+              <a:cs typeface="Montserrat"/>
+              <a:sym typeface="Montserrat"/>
+            </a:endParaRPr>
+          </a:p>
+        </p:txBody>
+      </p:sp>
+      <p:sp>
+        <p:nvSpPr>
+          <p:cNvPr id="2" name="TextBox 1"/>
+          <p:cNvSpPr txBox="1"/>
+          <p:nvPr/>
+        </p:nvSpPr>
+        <p:spPr>
+          <a:xfrm>
+            <a:off x="3123590" y="2078734"/>
+            <a:ext cx="2896820" cy="646331"/>
+          </a:xfrm>
+          <a:prstGeom prst="rect">
+            <a:avLst/>
+          </a:prstGeom>
+          <a:noFill/>
+        </p:spPr>
+        <p:txBody>
+          <a:bodyPr wrap="square" rtlCol="0">
+            <a:spAutoFit/>
+          </a:bodyPr>
+          <a:lstStyle/>
+          <a:p>
+            <a:r>
+              <a:rPr lang="en-IN" sz="3600" b="1" dirty="0" smtClean="0">
+                <a:solidFill>
+                  <a:srgbClr val="134F5C"/>
+                </a:solidFill>
+                <a:latin typeface="Montserrat"/>
+                <a:ea typeface="Montserrat"/>
+                <a:cs typeface="Montserrat"/>
+                <a:sym typeface="Montserrat"/>
+              </a:rPr>
+              <a:t>Thank </a:t>
+            </a:r>
+            <a:r>
+              <a:rPr lang="en-IN" sz="3600" b="1" dirty="0" smtClean="0">
+                <a:solidFill>
+                  <a:schemeClr val="tx1"/>
+                </a:solidFill>
+                <a:latin typeface="Montserrat"/>
+                <a:ea typeface="Montserrat"/>
+                <a:cs typeface="Montserrat"/>
+                <a:sym typeface="Montserrat"/>
+              </a:rPr>
+              <a:t>You!</a:t>
+            </a:r>
+            <a:endParaRPr lang="en-IN" dirty="0">
+              <a:solidFill>
+                <a:schemeClr val="tx1"/>
+              </a:solidFill>
+            </a:endParaRPr>
+          </a:p>
+        </p:txBody>
+      </p:sp>
+    </p:spTree>
+    <p:extLst>
+      <p:ext uri="{BB962C8B-B14F-4D97-AF65-F5344CB8AC3E}">
+        <p14:creationId xmlns:p14="http://schemas.microsoft.com/office/powerpoint/2010/main" val="1120099076"/>
+      </p:ext>
+    </p:extLst>
+  </p:cSld>
+  <p:clrMapOvr>
+    <a:masterClrMapping/>
+  </p:clrMapOvr>
+</p:sld>
+</file>
+
 <file path=ppt/slides/slide4.xml><?xml version="1.0" encoding="utf-8"?>
+<p:sld xmlns:a="http://schemas.openxmlformats.org/drawingml/2006/main" xmlns:r="http://schemas.openxmlformats.org/officeDocument/2006/relationships" xmlns:p="http://schemas.openxmlformats.org/presentationml/2006/main">
+  <p:cSld>
+    <p:spTree>
+      <p:nvGrpSpPr>
+        <p:cNvPr id="1" name="Shape 59"/>
+        <p:cNvGrpSpPr/>
+        <p:nvPr/>
+      </p:nvGrpSpPr>
+      <p:grpSpPr>
+        <a:xfrm>
+          <a:off x="0" y="0"/>
+          <a:ext cx="0" cy="0"/>
+          <a:chOff x="0" y="0"/>
+          <a:chExt cx="0" cy="0"/>
+        </a:xfrm>
+      </p:grpSpPr>
+      <p:sp>
+        <p:nvSpPr>
+          <p:cNvPr id="60" name="Google Shape;60;p14"/>
+          <p:cNvSpPr txBox="1">
+            <a:spLocks noGrp="1"/>
+          </p:cNvSpPr>
+          <p:nvPr>
+            <p:ph type="ctrTitle"/>
+          </p:nvPr>
+        </p:nvSpPr>
+        <p:spPr>
+          <a:xfrm>
+            <a:off x="315751" y="516813"/>
+            <a:ext cx="8512500" cy="602413"/>
+          </a:xfrm>
+          <a:prstGeom prst="rect">
+            <a:avLst/>
+          </a:prstGeom>
+          <a:noFill/>
+          <a:ln>
+            <a:noFill/>
+          </a:ln>
+        </p:spPr>
+        <p:txBody>
+          <a:bodyPr spcFirstLastPara="1" wrap="square" lIns="91425" tIns="91425" rIns="91425" bIns="91425" anchor="b" anchorCtr="0">
+            <a:noAutofit/>
+          </a:bodyPr>
+          <a:lstStyle/>
+          <a:p>
+            <a:pPr marL="0" lvl="0" indent="0" algn="l" rtl="0">
+              <a:lnSpc>
+                <a:spcPct val="100000"/>
+              </a:lnSpc>
+              <a:spcBef>
+                <a:spcPts val="0"/>
+              </a:spcBef>
+              <a:spcAft>
+                <a:spcPts val="0"/>
+              </a:spcAft>
+              <a:buSzPts val="5200"/>
+              <a:buNone/>
+            </a:pPr>
+            <a:endParaRPr sz="4800" b="1" dirty="0">
+              <a:solidFill>
+                <a:schemeClr val="tx1"/>
+              </a:solidFill>
+              <a:latin typeface="Montserrat"/>
+              <a:ea typeface="Montserrat"/>
+              <a:cs typeface="Montserrat"/>
+              <a:sym typeface="Montserrat"/>
+            </a:endParaRPr>
+          </a:p>
+          <a:p>
+            <a:pPr marL="0" lvl="0" indent="0" algn="l" rtl="0">
+              <a:lnSpc>
+                <a:spcPct val="100000"/>
+              </a:lnSpc>
+              <a:spcBef>
+                <a:spcPts val="0"/>
+              </a:spcBef>
+              <a:spcAft>
+                <a:spcPts val="0"/>
+              </a:spcAft>
+              <a:buSzPts val="5200"/>
+              <a:buNone/>
+            </a:pPr>
+            <a:endParaRPr sz="4800" b="1" dirty="0">
+              <a:solidFill>
+                <a:schemeClr val="tx1"/>
+              </a:solidFill>
+              <a:latin typeface="Montserrat"/>
+              <a:ea typeface="Montserrat"/>
+              <a:cs typeface="Montserrat"/>
+              <a:sym typeface="Montserrat"/>
+            </a:endParaRPr>
+          </a:p>
+          <a:p>
+            <a:pPr marL="0" lvl="0" indent="0" algn="l" rtl="0">
+              <a:spcBef>
+                <a:spcPts val="0"/>
+              </a:spcBef>
+              <a:spcAft>
+                <a:spcPts val="0"/>
+              </a:spcAft>
+              <a:buSzPts val="5200"/>
+              <a:buNone/>
+            </a:pPr>
+            <a:endParaRPr sz="2400" b="1" dirty="0">
+              <a:solidFill>
+                <a:schemeClr val="tx1"/>
+              </a:solidFill>
+              <a:latin typeface="Montserrat"/>
+              <a:ea typeface="Montserrat"/>
+              <a:cs typeface="Montserrat"/>
+              <a:sym typeface="Montserrat"/>
+            </a:endParaRPr>
+          </a:p>
+          <a:p>
+            <a:pPr lvl="0" algn="l" rtl="0">
+              <a:spcBef>
+                <a:spcPts val="0"/>
+              </a:spcBef>
+              <a:spcAft>
+                <a:spcPts val="0"/>
+              </a:spcAft>
+              <a:buSzPts val="5200"/>
+            </a:pPr>
+            <a:r>
+              <a:rPr lang="en-IN" sz="2400" b="1" dirty="0" smtClean="0">
+                <a:solidFill>
+                  <a:schemeClr val="tx1"/>
+                </a:solidFill>
+                <a:latin typeface="Montserrat"/>
+                <a:ea typeface="Montserrat"/>
+                <a:cs typeface="Montserrat"/>
+                <a:sym typeface="Montserrat"/>
+              </a:rPr>
+              <a:t>Data </a:t>
+            </a:r>
+            <a:r>
+              <a:rPr lang="en-IN" sz="2400" b="1" dirty="0" smtClean="0">
+                <a:solidFill>
+                  <a:schemeClr val="tx1"/>
+                </a:solidFill>
+                <a:latin typeface="Montserrat"/>
+                <a:ea typeface="Montserrat"/>
+                <a:cs typeface="Montserrat"/>
+                <a:sym typeface="Montserrat"/>
+              </a:rPr>
+              <a:t>Preparation &amp; Cleaning</a:t>
+            </a:r>
+            <a:endParaRPr sz="2800" b="1" dirty="0">
+              <a:solidFill>
+                <a:schemeClr val="tx1"/>
+              </a:solidFill>
+              <a:latin typeface="Montserrat"/>
+              <a:ea typeface="Montserrat"/>
+              <a:cs typeface="Montserrat"/>
+              <a:sym typeface="Montserrat"/>
+            </a:endParaRPr>
+          </a:p>
+        </p:txBody>
+      </p:sp>
+      <p:sp>
+        <p:nvSpPr>
+          <p:cNvPr id="2" name="TextBox 1"/>
+          <p:cNvSpPr txBox="1"/>
+          <p:nvPr/>
+        </p:nvSpPr>
+        <p:spPr>
+          <a:xfrm>
+            <a:off x="530353" y="1119226"/>
+            <a:ext cx="8083296" cy="3785652"/>
+          </a:xfrm>
+          <a:prstGeom prst="rect">
+            <a:avLst/>
+          </a:prstGeom>
+          <a:noFill/>
+        </p:spPr>
+        <p:txBody>
+          <a:bodyPr wrap="square" rtlCol="0">
+            <a:spAutoFit/>
+          </a:bodyPr>
+          <a:lstStyle/>
+          <a:p>
+            <a:pPr marL="285750" indent="-285750">
+              <a:lnSpc>
+                <a:spcPct val="150000"/>
+              </a:lnSpc>
+              <a:buFont typeface="Arial" panose="020B0604020202020204" pitchFamily="34" charset="0"/>
+              <a:buChar char="•"/>
+            </a:pPr>
+            <a:r>
+              <a:rPr lang="en-IN" sz="1600" dirty="0" smtClean="0">
+                <a:solidFill>
+                  <a:schemeClr val="bg1"/>
+                </a:solidFill>
+              </a:rPr>
+              <a:t>There were 31994 duplicate data, so deleted those rows.</a:t>
+            </a:r>
+            <a:endParaRPr lang="en-IN" sz="1600" dirty="0" smtClean="0">
+              <a:solidFill>
+                <a:schemeClr val="bg1"/>
+              </a:solidFill>
+            </a:endParaRPr>
+          </a:p>
+          <a:p>
+            <a:pPr marL="285750" indent="-285750">
+              <a:lnSpc>
+                <a:spcPct val="150000"/>
+              </a:lnSpc>
+              <a:buFont typeface="Arial" panose="020B0604020202020204" pitchFamily="34" charset="0"/>
+              <a:buChar char="•"/>
+            </a:pPr>
+            <a:r>
+              <a:rPr lang="en-IN" sz="1600" dirty="0" smtClean="0">
+                <a:solidFill>
+                  <a:schemeClr val="bg1"/>
+                </a:solidFill>
+              </a:rPr>
+              <a:t>4 columns (</a:t>
+            </a:r>
+            <a:r>
+              <a:rPr lang="en-IN" sz="1600" i="1" dirty="0" smtClean="0">
+                <a:solidFill>
+                  <a:schemeClr val="bg1"/>
+                </a:solidFill>
+              </a:rPr>
+              <a:t>company</a:t>
+            </a:r>
+            <a:r>
+              <a:rPr lang="en-IN" sz="1600" dirty="0" smtClean="0">
+                <a:solidFill>
+                  <a:schemeClr val="bg1"/>
+                </a:solidFill>
+              </a:rPr>
+              <a:t>, </a:t>
+            </a:r>
+            <a:r>
+              <a:rPr lang="en-IN" sz="1600" i="1" dirty="0" smtClean="0">
+                <a:solidFill>
+                  <a:schemeClr val="bg1"/>
+                </a:solidFill>
+              </a:rPr>
+              <a:t>agent</a:t>
+            </a:r>
+            <a:r>
+              <a:rPr lang="en-IN" sz="1600" dirty="0" smtClean="0">
+                <a:solidFill>
+                  <a:schemeClr val="bg1"/>
+                </a:solidFill>
+              </a:rPr>
+              <a:t>, </a:t>
+            </a:r>
+            <a:r>
+              <a:rPr lang="en-IN" sz="1600" i="1" dirty="0" smtClean="0">
+                <a:solidFill>
+                  <a:schemeClr val="bg1"/>
+                </a:solidFill>
+              </a:rPr>
+              <a:t>country</a:t>
+            </a:r>
+            <a:r>
+              <a:rPr lang="en-IN" sz="1600" dirty="0" smtClean="0">
+                <a:solidFill>
+                  <a:schemeClr val="bg1"/>
+                </a:solidFill>
+              </a:rPr>
+              <a:t> &amp; </a:t>
+            </a:r>
+            <a:r>
+              <a:rPr lang="en-IN" sz="1600" i="1" dirty="0" smtClean="0">
+                <a:solidFill>
+                  <a:schemeClr val="bg1"/>
+                </a:solidFill>
+              </a:rPr>
+              <a:t>children</a:t>
+            </a:r>
+            <a:r>
+              <a:rPr lang="en-IN" sz="1600" dirty="0" smtClean="0">
+                <a:solidFill>
+                  <a:schemeClr val="bg1"/>
+                </a:solidFill>
+              </a:rPr>
+              <a:t>) had missing values.</a:t>
+            </a:r>
+            <a:endParaRPr lang="en-IN" sz="1600" dirty="0">
+              <a:solidFill>
+                <a:schemeClr val="bg1"/>
+              </a:solidFill>
+            </a:endParaRPr>
+          </a:p>
+          <a:p>
+            <a:pPr marL="285750" indent="-285750">
+              <a:lnSpc>
+                <a:spcPct val="150000"/>
+              </a:lnSpc>
+              <a:buFont typeface="Arial" panose="020B0604020202020204" pitchFamily="34" charset="0"/>
+              <a:buChar char="•"/>
+            </a:pPr>
+            <a:r>
+              <a:rPr lang="en-US" sz="1600" dirty="0">
+                <a:solidFill>
+                  <a:schemeClr val="bg1"/>
+                </a:solidFill>
+              </a:rPr>
+              <a:t>There may be some cases when customer didn't </a:t>
+            </a:r>
+            <a:r>
+              <a:rPr lang="en-US" sz="1600" dirty="0" smtClean="0">
+                <a:solidFill>
+                  <a:schemeClr val="bg1"/>
+                </a:solidFill>
+              </a:rPr>
+              <a:t>booked</a:t>
+            </a:r>
+          </a:p>
+          <a:p>
+            <a:pPr lvl="1">
+              <a:lnSpc>
+                <a:spcPct val="150000"/>
+              </a:lnSpc>
+            </a:pPr>
+            <a:r>
+              <a:rPr lang="en-US" sz="1600" dirty="0">
+                <a:solidFill>
+                  <a:schemeClr val="bg1"/>
+                </a:solidFill>
+              </a:rPr>
+              <a:t> </a:t>
+            </a:r>
+            <a:r>
+              <a:rPr lang="en-US" sz="1600" dirty="0" smtClean="0">
+                <a:solidFill>
+                  <a:schemeClr val="bg1"/>
+                </a:solidFill>
+              </a:rPr>
+              <a:t>    hotel </a:t>
+            </a:r>
+            <a:r>
+              <a:rPr lang="en-US" sz="1600" dirty="0">
+                <a:solidFill>
+                  <a:schemeClr val="bg1"/>
+                </a:solidFill>
+              </a:rPr>
+              <a:t>via any agent or via any company. Hence we will </a:t>
+            </a:r>
+            <a:r>
+              <a:rPr lang="en-US" sz="1600" dirty="0" smtClean="0">
+                <a:solidFill>
+                  <a:schemeClr val="bg1"/>
+                </a:solidFill>
+              </a:rPr>
+              <a:t>replace</a:t>
+            </a:r>
+          </a:p>
+          <a:p>
+            <a:pPr lvl="1">
+              <a:lnSpc>
+                <a:spcPct val="150000"/>
+              </a:lnSpc>
+            </a:pPr>
+            <a:r>
+              <a:rPr lang="en-US" sz="1600" dirty="0" smtClean="0">
+                <a:solidFill>
+                  <a:schemeClr val="bg1"/>
+                </a:solidFill>
+              </a:rPr>
+              <a:t>     null </a:t>
+            </a:r>
+            <a:r>
+              <a:rPr lang="en-US" sz="1600" dirty="0">
+                <a:solidFill>
+                  <a:schemeClr val="bg1"/>
+                </a:solidFill>
+              </a:rPr>
+              <a:t>values by 0 in these columns</a:t>
+            </a:r>
+            <a:r>
+              <a:rPr lang="en-US" sz="1600" dirty="0" smtClean="0">
+                <a:solidFill>
+                  <a:schemeClr val="bg1"/>
+                </a:solidFill>
+              </a:rPr>
+              <a:t>.</a:t>
+            </a:r>
+          </a:p>
+          <a:p>
+            <a:pPr marL="285750" lvl="1" indent="-285750">
+              <a:lnSpc>
+                <a:spcPct val="150000"/>
+              </a:lnSpc>
+              <a:buFont typeface="Arial" panose="020B0604020202020204" pitchFamily="34" charset="0"/>
+              <a:buChar char="•"/>
+            </a:pPr>
+            <a:r>
+              <a:rPr lang="en-US" sz="1600" dirty="0">
+                <a:solidFill>
+                  <a:schemeClr val="bg1"/>
+                </a:solidFill>
+              </a:rPr>
+              <a:t>children column is numeric and skewed, </a:t>
+            </a:r>
+            <a:r>
+              <a:rPr lang="en-US" sz="1600" dirty="0" smtClean="0">
+                <a:solidFill>
+                  <a:schemeClr val="bg1"/>
+                </a:solidFill>
+              </a:rPr>
+              <a:t>hence </a:t>
+            </a:r>
+            <a:r>
+              <a:rPr lang="en-US" sz="1600" dirty="0">
+                <a:solidFill>
+                  <a:schemeClr val="bg1"/>
+                </a:solidFill>
+              </a:rPr>
+              <a:t>choose median for imputing missing </a:t>
+            </a:r>
+            <a:r>
+              <a:rPr lang="en-US" sz="1600" dirty="0" smtClean="0">
+                <a:solidFill>
+                  <a:schemeClr val="bg1"/>
+                </a:solidFill>
+              </a:rPr>
+              <a:t>values.</a:t>
+            </a:r>
+          </a:p>
+          <a:p>
+            <a:pPr marL="285750" lvl="1" indent="-285750">
+              <a:lnSpc>
+                <a:spcPct val="150000"/>
+              </a:lnSpc>
+              <a:buFont typeface="Arial" panose="020B0604020202020204" pitchFamily="34" charset="0"/>
+              <a:buChar char="•"/>
+            </a:pPr>
+            <a:r>
+              <a:rPr lang="en-US" sz="1600" dirty="0">
+                <a:solidFill>
+                  <a:schemeClr val="bg1"/>
+                </a:solidFill>
+              </a:rPr>
+              <a:t>country column </a:t>
+            </a:r>
+            <a:r>
+              <a:rPr lang="en-US" sz="1600" dirty="0" smtClean="0">
+                <a:solidFill>
+                  <a:schemeClr val="bg1"/>
+                </a:solidFill>
+              </a:rPr>
+              <a:t>is </a:t>
+            </a:r>
+            <a:r>
+              <a:rPr lang="en-US" sz="1600" dirty="0">
+                <a:solidFill>
+                  <a:schemeClr val="bg1"/>
+                </a:solidFill>
+              </a:rPr>
+              <a:t>categorical </a:t>
+            </a:r>
+            <a:r>
+              <a:rPr lang="en-US" sz="1600" dirty="0" smtClean="0">
+                <a:solidFill>
+                  <a:schemeClr val="bg1"/>
+                </a:solidFill>
+              </a:rPr>
+              <a:t>column. We use </a:t>
+            </a:r>
+            <a:r>
+              <a:rPr lang="en-US" sz="1600" dirty="0">
+                <a:solidFill>
+                  <a:schemeClr val="bg1"/>
+                </a:solidFill>
+              </a:rPr>
+              <a:t>mode of </a:t>
+            </a:r>
+            <a:r>
+              <a:rPr lang="en-US" sz="1600" i="1" dirty="0" smtClean="0">
+                <a:solidFill>
+                  <a:schemeClr val="bg1"/>
+                </a:solidFill>
+              </a:rPr>
+              <a:t>‘country’</a:t>
+            </a:r>
+            <a:r>
+              <a:rPr lang="en-US" sz="1600" dirty="0" smtClean="0">
+                <a:solidFill>
+                  <a:schemeClr val="bg1"/>
+                </a:solidFill>
+              </a:rPr>
+              <a:t> column, </a:t>
+            </a:r>
+            <a:r>
+              <a:rPr lang="en-US" sz="1600" dirty="0">
+                <a:solidFill>
+                  <a:schemeClr val="bg1"/>
+                </a:solidFill>
+              </a:rPr>
+              <a:t>But it can lead to bias towards a specific country that occurs most frequently in the data</a:t>
+            </a:r>
+            <a:r>
+              <a:rPr lang="en-US" sz="1600" dirty="0" smtClean="0">
+                <a:solidFill>
+                  <a:schemeClr val="bg1"/>
+                </a:solidFill>
+              </a:rPr>
+              <a:t>. Hence I created </a:t>
+            </a:r>
+            <a:r>
+              <a:rPr lang="en-US" sz="1600" dirty="0">
+                <a:solidFill>
+                  <a:schemeClr val="bg1"/>
+                </a:solidFill>
+              </a:rPr>
+              <a:t>a new category </a:t>
+            </a:r>
+            <a:r>
+              <a:rPr lang="en-US" sz="1600" i="1" dirty="0" smtClean="0">
+                <a:solidFill>
+                  <a:schemeClr val="bg1"/>
+                </a:solidFill>
+              </a:rPr>
+              <a:t>‘others’</a:t>
+            </a:r>
+            <a:r>
+              <a:rPr lang="en-US" sz="1600" dirty="0" smtClean="0">
+                <a:solidFill>
+                  <a:schemeClr val="bg1"/>
+                </a:solidFill>
+              </a:rPr>
+              <a:t> </a:t>
+            </a:r>
+            <a:r>
+              <a:rPr lang="en-US" sz="1600" dirty="0">
+                <a:solidFill>
+                  <a:schemeClr val="bg1"/>
+                </a:solidFill>
+              </a:rPr>
+              <a:t>for missing </a:t>
+            </a:r>
+            <a:r>
+              <a:rPr lang="en-US" sz="1600" dirty="0" smtClean="0">
+                <a:solidFill>
+                  <a:schemeClr val="bg1"/>
+                </a:solidFill>
+              </a:rPr>
+              <a:t>values.</a:t>
+            </a:r>
+            <a:endParaRPr lang="en-IN" sz="1600" dirty="0" smtClean="0">
+              <a:solidFill>
+                <a:schemeClr val="bg1"/>
+              </a:solidFill>
+            </a:endParaRPr>
+          </a:p>
+        </p:txBody>
+      </p:sp>
+      <p:pic>
+        <p:nvPicPr>
+          <p:cNvPr id="3" name="Picture 2"/>
+          <p:cNvPicPr>
+            <a:picLocks noChangeAspect="1"/>
+          </p:cNvPicPr>
+          <p:nvPr/>
+        </p:nvPicPr>
+        <p:blipFill>
+          <a:blip r:embed="rId3"/>
+          <a:stretch>
+            <a:fillRect/>
+          </a:stretch>
+        </p:blipFill>
+        <p:spPr>
+          <a:xfrm>
+            <a:off x="6704645" y="1841082"/>
+            <a:ext cx="2152761" cy="1238314"/>
+          </a:xfrm>
+          <a:prstGeom prst="rect">
+            <a:avLst/>
+          </a:prstGeom>
+        </p:spPr>
+      </p:pic>
+    </p:spTree>
+    <p:extLst>
+      <p:ext uri="{BB962C8B-B14F-4D97-AF65-F5344CB8AC3E}">
+        <p14:creationId xmlns:p14="http://schemas.microsoft.com/office/powerpoint/2010/main" val="3929923656"/>
+      </p:ext>
+    </p:extLst>
+  </p:cSld>
+  <p:clrMapOvr>
+    <a:masterClrMapping/>
+  </p:clrMapOvr>
+</p:sld>
+</file>
+
+<file path=ppt/slides/slide5.xml><?xml version="1.0" encoding="utf-8"?>
+<p:sld xmlns:a="http://schemas.openxmlformats.org/drawingml/2006/main" xmlns:r="http://schemas.openxmlformats.org/officeDocument/2006/relationships" xmlns:p="http://schemas.openxmlformats.org/presentationml/2006/main">
+  <p:cSld>
+    <p:spTree>
+      <p:nvGrpSpPr>
+        <p:cNvPr id="1" name="Shape 59"/>
+        <p:cNvGrpSpPr/>
+        <p:nvPr/>
+      </p:nvGrpSpPr>
+      <p:grpSpPr>
+        <a:xfrm>
+          <a:off x="0" y="0"/>
+          <a:ext cx="0" cy="0"/>
+          <a:chOff x="0" y="0"/>
+          <a:chExt cx="0" cy="0"/>
+        </a:xfrm>
+      </p:grpSpPr>
+      <p:sp>
+        <p:nvSpPr>
+          <p:cNvPr id="60" name="Google Shape;60;p14"/>
+          <p:cNvSpPr txBox="1">
+            <a:spLocks noGrp="1"/>
+          </p:cNvSpPr>
+          <p:nvPr>
+            <p:ph type="ctrTitle"/>
+          </p:nvPr>
+        </p:nvSpPr>
+        <p:spPr>
+          <a:xfrm>
+            <a:off x="315751" y="516813"/>
+            <a:ext cx="8512500" cy="602413"/>
+          </a:xfrm>
+          <a:prstGeom prst="rect">
+            <a:avLst/>
+          </a:prstGeom>
+          <a:noFill/>
+          <a:ln>
+            <a:noFill/>
+          </a:ln>
+        </p:spPr>
+        <p:txBody>
+          <a:bodyPr spcFirstLastPara="1" wrap="square" lIns="91425" tIns="91425" rIns="91425" bIns="91425" anchor="b" anchorCtr="0">
+            <a:noAutofit/>
+          </a:bodyPr>
+          <a:lstStyle/>
+          <a:p>
+            <a:pPr marL="0" lvl="0" indent="0" algn="l" rtl="0">
+              <a:lnSpc>
+                <a:spcPct val="100000"/>
+              </a:lnSpc>
+              <a:spcBef>
+                <a:spcPts val="0"/>
+              </a:spcBef>
+              <a:spcAft>
+                <a:spcPts val="0"/>
+              </a:spcAft>
+              <a:buSzPts val="5200"/>
+              <a:buNone/>
+            </a:pPr>
+            <a:endParaRPr sz="4800" b="1" dirty="0">
+              <a:solidFill>
+                <a:schemeClr val="tx1"/>
+              </a:solidFill>
+              <a:latin typeface="Montserrat"/>
+              <a:ea typeface="Montserrat"/>
+              <a:cs typeface="Montserrat"/>
+              <a:sym typeface="Montserrat"/>
+            </a:endParaRPr>
+          </a:p>
+          <a:p>
+            <a:pPr marL="0" lvl="0" indent="0" algn="l" rtl="0">
+              <a:lnSpc>
+                <a:spcPct val="100000"/>
+              </a:lnSpc>
+              <a:spcBef>
+                <a:spcPts val="0"/>
+              </a:spcBef>
+              <a:spcAft>
+                <a:spcPts val="0"/>
+              </a:spcAft>
+              <a:buSzPts val="5200"/>
+              <a:buNone/>
+            </a:pPr>
+            <a:endParaRPr sz="4800" b="1" dirty="0">
+              <a:solidFill>
+                <a:schemeClr val="tx1"/>
+              </a:solidFill>
+              <a:latin typeface="Montserrat"/>
+              <a:ea typeface="Montserrat"/>
+              <a:cs typeface="Montserrat"/>
+              <a:sym typeface="Montserrat"/>
+            </a:endParaRPr>
+          </a:p>
+          <a:p>
+            <a:pPr marL="0" lvl="0" indent="0" algn="l" rtl="0">
+              <a:spcBef>
+                <a:spcPts val="0"/>
+              </a:spcBef>
+              <a:spcAft>
+                <a:spcPts val="0"/>
+              </a:spcAft>
+              <a:buSzPts val="5200"/>
+              <a:buNone/>
+            </a:pPr>
+            <a:endParaRPr sz="2400" b="1" dirty="0">
+              <a:solidFill>
+                <a:schemeClr val="tx1"/>
+              </a:solidFill>
+              <a:latin typeface="Montserrat"/>
+              <a:ea typeface="Montserrat"/>
+              <a:cs typeface="Montserrat"/>
+              <a:sym typeface="Montserrat"/>
+            </a:endParaRPr>
+          </a:p>
+          <a:p>
+            <a:pPr lvl="0" algn="l" rtl="0">
+              <a:spcBef>
+                <a:spcPts val="0"/>
+              </a:spcBef>
+              <a:spcAft>
+                <a:spcPts val="0"/>
+              </a:spcAft>
+              <a:buSzPts val="5200"/>
+            </a:pPr>
+            <a:r>
+              <a:rPr lang="en-IN" sz="2400" b="1" dirty="0" smtClean="0">
+                <a:solidFill>
+                  <a:schemeClr val="tx1"/>
+                </a:solidFill>
+                <a:latin typeface="Montserrat"/>
+                <a:ea typeface="Montserrat"/>
+                <a:cs typeface="Montserrat"/>
+                <a:sym typeface="Montserrat"/>
+              </a:rPr>
+              <a:t>Data </a:t>
+            </a:r>
+            <a:r>
+              <a:rPr lang="en-IN" sz="2400" b="1" dirty="0" smtClean="0">
+                <a:solidFill>
+                  <a:schemeClr val="tx1"/>
+                </a:solidFill>
+                <a:latin typeface="Montserrat"/>
+                <a:ea typeface="Montserrat"/>
+                <a:cs typeface="Montserrat"/>
+                <a:sym typeface="Montserrat"/>
+              </a:rPr>
+              <a:t>Preparation &amp; Cleaning</a:t>
+            </a:r>
+            <a:endParaRPr sz="2800" b="1" dirty="0">
+              <a:solidFill>
+                <a:schemeClr val="tx1"/>
+              </a:solidFill>
+              <a:latin typeface="Montserrat"/>
+              <a:ea typeface="Montserrat"/>
+              <a:cs typeface="Montserrat"/>
+              <a:sym typeface="Montserrat"/>
+            </a:endParaRPr>
+          </a:p>
+        </p:txBody>
+      </p:sp>
+      <p:sp>
+        <p:nvSpPr>
+          <p:cNvPr id="2" name="TextBox 1"/>
+          <p:cNvSpPr txBox="1"/>
+          <p:nvPr/>
+        </p:nvSpPr>
+        <p:spPr>
+          <a:xfrm>
+            <a:off x="530353" y="1119226"/>
+            <a:ext cx="8083296" cy="3416320"/>
+          </a:xfrm>
+          <a:prstGeom prst="rect">
+            <a:avLst/>
+          </a:prstGeom>
+          <a:noFill/>
+        </p:spPr>
+        <p:txBody>
+          <a:bodyPr wrap="square" rtlCol="0">
+            <a:spAutoFit/>
+          </a:bodyPr>
+          <a:lstStyle/>
+          <a:p>
+            <a:pPr marL="285750" indent="-285750">
+              <a:lnSpc>
+                <a:spcPct val="150000"/>
+              </a:lnSpc>
+              <a:buFont typeface="Arial" panose="020B0604020202020204" pitchFamily="34" charset="0"/>
+              <a:buChar char="•"/>
+            </a:pPr>
+            <a:r>
+              <a:rPr lang="en-IN" sz="1600" dirty="0" smtClean="0">
+                <a:solidFill>
+                  <a:schemeClr val="bg1"/>
+                </a:solidFill>
+              </a:rPr>
+              <a:t>There were 166 rows with 0 adults, children and babies which seems unlikely hence dropped them.</a:t>
+            </a:r>
+          </a:p>
+          <a:p>
+            <a:pPr marL="285750" indent="-285750">
+              <a:lnSpc>
+                <a:spcPct val="150000"/>
+              </a:lnSpc>
+              <a:buFont typeface="Arial" panose="020B0604020202020204" pitchFamily="34" charset="0"/>
+              <a:buChar char="•"/>
+            </a:pPr>
+            <a:r>
+              <a:rPr lang="en-US" sz="1600" dirty="0" smtClean="0">
+                <a:solidFill>
+                  <a:schemeClr val="bg1"/>
+                </a:solidFill>
+              </a:rPr>
+              <a:t>Created </a:t>
+            </a:r>
+            <a:r>
+              <a:rPr lang="en-US" sz="1600" dirty="0">
+                <a:solidFill>
+                  <a:schemeClr val="bg1"/>
+                </a:solidFill>
+              </a:rPr>
+              <a:t>new column for </a:t>
+            </a:r>
+            <a:r>
+              <a:rPr lang="en-US" sz="1600" i="1" dirty="0">
+                <a:solidFill>
+                  <a:schemeClr val="bg1"/>
+                </a:solidFill>
+              </a:rPr>
+              <a:t>total_guest = (adults + children</a:t>
+            </a:r>
+            <a:r>
+              <a:rPr lang="en-US" sz="1600" i="1" dirty="0" smtClean="0">
+                <a:solidFill>
+                  <a:schemeClr val="bg1"/>
+                </a:solidFill>
+              </a:rPr>
+              <a:t>)</a:t>
+            </a:r>
+            <a:r>
+              <a:rPr lang="en-US" sz="1600" dirty="0" smtClean="0">
+                <a:solidFill>
+                  <a:schemeClr val="bg1"/>
+                </a:solidFill>
+              </a:rPr>
+              <a:t>. Ignored </a:t>
+            </a:r>
+            <a:r>
+              <a:rPr lang="en-US" sz="1600" dirty="0">
+                <a:solidFill>
+                  <a:schemeClr val="bg1"/>
+                </a:solidFill>
+              </a:rPr>
+              <a:t>babies </a:t>
+            </a:r>
+            <a:r>
+              <a:rPr lang="en-US" sz="1600" dirty="0" smtClean="0">
+                <a:solidFill>
+                  <a:schemeClr val="bg1"/>
+                </a:solidFill>
+              </a:rPr>
+              <a:t>because </a:t>
+            </a:r>
+            <a:r>
+              <a:rPr lang="en-US" sz="1600" dirty="0">
+                <a:solidFill>
+                  <a:schemeClr val="bg1"/>
+                </a:solidFill>
+              </a:rPr>
+              <a:t>generally they are not </a:t>
+            </a:r>
+            <a:r>
+              <a:rPr lang="en-US" sz="1600" dirty="0" smtClean="0">
+                <a:solidFill>
+                  <a:schemeClr val="bg1"/>
+                </a:solidFill>
+              </a:rPr>
+              <a:t>charged.</a:t>
+            </a:r>
+          </a:p>
+          <a:p>
+            <a:pPr marL="285750" indent="-285750">
+              <a:lnSpc>
+                <a:spcPct val="150000"/>
+              </a:lnSpc>
+              <a:buFont typeface="Arial" panose="020B0604020202020204" pitchFamily="34" charset="0"/>
+              <a:buChar char="•"/>
+            </a:pPr>
+            <a:r>
+              <a:rPr lang="en-US" sz="1600" dirty="0" smtClean="0">
+                <a:solidFill>
+                  <a:schemeClr val="bg1"/>
+                </a:solidFill>
+              </a:rPr>
+              <a:t>Some values in ‘</a:t>
+            </a:r>
+            <a:r>
+              <a:rPr lang="en-US" sz="1600" dirty="0">
+                <a:solidFill>
+                  <a:schemeClr val="bg1"/>
+                </a:solidFill>
+              </a:rPr>
+              <a:t>adr’ </a:t>
+            </a:r>
+            <a:r>
+              <a:rPr lang="en-US" sz="1600" dirty="0" smtClean="0">
+                <a:solidFill>
+                  <a:schemeClr val="bg1"/>
+                </a:solidFill>
+              </a:rPr>
+              <a:t>was </a:t>
+            </a:r>
+            <a:r>
+              <a:rPr lang="en-US" sz="1600" dirty="0">
+                <a:solidFill>
+                  <a:schemeClr val="bg1"/>
+                </a:solidFill>
+              </a:rPr>
+              <a:t>negative, which must be an error </a:t>
+            </a:r>
+            <a:r>
+              <a:rPr lang="en-US" sz="1600" dirty="0" smtClean="0">
+                <a:solidFill>
+                  <a:schemeClr val="bg1"/>
+                </a:solidFill>
+              </a:rPr>
+              <a:t>so imputed </a:t>
+            </a:r>
+            <a:r>
+              <a:rPr lang="en-US" sz="1600" dirty="0">
+                <a:solidFill>
+                  <a:schemeClr val="bg1"/>
+                </a:solidFill>
+              </a:rPr>
+              <a:t>them with median since it </a:t>
+            </a:r>
+            <a:r>
+              <a:rPr lang="en-US" sz="1600" dirty="0" smtClean="0">
+                <a:solidFill>
+                  <a:schemeClr val="bg1"/>
+                </a:solidFill>
+              </a:rPr>
+              <a:t>was a </a:t>
+            </a:r>
+            <a:r>
+              <a:rPr lang="en-US" sz="1600" dirty="0">
+                <a:solidFill>
+                  <a:schemeClr val="bg1"/>
+                </a:solidFill>
+              </a:rPr>
+              <a:t>skewed </a:t>
+            </a:r>
+            <a:r>
+              <a:rPr lang="en-US" sz="1600" dirty="0" smtClean="0">
+                <a:solidFill>
+                  <a:schemeClr val="bg1"/>
+                </a:solidFill>
+              </a:rPr>
+              <a:t>data.</a:t>
+            </a:r>
+          </a:p>
+          <a:p>
+            <a:pPr marL="285750" indent="-285750">
+              <a:lnSpc>
+                <a:spcPct val="150000"/>
+              </a:lnSpc>
+              <a:buFont typeface="Arial" panose="020B0604020202020204" pitchFamily="34" charset="0"/>
+              <a:buChar char="•"/>
+            </a:pPr>
+            <a:r>
+              <a:rPr lang="en-US" sz="1600" dirty="0">
+                <a:solidFill>
+                  <a:schemeClr val="bg1"/>
+                </a:solidFill>
+              </a:rPr>
+              <a:t>Created new column for </a:t>
+            </a:r>
+            <a:r>
+              <a:rPr lang="en-US" sz="1600" i="1" dirty="0" smtClean="0">
+                <a:solidFill>
+                  <a:schemeClr val="bg1"/>
+                </a:solidFill>
+              </a:rPr>
+              <a:t>total_stays_night </a:t>
+            </a:r>
+            <a:r>
+              <a:rPr lang="en-US" sz="1600" i="1" dirty="0">
+                <a:solidFill>
+                  <a:schemeClr val="bg1"/>
+                </a:solidFill>
+              </a:rPr>
+              <a:t>= </a:t>
+            </a:r>
+            <a:r>
+              <a:rPr lang="en-US" sz="1600" i="1" dirty="0" smtClean="0">
+                <a:solidFill>
+                  <a:schemeClr val="bg1"/>
+                </a:solidFill>
+              </a:rPr>
+              <a:t>(weekend_nights </a:t>
+            </a:r>
+            <a:r>
+              <a:rPr lang="en-US" sz="1600" i="1" dirty="0">
+                <a:solidFill>
+                  <a:schemeClr val="bg1"/>
+                </a:solidFill>
+              </a:rPr>
+              <a:t>+ </a:t>
+            </a:r>
+            <a:r>
+              <a:rPr lang="en-US" sz="1600" i="1" dirty="0" smtClean="0">
+                <a:solidFill>
+                  <a:schemeClr val="bg1"/>
+                </a:solidFill>
+              </a:rPr>
+              <a:t>week_nights)</a:t>
+            </a:r>
+            <a:r>
+              <a:rPr lang="en-US" sz="1600" dirty="0" smtClean="0">
+                <a:solidFill>
+                  <a:schemeClr val="bg1"/>
+                </a:solidFill>
+              </a:rPr>
+              <a:t> </a:t>
+            </a:r>
+            <a:r>
+              <a:rPr lang="en-US" sz="1600" dirty="0">
+                <a:solidFill>
+                  <a:schemeClr val="bg1"/>
+                </a:solidFill>
+              </a:rPr>
+              <a:t>to </a:t>
+            </a:r>
+            <a:r>
+              <a:rPr lang="en-US" sz="1600" dirty="0" smtClean="0">
+                <a:solidFill>
+                  <a:schemeClr val="bg1"/>
+                </a:solidFill>
+              </a:rPr>
+              <a:t>analyze average </a:t>
+            </a:r>
+            <a:r>
+              <a:rPr lang="en-US" sz="1600" dirty="0">
+                <a:solidFill>
+                  <a:schemeClr val="bg1"/>
+                </a:solidFill>
+              </a:rPr>
+              <a:t>length of stay</a:t>
+            </a:r>
+            <a:r>
+              <a:rPr lang="en-US" sz="1600" dirty="0" smtClean="0">
+                <a:solidFill>
+                  <a:schemeClr val="bg1"/>
+                </a:solidFill>
+              </a:rPr>
+              <a:t>.</a:t>
+            </a:r>
+          </a:p>
+          <a:p>
+            <a:pPr marL="285750" indent="-285750">
+              <a:lnSpc>
+                <a:spcPct val="150000"/>
+              </a:lnSpc>
+              <a:buFont typeface="Arial" panose="020B0604020202020204" pitchFamily="34" charset="0"/>
+              <a:buChar char="•"/>
+            </a:pPr>
+            <a:r>
+              <a:rPr lang="en-US" sz="1600" dirty="0" smtClean="0">
+                <a:solidFill>
+                  <a:schemeClr val="bg1"/>
+                </a:solidFill>
+              </a:rPr>
+              <a:t>Assigned appropriate data types for some columns.</a:t>
+            </a:r>
+            <a:endParaRPr lang="en-IN" sz="1600" dirty="0" smtClean="0">
+              <a:solidFill>
+                <a:schemeClr val="bg1"/>
+              </a:solidFill>
+            </a:endParaRPr>
+          </a:p>
+        </p:txBody>
+      </p:sp>
+    </p:spTree>
+    <p:extLst>
+      <p:ext uri="{BB962C8B-B14F-4D97-AF65-F5344CB8AC3E}">
+        <p14:creationId xmlns:p14="http://schemas.microsoft.com/office/powerpoint/2010/main" val="1380326077"/>
+      </p:ext>
+    </p:extLst>
+  </p:cSld>
+  <p:clrMapOvr>
+    <a:masterClrMapping/>
+  </p:clrMapOvr>
+</p:sld>
+</file>
+
+<file path=ppt/slides/slide6.xml><?xml version="1.0" encoding="utf-8"?>
 <p:sld xmlns:a="http://schemas.openxmlformats.org/drawingml/2006/main" xmlns:r="http://schemas.openxmlformats.org/officeDocument/2006/relationships" xmlns:p="http://schemas.openxmlformats.org/presentationml/2006/main">
   <p:cSld>
     <p:spTree>
@@ -18323,510 +20499,6 @@
 </p:sld>
 </file>
 
-<file path=ppt/slides/slide5.xml><?xml version="1.0" encoding="utf-8"?>
-<p:sld xmlns:a="http://schemas.openxmlformats.org/drawingml/2006/main" xmlns:r="http://schemas.openxmlformats.org/officeDocument/2006/relationships" xmlns:p="http://schemas.openxmlformats.org/presentationml/2006/main">
-  <p:cSld>
-    <p:spTree>
-      <p:nvGrpSpPr>
-        <p:cNvPr id="1" name="Shape 59"/>
-        <p:cNvGrpSpPr/>
-        <p:nvPr/>
-      </p:nvGrpSpPr>
-      <p:grpSpPr>
-        <a:xfrm>
-          <a:off x="0" y="0"/>
-          <a:ext cx="0" cy="0"/>
-          <a:chOff x="0" y="0"/>
-          <a:chExt cx="0" cy="0"/>
-        </a:xfrm>
-      </p:grpSpPr>
-      <p:sp>
-        <p:nvSpPr>
-          <p:cNvPr id="60" name="Google Shape;60;p14"/>
-          <p:cNvSpPr txBox="1">
-            <a:spLocks noGrp="1"/>
-          </p:cNvSpPr>
-          <p:nvPr>
-            <p:ph type="ctrTitle"/>
-          </p:nvPr>
-        </p:nvSpPr>
-        <p:spPr>
-          <a:xfrm>
-            <a:off x="315751" y="516813"/>
-            <a:ext cx="8512500" cy="602413"/>
-          </a:xfrm>
-          <a:prstGeom prst="rect">
-            <a:avLst/>
-          </a:prstGeom>
-          <a:noFill/>
-          <a:ln>
-            <a:noFill/>
-          </a:ln>
-        </p:spPr>
-        <p:txBody>
-          <a:bodyPr spcFirstLastPara="1" wrap="square" lIns="91425" tIns="91425" rIns="91425" bIns="91425" anchor="b" anchorCtr="0">
-            <a:noAutofit/>
-          </a:bodyPr>
-          <a:lstStyle/>
-          <a:p>
-            <a:pPr marL="0" lvl="0" indent="0" algn="l" rtl="0">
-              <a:lnSpc>
-                <a:spcPct val="100000"/>
-              </a:lnSpc>
-              <a:spcBef>
-                <a:spcPts val="0"/>
-              </a:spcBef>
-              <a:spcAft>
-                <a:spcPts val="0"/>
-              </a:spcAft>
-              <a:buSzPts val="5200"/>
-              <a:buNone/>
-            </a:pPr>
-            <a:endParaRPr sz="4800" b="1" dirty="0">
-              <a:solidFill>
-                <a:schemeClr val="tx1"/>
-              </a:solidFill>
-              <a:latin typeface="Montserrat"/>
-              <a:ea typeface="Montserrat"/>
-              <a:cs typeface="Montserrat"/>
-              <a:sym typeface="Montserrat"/>
-            </a:endParaRPr>
-          </a:p>
-          <a:p>
-            <a:pPr marL="0" lvl="0" indent="0" algn="l" rtl="0">
-              <a:lnSpc>
-                <a:spcPct val="100000"/>
-              </a:lnSpc>
-              <a:spcBef>
-                <a:spcPts val="0"/>
-              </a:spcBef>
-              <a:spcAft>
-                <a:spcPts val="0"/>
-              </a:spcAft>
-              <a:buSzPts val="5200"/>
-              <a:buNone/>
-            </a:pPr>
-            <a:endParaRPr sz="4800" b="1" dirty="0">
-              <a:solidFill>
-                <a:schemeClr val="tx1"/>
-              </a:solidFill>
-              <a:latin typeface="Montserrat"/>
-              <a:ea typeface="Montserrat"/>
-              <a:cs typeface="Montserrat"/>
-              <a:sym typeface="Montserrat"/>
-            </a:endParaRPr>
-          </a:p>
-          <a:p>
-            <a:pPr marL="0" lvl="0" indent="0" algn="l" rtl="0">
-              <a:spcBef>
-                <a:spcPts val="0"/>
-              </a:spcBef>
-              <a:spcAft>
-                <a:spcPts val="0"/>
-              </a:spcAft>
-              <a:buSzPts val="5200"/>
-              <a:buNone/>
-            </a:pPr>
-            <a:endParaRPr sz="2400" b="1" dirty="0">
-              <a:solidFill>
-                <a:schemeClr val="tx1"/>
-              </a:solidFill>
-              <a:latin typeface="Montserrat"/>
-              <a:ea typeface="Montserrat"/>
-              <a:cs typeface="Montserrat"/>
-              <a:sym typeface="Montserrat"/>
-            </a:endParaRPr>
-          </a:p>
-          <a:p>
-            <a:pPr lvl="0" algn="l" rtl="0">
-              <a:spcBef>
-                <a:spcPts val="0"/>
-              </a:spcBef>
-              <a:spcAft>
-                <a:spcPts val="0"/>
-              </a:spcAft>
-              <a:buSzPts val="5200"/>
-            </a:pPr>
-            <a:r>
-              <a:rPr lang="en-IN" sz="2400" b="1" dirty="0" smtClean="0">
-                <a:solidFill>
-                  <a:schemeClr val="tx1"/>
-                </a:solidFill>
-                <a:latin typeface="Montserrat"/>
-                <a:ea typeface="Montserrat"/>
-                <a:cs typeface="Montserrat"/>
-                <a:sym typeface="Montserrat"/>
-              </a:rPr>
-              <a:t>Cancellations</a:t>
-            </a:r>
-            <a:endParaRPr sz="2800" b="1" dirty="0">
-              <a:solidFill>
-                <a:schemeClr val="tx1"/>
-              </a:solidFill>
-              <a:latin typeface="Montserrat"/>
-              <a:ea typeface="Montserrat"/>
-              <a:cs typeface="Montserrat"/>
-              <a:sym typeface="Montserrat"/>
-            </a:endParaRPr>
-          </a:p>
-        </p:txBody>
-      </p:sp>
-      <p:sp>
-        <p:nvSpPr>
-          <p:cNvPr id="5" name="TextBox 4"/>
-          <p:cNvSpPr txBox="1"/>
-          <p:nvPr/>
-        </p:nvSpPr>
-        <p:spPr>
-          <a:xfrm>
-            <a:off x="541446" y="2176556"/>
-            <a:ext cx="3792662" cy="1200329"/>
-          </a:xfrm>
-          <a:prstGeom prst="rect">
-            <a:avLst/>
-          </a:prstGeom>
-          <a:noFill/>
-        </p:spPr>
-        <p:txBody>
-          <a:bodyPr wrap="square" rtlCol="0">
-            <a:spAutoFit/>
-          </a:bodyPr>
-          <a:lstStyle/>
-          <a:p>
-            <a:pPr>
-              <a:lnSpc>
-                <a:spcPct val="150000"/>
-              </a:lnSpc>
-            </a:pPr>
-            <a:r>
-              <a:rPr lang="en-IN" sz="1600" dirty="0" smtClean="0">
-                <a:solidFill>
-                  <a:schemeClr val="bg1"/>
-                </a:solidFill>
-              </a:rPr>
-              <a:t>Out of all the bookings, 28% of them was cancelled and 72% was not cancelled.</a:t>
-            </a:r>
-            <a:endParaRPr lang="en-IN" sz="1600" dirty="0">
-              <a:solidFill>
-                <a:schemeClr val="bg1"/>
-              </a:solidFill>
-            </a:endParaRPr>
-          </a:p>
-        </p:txBody>
-      </p:sp>
-      <p:pic>
-        <p:nvPicPr>
-          <p:cNvPr id="3" name="Picture 2"/>
-          <p:cNvPicPr>
-            <a:picLocks noChangeAspect="1"/>
-          </p:cNvPicPr>
-          <p:nvPr/>
-        </p:nvPicPr>
-        <p:blipFill>
-          <a:blip r:embed="rId3"/>
-          <a:stretch>
-            <a:fillRect/>
-          </a:stretch>
-        </p:blipFill>
-        <p:spPr>
-          <a:xfrm>
-            <a:off x="5002488" y="1173783"/>
-            <a:ext cx="3825763" cy="3205877"/>
-          </a:xfrm>
-          <a:prstGeom prst="rect">
-            <a:avLst/>
-          </a:prstGeom>
-        </p:spPr>
-      </p:pic>
-    </p:spTree>
-    <p:extLst>
-      <p:ext uri="{BB962C8B-B14F-4D97-AF65-F5344CB8AC3E}">
-        <p14:creationId xmlns:p14="http://schemas.microsoft.com/office/powerpoint/2010/main" val="3470421394"/>
-      </p:ext>
-    </p:extLst>
-  </p:cSld>
-  <p:clrMapOvr>
-    <a:masterClrMapping/>
-  </p:clrMapOvr>
-</p:sld>
-</file>
-
-<file path=ppt/slides/slide6.xml><?xml version="1.0" encoding="utf-8"?>
-<p:sld xmlns:a="http://schemas.openxmlformats.org/drawingml/2006/main" xmlns:r="http://schemas.openxmlformats.org/officeDocument/2006/relationships" xmlns:p="http://schemas.openxmlformats.org/presentationml/2006/main">
-  <p:cSld>
-    <p:spTree>
-      <p:nvGrpSpPr>
-        <p:cNvPr id="1" name="Shape 59"/>
-        <p:cNvGrpSpPr/>
-        <p:nvPr/>
-      </p:nvGrpSpPr>
-      <p:grpSpPr>
-        <a:xfrm>
-          <a:off x="0" y="0"/>
-          <a:ext cx="0" cy="0"/>
-          <a:chOff x="0" y="0"/>
-          <a:chExt cx="0" cy="0"/>
-        </a:xfrm>
-      </p:grpSpPr>
-      <p:sp>
-        <p:nvSpPr>
-          <p:cNvPr id="60" name="Google Shape;60;p14"/>
-          <p:cNvSpPr txBox="1">
-            <a:spLocks noGrp="1"/>
-          </p:cNvSpPr>
-          <p:nvPr>
-            <p:ph type="ctrTitle"/>
-          </p:nvPr>
-        </p:nvSpPr>
-        <p:spPr>
-          <a:xfrm>
-            <a:off x="315751" y="516813"/>
-            <a:ext cx="8512500" cy="602413"/>
-          </a:xfrm>
-          <a:prstGeom prst="rect">
-            <a:avLst/>
-          </a:prstGeom>
-          <a:noFill/>
-          <a:ln>
-            <a:noFill/>
-          </a:ln>
-        </p:spPr>
-        <p:txBody>
-          <a:bodyPr spcFirstLastPara="1" wrap="square" lIns="91425" tIns="91425" rIns="91425" bIns="91425" anchor="b" anchorCtr="0">
-            <a:noAutofit/>
-          </a:bodyPr>
-          <a:lstStyle/>
-          <a:p>
-            <a:pPr marL="0" lvl="0" indent="0" algn="l" rtl="0">
-              <a:lnSpc>
-                <a:spcPct val="100000"/>
-              </a:lnSpc>
-              <a:spcBef>
-                <a:spcPts val="0"/>
-              </a:spcBef>
-              <a:spcAft>
-                <a:spcPts val="0"/>
-              </a:spcAft>
-              <a:buSzPts val="5200"/>
-              <a:buNone/>
-            </a:pPr>
-            <a:endParaRPr sz="4800" b="1" dirty="0">
-              <a:solidFill>
-                <a:schemeClr val="tx1"/>
-              </a:solidFill>
-              <a:latin typeface="Montserrat"/>
-              <a:ea typeface="Montserrat"/>
-              <a:cs typeface="Montserrat"/>
-              <a:sym typeface="Montserrat"/>
-            </a:endParaRPr>
-          </a:p>
-          <a:p>
-            <a:pPr marL="0" lvl="0" indent="0" algn="l" rtl="0">
-              <a:lnSpc>
-                <a:spcPct val="100000"/>
-              </a:lnSpc>
-              <a:spcBef>
-                <a:spcPts val="0"/>
-              </a:spcBef>
-              <a:spcAft>
-                <a:spcPts val="0"/>
-              </a:spcAft>
-              <a:buSzPts val="5200"/>
-              <a:buNone/>
-            </a:pPr>
-            <a:endParaRPr sz="4800" b="1" dirty="0">
-              <a:solidFill>
-                <a:schemeClr val="tx1"/>
-              </a:solidFill>
-              <a:latin typeface="Montserrat"/>
-              <a:ea typeface="Montserrat"/>
-              <a:cs typeface="Montserrat"/>
-              <a:sym typeface="Montserrat"/>
-            </a:endParaRPr>
-          </a:p>
-          <a:p>
-            <a:pPr marL="0" lvl="0" indent="0" algn="l" rtl="0">
-              <a:spcBef>
-                <a:spcPts val="0"/>
-              </a:spcBef>
-              <a:spcAft>
-                <a:spcPts val="0"/>
-              </a:spcAft>
-              <a:buSzPts val="5200"/>
-              <a:buNone/>
-            </a:pPr>
-            <a:endParaRPr sz="2400" b="1" dirty="0">
-              <a:solidFill>
-                <a:schemeClr val="tx1"/>
-              </a:solidFill>
-              <a:latin typeface="Montserrat"/>
-              <a:ea typeface="Montserrat"/>
-              <a:cs typeface="Montserrat"/>
-              <a:sym typeface="Montserrat"/>
-            </a:endParaRPr>
-          </a:p>
-          <a:p>
-            <a:pPr lvl="0" algn="l" rtl="0">
-              <a:spcBef>
-                <a:spcPts val="0"/>
-              </a:spcBef>
-              <a:spcAft>
-                <a:spcPts val="0"/>
-              </a:spcAft>
-              <a:buSzPts val="5200"/>
-            </a:pPr>
-            <a:r>
-              <a:rPr lang="en-IN" sz="2400" b="1" dirty="0" smtClean="0">
-                <a:solidFill>
-                  <a:schemeClr val="tx1"/>
-                </a:solidFill>
-                <a:latin typeface="Montserrat"/>
-                <a:ea typeface="Montserrat"/>
-                <a:cs typeface="Montserrat"/>
-                <a:sym typeface="Montserrat"/>
-              </a:rPr>
-              <a:t>Cancellations by Deposit Type</a:t>
-            </a:r>
-            <a:endParaRPr sz="2800" b="1" dirty="0">
-              <a:solidFill>
-                <a:schemeClr val="tx1"/>
-              </a:solidFill>
-              <a:latin typeface="Montserrat"/>
-              <a:ea typeface="Montserrat"/>
-              <a:cs typeface="Montserrat"/>
-              <a:sym typeface="Montserrat"/>
-            </a:endParaRPr>
-          </a:p>
-        </p:txBody>
-      </p:sp>
-      <p:sp>
-        <p:nvSpPr>
-          <p:cNvPr id="5" name="TextBox 4"/>
-          <p:cNvSpPr txBox="1"/>
-          <p:nvPr/>
-        </p:nvSpPr>
-        <p:spPr>
-          <a:xfrm>
-            <a:off x="315751" y="3988668"/>
-            <a:ext cx="8512499" cy="830997"/>
-          </a:xfrm>
-          <a:prstGeom prst="rect">
-            <a:avLst/>
-          </a:prstGeom>
-          <a:noFill/>
-        </p:spPr>
-        <p:txBody>
-          <a:bodyPr wrap="square" rtlCol="0">
-            <a:spAutoFit/>
-          </a:bodyPr>
-          <a:lstStyle/>
-          <a:p>
-            <a:pPr>
-              <a:lnSpc>
-                <a:spcPct val="150000"/>
-              </a:lnSpc>
-            </a:pPr>
-            <a:r>
-              <a:rPr lang="en-US" sz="1600" dirty="0" smtClean="0">
-                <a:solidFill>
-                  <a:schemeClr val="bg1"/>
-                </a:solidFill>
-              </a:rPr>
-              <a:t>Around 1/4</a:t>
-            </a:r>
-            <a:r>
-              <a:rPr lang="en-US" sz="1600" baseline="30000" dirty="0" smtClean="0">
-                <a:solidFill>
-                  <a:schemeClr val="bg1"/>
-                </a:solidFill>
-              </a:rPr>
-              <a:t>th</a:t>
-            </a:r>
-            <a:r>
-              <a:rPr lang="en-US" sz="1600" dirty="0" smtClean="0">
-                <a:solidFill>
-                  <a:schemeClr val="bg1"/>
-                </a:solidFill>
-              </a:rPr>
-              <a:t> of bookings were cancelled </a:t>
-            </a:r>
-            <a:r>
-              <a:rPr lang="en-US" sz="1600" dirty="0">
-                <a:solidFill>
-                  <a:schemeClr val="bg1"/>
-                </a:solidFill>
-              </a:rPr>
-              <a:t>where customer will get the money </a:t>
-            </a:r>
-            <a:r>
-              <a:rPr lang="en-US" sz="1600" dirty="0" smtClean="0">
-                <a:solidFill>
-                  <a:schemeClr val="bg1"/>
-                </a:solidFill>
-              </a:rPr>
-              <a:t>back. Only 5% </a:t>
-            </a:r>
-            <a:r>
-              <a:rPr lang="en-US" sz="1600" dirty="0">
-                <a:solidFill>
-                  <a:schemeClr val="bg1"/>
-                </a:solidFill>
-              </a:rPr>
-              <a:t>cancels their bookings when they can't get their money </a:t>
-            </a:r>
-            <a:r>
-              <a:rPr lang="en-US" sz="1600" dirty="0" smtClean="0">
-                <a:solidFill>
-                  <a:schemeClr val="bg1"/>
-                </a:solidFill>
-              </a:rPr>
-              <a:t>back.</a:t>
-            </a:r>
-            <a:endParaRPr lang="en-IN" sz="1600" dirty="0">
-              <a:solidFill>
-                <a:schemeClr val="bg1"/>
-              </a:solidFill>
-            </a:endParaRPr>
-          </a:p>
-        </p:txBody>
-      </p:sp>
-      <p:pic>
-        <p:nvPicPr>
-          <p:cNvPr id="4" name="Picture 3"/>
-          <p:cNvPicPr>
-            <a:picLocks noChangeAspect="1"/>
-          </p:cNvPicPr>
-          <p:nvPr/>
-        </p:nvPicPr>
-        <p:blipFill>
-          <a:blip r:embed="rId3"/>
-          <a:stretch>
-            <a:fillRect/>
-          </a:stretch>
-        </p:blipFill>
-        <p:spPr>
-          <a:xfrm>
-            <a:off x="650745" y="1214978"/>
-            <a:ext cx="7842511" cy="2773690"/>
-          </a:xfrm>
-          <a:prstGeom prst="rect">
-            <a:avLst/>
-          </a:prstGeom>
-        </p:spPr>
-      </p:pic>
-    </p:spTree>
-    <p:extLst>
-      <p:ext uri="{BB962C8B-B14F-4D97-AF65-F5344CB8AC3E}">
-        <p14:creationId xmlns:p14="http://schemas.microsoft.com/office/powerpoint/2010/main" val="1456115297"/>
-      </p:ext>
-    </p:extLst>
-  </p:cSld>
-  <p:clrMapOvr>
-    <a:masterClrMapping/>
-  </p:clrMapOvr>
-</p:sld>
-</file>
-
 <file path=ppt/slides/slide7.xml><?xml version="1.0" encoding="utf-8"?>
 <p:sld xmlns:a="http://schemas.openxmlformats.org/drawingml/2006/main" xmlns:r="http://schemas.openxmlformats.org/officeDocument/2006/relationships" xmlns:p="http://schemas.openxmlformats.org/presentationml/2006/main">
   <p:cSld>
@@ -18961,7 +20633,7 @@
                 <a:cs typeface="Montserrat"/>
                 <a:sym typeface="Montserrat"/>
               </a:rPr>
-              <a:t>Lead Time vs Cancellations</a:t>
+              <a:t>Cancellations</a:t>
             </a:r>
             <a:endParaRPr sz="2800" b="1" dirty="0">
               <a:solidFill>
@@ -18977,14 +20649,14 @@
       </p:sp>
       <p:sp>
         <p:nvSpPr>
-          <p:cNvPr id="8" name="TextBox 7"/>
+          <p:cNvPr id="5" name="TextBox 4"/>
           <p:cNvSpPr txBox="1"/>
           <p:nvPr/>
         </p:nvSpPr>
         <p:spPr>
           <a:xfrm>
-            <a:off x="446470" y="1916820"/>
-            <a:ext cx="2567631" cy="1893339"/>
+            <a:off x="541446" y="2176556"/>
+            <a:ext cx="3792662" cy="1200329"/>
           </a:xfrm>
           <a:prstGeom prst="rect">
             <a:avLst/>
@@ -19003,12 +20675,12 @@
               </a:lnSpc>
             </a:pPr>
             <a:r>
-              <a:rPr lang="en-US" sz="1600" dirty="0">
+              <a:rPr lang="en-IN" sz="1600" dirty="0" smtClean="0">
                 <a:solidFill>
                   <a:schemeClr val="bg1"/>
                 </a:solidFill>
               </a:rPr>
-              <a:t>Bookings having less lead time are less often cancelled whereas high lead time bookings are more often cancelled.</a:t>
+              <a:t>Out of all the bookings, 28% of them was cancelled and 72% was not cancelled.</a:t>
             </a:r>
             <a:endParaRPr lang="en-IN" sz="1600" dirty="0">
               <a:solidFill>
@@ -19034,8 +20706,8 @@
         </p:blipFill>
         <p:spPr>
           <a:xfrm>
-            <a:off x="3211551" y="1333608"/>
-            <a:ext cx="5691041" cy="3059764"/>
+            <a:off x="5002488" y="1173783"/>
+            <a:ext cx="3825763" cy="3205877"/>
           </a:xfrm>
           <a:prstGeom prst="rect">
             <a:avLst/>
@@ -19045,7 +20717,7 @@
     </p:spTree>
     <p:extLst>
       <p:ext uri="{BB962C8B-B14F-4D97-AF65-F5344CB8AC3E}">
-        <p14:creationId xmlns:p14="http://schemas.microsoft.com/office/powerpoint/2010/main" val="3658158790"/>
+        <p14:creationId xmlns:p14="http://schemas.microsoft.com/office/powerpoint/2010/main" val="3470421394"/>
       </p:ext>
     </p:extLst>
   </p:cSld>
@@ -19189,7 +20861,7 @@
                 <a:cs typeface="Montserrat"/>
                 <a:sym typeface="Montserrat"/>
               </a:rPr>
-              <a:t>Monthly Bookings</a:t>
+              <a:t>Cancellations by Deposit Type</a:t>
             </a:r>
             <a:endParaRPr sz="2800" b="1" dirty="0">
               <a:solidFill>
@@ -19205,14 +20877,14 @@
       </p:sp>
       <p:sp>
         <p:nvSpPr>
-          <p:cNvPr id="8" name="TextBox 7"/>
+          <p:cNvPr id="5" name="TextBox 4"/>
           <p:cNvSpPr txBox="1"/>
           <p:nvPr/>
         </p:nvSpPr>
         <p:spPr>
           <a:xfrm>
-            <a:off x="437367" y="2220308"/>
-            <a:ext cx="2919959" cy="1524007"/>
+            <a:off x="315751" y="3988668"/>
+            <a:ext cx="8512499" cy="830997"/>
           </a:xfrm>
           <a:prstGeom prst="rect">
             <a:avLst/>
@@ -19231,12 +20903,36 @@
               </a:lnSpc>
             </a:pPr>
             <a:r>
+              <a:rPr lang="en-US" sz="1600" dirty="0" smtClean="0">
+                <a:solidFill>
+                  <a:schemeClr val="bg1"/>
+                </a:solidFill>
+              </a:rPr>
+              <a:t>Around 1/4</a:t>
+            </a:r>
+            <a:r>
+              <a:rPr lang="en-US" sz="1600" baseline="30000" dirty="0" smtClean="0">
+                <a:solidFill>
+                  <a:schemeClr val="bg1"/>
+                </a:solidFill>
+              </a:rPr>
+              <a:t>th</a:t>
+            </a:r>
+            <a:r>
+              <a:rPr lang="en-US" sz="1600" dirty="0" smtClean="0">
+                <a:solidFill>
+                  <a:schemeClr val="bg1"/>
+                </a:solidFill>
+              </a:rPr>
+              <a:t> of bookings were cancelled </a:t>
+            </a:r>
+            <a:r>
               <a:rPr lang="en-US" sz="1600" dirty="0">
                 <a:solidFill>
                   <a:schemeClr val="bg1"/>
                 </a:solidFill>
               </a:rPr>
-              <a:t>For both hotel types, </a:t>
+              <a:t>where customer will get the money </a:t>
             </a:r>
             <a:r>
               <a:rPr lang="en-US" sz="1600" dirty="0" smtClean="0">
@@ -19244,7 +20940,7 @@
                   <a:schemeClr val="bg1"/>
                 </a:solidFill>
               </a:rPr>
-              <a:t>winter months </a:t>
+              <a:t>back. Only 5% </a:t>
             </a:r>
             <a:r>
               <a:rPr lang="en-US" sz="1600" dirty="0">
@@ -19252,7 +20948,7 @@
                   <a:schemeClr val="bg1"/>
                 </a:solidFill>
               </a:rPr>
-              <a:t>have less bookings compared to mid-year (or summer) </a:t>
+              <a:t>cancels their bookings when they can't get their money </a:t>
             </a:r>
             <a:r>
               <a:rPr lang="en-US" sz="1600" dirty="0" smtClean="0">
@@ -19260,7 +20956,7 @@
                   <a:schemeClr val="bg1"/>
                 </a:solidFill>
               </a:rPr>
-              <a:t>months.</a:t>
+              <a:t>back.</a:t>
             </a:r>
             <a:endParaRPr lang="en-IN" sz="1600" dirty="0">
               <a:solidFill>
@@ -19272,7 +20968,7 @@
       </p:sp>
       <p:pic>
         <p:nvPicPr>
-          <p:cNvPr id="2" name="Picture 1"/>
+          <p:cNvPr id="4" name="Picture 3"/>
           <p:cNvPicPr>
             <a:picLocks noChangeAspect="1"/>
           </p:cNvPicPr>
@@ -19286,8 +20982,8 @@
         </p:blipFill>
         <p:spPr>
           <a:xfrm>
-            <a:off x="3854727" y="1367331"/>
-            <a:ext cx="4973524" cy="3229962"/>
+            <a:off x="650745" y="1214978"/>
+            <a:ext cx="7842511" cy="2773690"/>
           </a:xfrm>
           <a:prstGeom prst="rect">
             <a:avLst/>
@@ -19297,7 +20993,7 @@
     </p:spTree>
     <p:extLst>
       <p:ext uri="{BB962C8B-B14F-4D97-AF65-F5344CB8AC3E}">
-        <p14:creationId xmlns:p14="http://schemas.microsoft.com/office/powerpoint/2010/main" val="3628492927"/>
+        <p14:creationId xmlns:p14="http://schemas.microsoft.com/office/powerpoint/2010/main" val="1456115297"/>
       </p:ext>
     </p:extLst>
   </p:cSld>
@@ -19441,19 +21137,7 @@
                 <a:cs typeface="Montserrat"/>
                 <a:sym typeface="Montserrat"/>
               </a:rPr>
-              <a:t>Monthly </a:t>
-            </a:r>
-            <a:r>
-              <a:rPr lang="en-IN" sz="2400" b="1" dirty="0" smtClean="0">
-                <a:solidFill>
-                  <a:schemeClr val="tx1"/>
-                </a:solidFill>
-                <a:latin typeface="Montserrat"/>
-                <a:ea typeface="Montserrat"/>
-                <a:cs typeface="Montserrat"/>
-                <a:sym typeface="Montserrat"/>
-              </a:rPr>
-              <a:t>Cancellations</a:t>
+              <a:t>Lead Time vs Cancellations</a:t>
             </a:r>
             <a:endParaRPr sz="2800" b="1" dirty="0">
               <a:solidFill>
@@ -19475,8 +21159,8 @@
         </p:nvSpPr>
         <p:spPr>
           <a:xfrm>
-            <a:off x="437367" y="1843312"/>
-            <a:ext cx="2919959" cy="2262671"/>
+            <a:off x="446470" y="1916820"/>
+            <a:ext cx="2567631" cy="1893339"/>
           </a:xfrm>
           <a:prstGeom prst="rect">
             <a:avLst/>
@@ -19500,39 +21184,7 @@
                   <a:schemeClr val="bg1"/>
                 </a:solidFill>
               </a:rPr>
-              <a:t>Graphs for </a:t>
-            </a:r>
-            <a:r>
-              <a:rPr lang="en-US" sz="1600" dirty="0" smtClean="0">
-                <a:solidFill>
-                  <a:schemeClr val="bg1"/>
-                </a:solidFill>
-              </a:rPr>
-              <a:t>total bookings </a:t>
-            </a:r>
-            <a:r>
-              <a:rPr lang="en-US" sz="1600" dirty="0">
-                <a:solidFill>
-                  <a:schemeClr val="bg1"/>
-                </a:solidFill>
-              </a:rPr>
-              <a:t>and </a:t>
-            </a:r>
-            <a:r>
-              <a:rPr lang="en-US" sz="1600" dirty="0" smtClean="0">
-                <a:solidFill>
-                  <a:schemeClr val="bg1"/>
-                </a:solidFill>
-              </a:rPr>
-              <a:t>total cancellations </a:t>
-            </a:r>
-            <a:r>
-              <a:rPr lang="en-US" sz="1600" dirty="0">
-                <a:solidFill>
-                  <a:schemeClr val="bg1"/>
-                </a:solidFill>
-              </a:rPr>
-              <a:t>for both hotel types are similar which means with more number of bookings, more are the cancellations.</a:t>
+              <a:t>Bookings having less lead time are less often cancelled whereas high lead time bookings are more often cancelled.</a:t>
             </a:r>
             <a:endParaRPr lang="en-IN" sz="1600" dirty="0">
               <a:solidFill>
@@ -19558,8 +21210,8 @@
         </p:blipFill>
         <p:spPr>
           <a:xfrm>
-            <a:off x="3828585" y="1335840"/>
-            <a:ext cx="4999666" cy="3277617"/>
+            <a:off x="3211551" y="1333608"/>
+            <a:ext cx="5691041" cy="3059764"/>
           </a:xfrm>
           <a:prstGeom prst="rect">
             <a:avLst/>
@@ -19569,7 +21221,7 @@
     </p:spTree>
     <p:extLst>
       <p:ext uri="{BB962C8B-B14F-4D97-AF65-F5344CB8AC3E}">
-        <p14:creationId xmlns:p14="http://schemas.microsoft.com/office/powerpoint/2010/main" val="2873266655"/>
+        <p14:creationId xmlns:p14="http://schemas.microsoft.com/office/powerpoint/2010/main" val="3658158790"/>
       </p:ext>
     </p:extLst>
   </p:cSld>
